--- a/PP/Microsoft PowerPoint-Präsentation (neu).pptx
+++ b/PP/Microsoft PowerPoint-Präsentation (neu).pptx
@@ -192,7 +192,7 @@
           <a:p>
             <a:fld id="{F0232FCF-9A7A-46D1-8813-697B3C5A0FC4}" type="datetimeFigureOut">
               <a:rPr lang="de-DE" smtClean="0"/>
-              <a:t>09.06.2020</a:t>
+              <a:t>11.06.2020</a:t>
             </a:fld>
             <a:endParaRPr lang="de-DE"/>
           </a:p>
@@ -725,7 +725,7 @@
           <a:p>
             <a:fld id="{1BA50D42-C9CD-4801-B293-61D1F53EC57E}" type="datetimeFigureOut">
               <a:rPr lang="de-DE" smtClean="0"/>
-              <a:t>09.06.2020</a:t>
+              <a:t>11.06.2020</a:t>
             </a:fld>
             <a:endParaRPr lang="de-DE"/>
           </a:p>
@@ -890,7 +890,7 @@
           <a:p>
             <a:fld id="{1BA50D42-C9CD-4801-B293-61D1F53EC57E}" type="datetimeFigureOut">
               <a:rPr lang="de-DE" smtClean="0"/>
-              <a:t>09.06.2020</a:t>
+              <a:t>11.06.2020</a:t>
             </a:fld>
             <a:endParaRPr lang="de-DE"/>
           </a:p>
@@ -1065,7 +1065,7 @@
           <a:p>
             <a:fld id="{1BA50D42-C9CD-4801-B293-61D1F53EC57E}" type="datetimeFigureOut">
               <a:rPr lang="de-DE" smtClean="0"/>
-              <a:t>09.06.2020</a:t>
+              <a:t>11.06.2020</a:t>
             </a:fld>
             <a:endParaRPr lang="de-DE"/>
           </a:p>
@@ -1230,7 +1230,7 @@
           <a:p>
             <a:fld id="{1BA50D42-C9CD-4801-B293-61D1F53EC57E}" type="datetimeFigureOut">
               <a:rPr lang="de-DE" smtClean="0"/>
-              <a:t>09.06.2020</a:t>
+              <a:t>11.06.2020</a:t>
             </a:fld>
             <a:endParaRPr lang="de-DE"/>
           </a:p>
@@ -1471,7 +1471,7 @@
           <a:p>
             <a:fld id="{1BA50D42-C9CD-4801-B293-61D1F53EC57E}" type="datetimeFigureOut">
               <a:rPr lang="de-DE" smtClean="0"/>
-              <a:t>09.06.2020</a:t>
+              <a:t>11.06.2020</a:t>
             </a:fld>
             <a:endParaRPr lang="de-DE"/>
           </a:p>
@@ -1754,7 +1754,7 @@
           <a:p>
             <a:fld id="{1BA50D42-C9CD-4801-B293-61D1F53EC57E}" type="datetimeFigureOut">
               <a:rPr lang="de-DE" smtClean="0"/>
-              <a:t>09.06.2020</a:t>
+              <a:t>11.06.2020</a:t>
             </a:fld>
             <a:endParaRPr lang="de-DE"/>
           </a:p>
@@ -2171,7 +2171,7 @@
           <a:p>
             <a:fld id="{1BA50D42-C9CD-4801-B293-61D1F53EC57E}" type="datetimeFigureOut">
               <a:rPr lang="de-DE" smtClean="0"/>
-              <a:t>09.06.2020</a:t>
+              <a:t>11.06.2020</a:t>
             </a:fld>
             <a:endParaRPr lang="de-DE"/>
           </a:p>
@@ -2284,7 +2284,7 @@
           <a:p>
             <a:fld id="{1BA50D42-C9CD-4801-B293-61D1F53EC57E}" type="datetimeFigureOut">
               <a:rPr lang="de-DE" smtClean="0"/>
-              <a:t>09.06.2020</a:t>
+              <a:t>11.06.2020</a:t>
             </a:fld>
             <a:endParaRPr lang="de-DE"/>
           </a:p>
@@ -2374,7 +2374,7 @@
           <a:p>
             <a:fld id="{1BA50D42-C9CD-4801-B293-61D1F53EC57E}" type="datetimeFigureOut">
               <a:rPr lang="de-DE" smtClean="0"/>
-              <a:t>09.06.2020</a:t>
+              <a:t>11.06.2020</a:t>
             </a:fld>
             <a:endParaRPr lang="de-DE"/>
           </a:p>
@@ -2646,7 +2646,7 @@
           <a:p>
             <a:fld id="{1BA50D42-C9CD-4801-B293-61D1F53EC57E}" type="datetimeFigureOut">
               <a:rPr lang="de-DE" smtClean="0"/>
-              <a:t>09.06.2020</a:t>
+              <a:t>11.06.2020</a:t>
             </a:fld>
             <a:endParaRPr lang="de-DE"/>
           </a:p>
@@ -2894,7 +2894,7 @@
           <a:p>
             <a:fld id="{1BA50D42-C9CD-4801-B293-61D1F53EC57E}" type="datetimeFigureOut">
               <a:rPr lang="de-DE" smtClean="0"/>
-              <a:t>09.06.2020</a:t>
+              <a:t>11.06.2020</a:t>
             </a:fld>
             <a:endParaRPr lang="de-DE"/>
           </a:p>
@@ -3102,7 +3102,7 @@
           <a:p>
             <a:fld id="{1BA50D42-C9CD-4801-B293-61D1F53EC57E}" type="datetimeFigureOut">
               <a:rPr lang="de-DE" smtClean="0"/>
-              <a:t>09.06.2020</a:t>
+              <a:t>11.06.2020</a:t>
             </a:fld>
             <a:endParaRPr lang="de-DE"/>
           </a:p>
@@ -3474,71 +3474,266 @@
       </p:grpSpPr>
       <p:sp>
         <p:nvSpPr>
-          <p:cNvPr id="126" name="Ellipse 125"/>
-          <p:cNvSpPr/>
-          <p:nvPr/>
-        </p:nvSpPr>
-        <p:spPr>
-          <a:xfrm>
-            <a:off x="984598" y="2702446"/>
-            <a:ext cx="792088" cy="504056"/>
-          </a:xfrm>
-          <a:prstGeom prst="ellipse">
-            <a:avLst/>
-          </a:prstGeom>
-          <a:solidFill>
-            <a:srgbClr val="332F1D"/>
-          </a:solidFill>
-          <a:ln>
-            <a:solidFill>
-              <a:schemeClr val="bg2">
-                <a:lumMod val="10000"/>
-              </a:schemeClr>
-            </a:solidFill>
-          </a:ln>
-        </p:spPr>
-        <p:style>
-          <a:lnRef idx="2">
-            <a:schemeClr val="accent1">
-              <a:shade val="50000"/>
-            </a:schemeClr>
-          </a:lnRef>
-          <a:fillRef idx="1">
-            <a:schemeClr val="accent1"/>
-          </a:fillRef>
-          <a:effectRef idx="0">
-            <a:schemeClr val="accent1"/>
-          </a:effectRef>
-          <a:fontRef idx="minor">
-            <a:schemeClr val="lt1"/>
-          </a:fontRef>
-        </p:style>
-        <p:txBody>
-          <a:bodyPr rtlCol="0" anchor="ctr"/>
-          <a:lstStyle/>
-          <a:p>
-            <a:pPr algn="ctr"/>
-            <a:endParaRPr lang="de-DE"/>
-          </a:p>
-        </p:txBody>
-      </p:sp>
-      <p:sp>
-        <p:nvSpPr>
-          <p:cNvPr id="4" name="Rechteck 3"/>
-          <p:cNvSpPr/>
-          <p:nvPr/>
-        </p:nvSpPr>
-        <p:spPr>
-          <a:xfrm>
-            <a:off x="-148213" y="-21670"/>
-            <a:ext cx="9144000" cy="6858000"/>
+          <p:cNvPr id="219" name="Rechteck 218"/>
+          <p:cNvSpPr/>
+          <p:nvPr/>
+        </p:nvSpPr>
+        <p:spPr>
+          <a:xfrm>
+            <a:off x="8052080" y="5972809"/>
+            <a:ext cx="60620" cy="178946"/>
           </a:xfrm>
           <a:prstGeom prst="rect">
             <a:avLst/>
           </a:prstGeom>
           <a:solidFill>
-            <a:schemeClr val="tx1"/>
-          </a:solidFill>
+            <a:srgbClr val="FFFF00"/>
+          </a:solidFill>
+          <a:ln>
+            <a:solidFill>
+              <a:srgbClr val="FFFF00"/>
+            </a:solidFill>
+          </a:ln>
+        </p:spPr>
+        <p:style>
+          <a:lnRef idx="2">
+            <a:schemeClr val="accent1">
+              <a:shade val="50000"/>
+            </a:schemeClr>
+          </a:lnRef>
+          <a:fillRef idx="1">
+            <a:schemeClr val="accent1"/>
+          </a:fillRef>
+          <a:effectRef idx="0">
+            <a:schemeClr val="accent1"/>
+          </a:effectRef>
+          <a:fontRef idx="minor">
+            <a:schemeClr val="lt1"/>
+          </a:fontRef>
+        </p:style>
+        <p:txBody>
+          <a:bodyPr rtlCol="0" anchor="ctr"/>
+          <a:lstStyle/>
+          <a:p>
+            <a:pPr algn="ctr"/>
+            <a:endParaRPr lang="de-DE"/>
+          </a:p>
+        </p:txBody>
+      </p:sp>
+      <p:sp>
+        <p:nvSpPr>
+          <p:cNvPr id="217" name="Rechteck 216"/>
+          <p:cNvSpPr/>
+          <p:nvPr/>
+        </p:nvSpPr>
+        <p:spPr>
+          <a:xfrm>
+            <a:off x="7728824" y="5972809"/>
+            <a:ext cx="60620" cy="178946"/>
+          </a:xfrm>
+          <a:prstGeom prst="rect">
+            <a:avLst/>
+          </a:prstGeom>
+          <a:solidFill>
+            <a:srgbClr val="FFFF00"/>
+          </a:solidFill>
+          <a:ln>
+            <a:solidFill>
+              <a:srgbClr val="FFFF00"/>
+            </a:solidFill>
+          </a:ln>
+        </p:spPr>
+        <p:style>
+          <a:lnRef idx="2">
+            <a:schemeClr val="accent1">
+              <a:shade val="50000"/>
+            </a:schemeClr>
+          </a:lnRef>
+          <a:fillRef idx="1">
+            <a:schemeClr val="accent1"/>
+          </a:fillRef>
+          <a:effectRef idx="0">
+            <a:schemeClr val="accent1"/>
+          </a:effectRef>
+          <a:fontRef idx="minor">
+            <a:schemeClr val="lt1"/>
+          </a:fontRef>
+        </p:style>
+        <p:txBody>
+          <a:bodyPr rtlCol="0" anchor="ctr"/>
+          <a:lstStyle/>
+          <a:p>
+            <a:pPr algn="ctr"/>
+            <a:endParaRPr lang="de-DE"/>
+          </a:p>
+        </p:txBody>
+      </p:sp>
+      <p:sp>
+        <p:nvSpPr>
+          <p:cNvPr id="200" name="Rechteck 199"/>
+          <p:cNvSpPr/>
+          <p:nvPr/>
+        </p:nvSpPr>
+        <p:spPr>
+          <a:xfrm>
+            <a:off x="6060728" y="6230465"/>
+            <a:ext cx="79222" cy="49702"/>
+          </a:xfrm>
+          <a:prstGeom prst="rect">
+            <a:avLst/>
+          </a:prstGeom>
+          <a:solidFill>
+            <a:srgbClr val="FFFF00"/>
+          </a:solidFill>
+          <a:ln>
+            <a:solidFill>
+              <a:srgbClr val="FFFF00"/>
+            </a:solidFill>
+          </a:ln>
+        </p:spPr>
+        <p:style>
+          <a:lnRef idx="2">
+            <a:schemeClr val="accent1">
+              <a:shade val="50000"/>
+            </a:schemeClr>
+          </a:lnRef>
+          <a:fillRef idx="1">
+            <a:schemeClr val="accent1"/>
+          </a:fillRef>
+          <a:effectRef idx="0">
+            <a:schemeClr val="accent1"/>
+          </a:effectRef>
+          <a:fontRef idx="minor">
+            <a:schemeClr val="lt1"/>
+          </a:fontRef>
+        </p:style>
+        <p:txBody>
+          <a:bodyPr rtlCol="0" anchor="ctr"/>
+          <a:lstStyle/>
+          <a:p>
+            <a:pPr algn="ctr"/>
+            <a:endParaRPr lang="de-DE"/>
+          </a:p>
+        </p:txBody>
+      </p:sp>
+      <p:sp>
+        <p:nvSpPr>
+          <p:cNvPr id="199" name="Rechteck 198"/>
+          <p:cNvSpPr/>
+          <p:nvPr/>
+        </p:nvSpPr>
+        <p:spPr>
+          <a:xfrm>
+            <a:off x="6060728" y="6097141"/>
+            <a:ext cx="79222" cy="49702"/>
+          </a:xfrm>
+          <a:prstGeom prst="rect">
+            <a:avLst/>
+          </a:prstGeom>
+          <a:solidFill>
+            <a:srgbClr val="FFFF00"/>
+          </a:solidFill>
+          <a:ln>
+            <a:solidFill>
+              <a:srgbClr val="FFFF00"/>
+            </a:solidFill>
+          </a:ln>
+        </p:spPr>
+        <p:style>
+          <a:lnRef idx="2">
+            <a:schemeClr val="accent1">
+              <a:shade val="50000"/>
+            </a:schemeClr>
+          </a:lnRef>
+          <a:fillRef idx="1">
+            <a:schemeClr val="accent1"/>
+          </a:fillRef>
+          <a:effectRef idx="0">
+            <a:schemeClr val="accent1"/>
+          </a:effectRef>
+          <a:fontRef idx="minor">
+            <a:schemeClr val="lt1"/>
+          </a:fontRef>
+        </p:style>
+        <p:txBody>
+          <a:bodyPr rtlCol="0" anchor="ctr"/>
+          <a:lstStyle/>
+          <a:p>
+            <a:pPr algn="ctr"/>
+            <a:endParaRPr lang="de-DE"/>
+          </a:p>
+        </p:txBody>
+      </p:sp>
+      <p:sp>
+        <p:nvSpPr>
+          <p:cNvPr id="201" name="Rechteck 200"/>
+          <p:cNvSpPr/>
+          <p:nvPr/>
+        </p:nvSpPr>
+        <p:spPr>
+          <a:xfrm>
+            <a:off x="7110303" y="6095299"/>
+            <a:ext cx="79571" cy="49702"/>
+          </a:xfrm>
+          <a:prstGeom prst="rect">
+            <a:avLst/>
+          </a:prstGeom>
+          <a:solidFill>
+            <a:srgbClr val="FFFF00"/>
+          </a:solidFill>
+          <a:ln>
+            <a:solidFill>
+              <a:srgbClr val="FFFF00"/>
+            </a:solidFill>
+          </a:ln>
+        </p:spPr>
+        <p:style>
+          <a:lnRef idx="2">
+            <a:schemeClr val="accent1">
+              <a:shade val="50000"/>
+            </a:schemeClr>
+          </a:lnRef>
+          <a:fillRef idx="1">
+            <a:schemeClr val="accent1"/>
+          </a:fillRef>
+          <a:effectRef idx="0">
+            <a:schemeClr val="accent1"/>
+          </a:effectRef>
+          <a:fontRef idx="minor">
+            <a:schemeClr val="lt1"/>
+          </a:fontRef>
+        </p:style>
+        <p:txBody>
+          <a:bodyPr rtlCol="0" anchor="ctr"/>
+          <a:lstStyle/>
+          <a:p>
+            <a:pPr algn="ctr"/>
+            <a:endParaRPr lang="de-DE"/>
+          </a:p>
+        </p:txBody>
+      </p:sp>
+      <p:sp>
+        <p:nvSpPr>
+          <p:cNvPr id="202" name="Rechteck 201"/>
+          <p:cNvSpPr/>
+          <p:nvPr/>
+        </p:nvSpPr>
+        <p:spPr>
+          <a:xfrm>
+            <a:off x="7107066" y="6230037"/>
+            <a:ext cx="81893" cy="49702"/>
+          </a:xfrm>
+          <a:prstGeom prst="rect">
+            <a:avLst/>
+          </a:prstGeom>
+          <a:solidFill>
+            <a:srgbClr val="FFFF00"/>
+          </a:solidFill>
+          <a:ln>
+            <a:solidFill>
+              <a:srgbClr val="FFFF00"/>
+            </a:solidFill>
+          </a:ln>
         </p:spPr>
         <p:style>
           <a:lnRef idx="2">
@@ -6747,57 +6942,6 @@
       </p:cxnSp>
       <p:sp>
         <p:nvSpPr>
-          <p:cNvPr id="86" name="Rechteck 85"/>
-          <p:cNvSpPr/>
-          <p:nvPr/>
-        </p:nvSpPr>
-        <p:spPr>
-          <a:xfrm flipV="1">
-            <a:off x="7812360" y="6021287"/>
-            <a:ext cx="216024" cy="45719"/>
-          </a:xfrm>
-          <a:prstGeom prst="rect">
-            <a:avLst/>
-          </a:prstGeom>
-          <a:solidFill>
-            <a:srgbClr val="FF0000"/>
-          </a:solidFill>
-          <a:ln>
-            <a:solidFill>
-              <a:schemeClr val="tx1">
-                <a:lumMod val="75000"/>
-                <a:lumOff val="25000"/>
-              </a:schemeClr>
-            </a:solidFill>
-          </a:ln>
-        </p:spPr>
-        <p:style>
-          <a:lnRef idx="2">
-            <a:schemeClr val="accent1">
-              <a:shade val="50000"/>
-            </a:schemeClr>
-          </a:lnRef>
-          <a:fillRef idx="1">
-            <a:schemeClr val="accent1"/>
-          </a:fillRef>
-          <a:effectRef idx="0">
-            <a:schemeClr val="accent1"/>
-          </a:effectRef>
-          <a:fontRef idx="minor">
-            <a:schemeClr val="lt1"/>
-          </a:fontRef>
-        </p:style>
-        <p:txBody>
-          <a:bodyPr rtlCol="0" anchor="ctr"/>
-          <a:lstStyle/>
-          <a:p>
-            <a:pPr algn="ctr"/>
-            <a:endParaRPr lang="de-DE"/>
-          </a:p>
-        </p:txBody>
-      </p:sp>
-      <p:sp>
-        <p:nvSpPr>
           <p:cNvPr id="87" name="Gleichschenkliges Dreieck 86"/>
           <p:cNvSpPr/>
           <p:nvPr/>
@@ -7444,7 +7588,7 @@
         <p:spPr>
           <a:xfrm>
             <a:off x="5292077" y="6533440"/>
-            <a:ext cx="288036" cy="147704"/>
+            <a:ext cx="288036" cy="72000"/>
           </a:xfrm>
           <a:prstGeom prst="rect">
             <a:avLst/>
@@ -7492,7 +7636,7 @@
         <p:spPr>
           <a:xfrm>
             <a:off x="5282361" y="6533440"/>
-            <a:ext cx="46498" cy="147704"/>
+            <a:ext cx="46498" cy="72000"/>
           </a:xfrm>
           <a:prstGeom prst="roundRect">
             <a:avLst/>
@@ -7540,7 +7684,7 @@
         <p:spPr>
           <a:xfrm>
             <a:off x="5358742" y="6534020"/>
-            <a:ext cx="45719" cy="147704"/>
+            <a:ext cx="45719" cy="72000"/>
           </a:xfrm>
           <a:prstGeom prst="roundRect">
             <a:avLst/>
@@ -7587,8 +7731,8 @@
         </p:nvSpPr>
         <p:spPr>
           <a:xfrm>
-            <a:off x="5540483" y="6533440"/>
-            <a:ext cx="46498" cy="147704"/>
+            <a:off x="6058057" y="6103992"/>
+            <a:ext cx="36000" cy="36000"/>
           </a:xfrm>
           <a:prstGeom prst="roundRect">
             <a:avLst/>
@@ -7635,8 +7779,8 @@
         </p:nvSpPr>
         <p:spPr>
           <a:xfrm>
-            <a:off x="5462385" y="6533440"/>
-            <a:ext cx="45719" cy="147704"/>
+            <a:off x="5456835" y="6533440"/>
+            <a:ext cx="45719" cy="72000"/>
           </a:xfrm>
           <a:prstGeom prst="roundRect">
             <a:avLst/>
@@ -7683,7 +7827,7 @@
         </p:nvSpPr>
         <p:spPr>
           <a:xfrm>
-            <a:off x="6111231" y="6090006"/>
+            <a:off x="6108729" y="6088532"/>
             <a:ext cx="45719" cy="67245"/>
           </a:xfrm>
           <a:prstGeom prst="roundRect">
@@ -7701,706 +7845,6 @@
                 <a:lumMod val="75000"/>
                 <a:lumOff val="25000"/>
               </a:schemeClr>
-            </a:solidFill>
-          </a:ln>
-        </p:spPr>
-        <p:style>
-          <a:lnRef idx="2">
-            <a:schemeClr val="accent1">
-              <a:shade val="50000"/>
-            </a:schemeClr>
-          </a:lnRef>
-          <a:fillRef idx="1">
-            <a:schemeClr val="accent1"/>
-          </a:fillRef>
-          <a:effectRef idx="0">
-            <a:schemeClr val="accent1"/>
-          </a:effectRef>
-          <a:fontRef idx="minor">
-            <a:schemeClr val="lt1"/>
-          </a:fontRef>
-        </p:style>
-        <p:txBody>
-          <a:bodyPr rtlCol="0" anchor="ctr"/>
-          <a:lstStyle/>
-          <a:p>
-            <a:pPr algn="ctr"/>
-            <a:endParaRPr lang="de-DE"/>
-          </a:p>
-        </p:txBody>
-      </p:sp>
-      <p:sp>
-        <p:nvSpPr>
-          <p:cNvPr id="208" name="Abgerundetes Rechteck 207"/>
-          <p:cNvSpPr/>
-          <p:nvPr/>
-        </p:nvSpPr>
-        <p:spPr>
-          <a:xfrm>
-            <a:off x="6108730" y="6221266"/>
-            <a:ext cx="45719" cy="67245"/>
-          </a:xfrm>
-          <a:prstGeom prst="roundRect">
-            <a:avLst/>
-          </a:prstGeom>
-          <a:solidFill>
-            <a:schemeClr val="tx1">
-              <a:lumMod val="75000"/>
-              <a:lumOff val="25000"/>
-            </a:schemeClr>
-          </a:solidFill>
-          <a:ln>
-            <a:solidFill>
-              <a:schemeClr val="tx1">
-                <a:lumMod val="75000"/>
-                <a:lumOff val="25000"/>
-              </a:schemeClr>
-            </a:solidFill>
-          </a:ln>
-        </p:spPr>
-        <p:style>
-          <a:lnRef idx="2">
-            <a:schemeClr val="accent1">
-              <a:shade val="50000"/>
-            </a:schemeClr>
-          </a:lnRef>
-          <a:fillRef idx="1">
-            <a:schemeClr val="accent1"/>
-          </a:fillRef>
-          <a:effectRef idx="0">
-            <a:schemeClr val="accent1"/>
-          </a:effectRef>
-          <a:fontRef idx="minor">
-            <a:schemeClr val="lt1"/>
-          </a:fontRef>
-        </p:style>
-        <p:txBody>
-          <a:bodyPr rtlCol="0" anchor="ctr"/>
-          <a:lstStyle/>
-          <a:p>
-            <a:pPr algn="ctr"/>
-            <a:endParaRPr lang="de-DE"/>
-          </a:p>
-        </p:txBody>
-      </p:sp>
-      <p:sp>
-        <p:nvSpPr>
-          <p:cNvPr id="209" name="Abgerundetes Rechteck 208"/>
-          <p:cNvSpPr/>
-          <p:nvPr/>
-        </p:nvSpPr>
-        <p:spPr>
-          <a:xfrm>
-            <a:off x="7092280" y="6088533"/>
-            <a:ext cx="45719" cy="67245"/>
-          </a:xfrm>
-          <a:prstGeom prst="roundRect">
-            <a:avLst/>
-          </a:prstGeom>
-          <a:solidFill>
-            <a:schemeClr val="tx1">
-              <a:lumMod val="75000"/>
-              <a:lumOff val="25000"/>
-            </a:schemeClr>
-          </a:solidFill>
-          <a:ln>
-            <a:solidFill>
-              <a:schemeClr val="tx1">
-                <a:lumMod val="75000"/>
-                <a:lumOff val="25000"/>
-              </a:schemeClr>
-            </a:solidFill>
-          </a:ln>
-        </p:spPr>
-        <p:style>
-          <a:lnRef idx="2">
-            <a:schemeClr val="accent1">
-              <a:shade val="50000"/>
-            </a:schemeClr>
-          </a:lnRef>
-          <a:fillRef idx="1">
-            <a:schemeClr val="accent1"/>
-          </a:fillRef>
-          <a:effectRef idx="0">
-            <a:schemeClr val="accent1"/>
-          </a:effectRef>
-          <a:fontRef idx="minor">
-            <a:schemeClr val="lt1"/>
-          </a:fontRef>
-        </p:style>
-        <p:txBody>
-          <a:bodyPr rtlCol="0" anchor="ctr"/>
-          <a:lstStyle/>
-          <a:p>
-            <a:pPr algn="ctr"/>
-            <a:endParaRPr lang="de-DE"/>
-          </a:p>
-        </p:txBody>
-      </p:sp>
-      <p:sp>
-        <p:nvSpPr>
-          <p:cNvPr id="210" name="Abgerundetes Rechteck 209"/>
-          <p:cNvSpPr/>
-          <p:nvPr/>
-        </p:nvSpPr>
-        <p:spPr>
-          <a:xfrm>
-            <a:off x="7092280" y="6222137"/>
-            <a:ext cx="45719" cy="67245"/>
-          </a:xfrm>
-          <a:prstGeom prst="roundRect">
-            <a:avLst/>
-          </a:prstGeom>
-          <a:solidFill>
-            <a:schemeClr val="tx1">
-              <a:lumMod val="75000"/>
-              <a:lumOff val="25000"/>
-            </a:schemeClr>
-          </a:solidFill>
-          <a:ln>
-            <a:solidFill>
-              <a:schemeClr val="tx1">
-                <a:lumMod val="75000"/>
-                <a:lumOff val="25000"/>
-              </a:schemeClr>
-            </a:solidFill>
-          </a:ln>
-        </p:spPr>
-        <p:style>
-          <a:lnRef idx="2">
-            <a:schemeClr val="accent1">
-              <a:shade val="50000"/>
-            </a:schemeClr>
-          </a:lnRef>
-          <a:fillRef idx="1">
-            <a:schemeClr val="accent1"/>
-          </a:fillRef>
-          <a:effectRef idx="0">
-            <a:schemeClr val="accent1"/>
-          </a:effectRef>
-          <a:fontRef idx="minor">
-            <a:schemeClr val="lt1"/>
-          </a:fontRef>
-        </p:style>
-        <p:txBody>
-          <a:bodyPr rtlCol="0" anchor="ctr"/>
-          <a:lstStyle/>
-          <a:p>
-            <a:pPr algn="ctr"/>
-            <a:endParaRPr lang="de-DE"/>
-          </a:p>
-        </p:txBody>
-      </p:sp>
-      <p:cxnSp>
-        <p:nvCxnSpPr>
-          <p:cNvPr id="213" name="Gerade Verbindung 212"/>
-          <p:cNvCxnSpPr>
-            <a:stCxn id="89" idx="5"/>
-          </p:cNvCxnSpPr>
-          <p:nvPr/>
-        </p:nvCxnSpPr>
-        <p:spPr>
-          <a:xfrm flipV="1">
-            <a:off x="7704348" y="6356763"/>
-            <a:ext cx="0" cy="60569"/>
-          </a:xfrm>
-          <a:prstGeom prst="line">
-            <a:avLst/>
-          </a:prstGeom>
-          <a:ln>
-            <a:solidFill>
-              <a:schemeClr val="tx1">
-                <a:lumMod val="75000"/>
-                <a:lumOff val="25000"/>
-              </a:schemeClr>
-            </a:solidFill>
-          </a:ln>
-        </p:spPr>
-        <p:style>
-          <a:lnRef idx="1">
-            <a:schemeClr val="accent1"/>
-          </a:lnRef>
-          <a:fillRef idx="0">
-            <a:schemeClr val="accent1"/>
-          </a:fillRef>
-          <a:effectRef idx="0">
-            <a:schemeClr val="accent1"/>
-          </a:effectRef>
-          <a:fontRef idx="minor">
-            <a:schemeClr val="tx1"/>
-          </a:fontRef>
-        </p:style>
-      </p:cxnSp>
-      <p:cxnSp>
-        <p:nvCxnSpPr>
-          <p:cNvPr id="214" name="Gerade Verbindung 213"/>
-          <p:cNvCxnSpPr/>
-          <p:nvPr/>
-        </p:nvCxnSpPr>
-        <p:spPr>
-          <a:xfrm flipV="1">
-            <a:off x="8136111" y="6364482"/>
-            <a:ext cx="0" cy="60569"/>
-          </a:xfrm>
-          <a:prstGeom prst="line">
-            <a:avLst/>
-          </a:prstGeom>
-          <a:ln>
-            <a:solidFill>
-              <a:schemeClr val="tx1">
-                <a:lumMod val="75000"/>
-                <a:lumOff val="25000"/>
-              </a:schemeClr>
-            </a:solidFill>
-          </a:ln>
-        </p:spPr>
-        <p:style>
-          <a:lnRef idx="1">
-            <a:schemeClr val="accent1"/>
-          </a:lnRef>
-          <a:fillRef idx="0">
-            <a:schemeClr val="accent1"/>
-          </a:fillRef>
-          <a:effectRef idx="0">
-            <a:schemeClr val="accent1"/>
-          </a:effectRef>
-          <a:fontRef idx="minor">
-            <a:schemeClr val="tx1"/>
-          </a:fontRef>
-        </p:style>
-      </p:cxnSp>
-      <p:cxnSp>
-        <p:nvCxnSpPr>
-          <p:cNvPr id="215" name="Gerade Verbindung 214"/>
-          <p:cNvCxnSpPr/>
-          <p:nvPr/>
-        </p:nvCxnSpPr>
-        <p:spPr>
-          <a:xfrm flipV="1">
-            <a:off x="8172400" y="6391381"/>
-            <a:ext cx="0" cy="60569"/>
-          </a:xfrm>
-          <a:prstGeom prst="line">
-            <a:avLst/>
-          </a:prstGeom>
-          <a:ln>
-            <a:solidFill>
-              <a:schemeClr val="tx1">
-                <a:lumMod val="75000"/>
-                <a:lumOff val="25000"/>
-              </a:schemeClr>
-            </a:solidFill>
-          </a:ln>
-        </p:spPr>
-        <p:style>
-          <a:lnRef idx="1">
-            <a:schemeClr val="accent1"/>
-          </a:lnRef>
-          <a:fillRef idx="0">
-            <a:schemeClr val="accent1"/>
-          </a:fillRef>
-          <a:effectRef idx="0">
-            <a:schemeClr val="accent1"/>
-          </a:effectRef>
-          <a:fontRef idx="minor">
-            <a:schemeClr val="tx1"/>
-          </a:fontRef>
-        </p:style>
-      </p:cxnSp>
-      <p:cxnSp>
-        <p:nvCxnSpPr>
-          <p:cNvPr id="216" name="Gerade Verbindung 215"/>
-          <p:cNvCxnSpPr/>
-          <p:nvPr/>
-        </p:nvCxnSpPr>
-        <p:spPr>
-          <a:xfrm flipV="1">
-            <a:off x="7668344" y="6397566"/>
-            <a:ext cx="0" cy="60569"/>
-          </a:xfrm>
-          <a:prstGeom prst="line">
-            <a:avLst/>
-          </a:prstGeom>
-          <a:ln>
-            <a:solidFill>
-              <a:schemeClr val="tx1">
-                <a:lumMod val="75000"/>
-                <a:lumOff val="25000"/>
-              </a:schemeClr>
-            </a:solidFill>
-          </a:ln>
-        </p:spPr>
-        <p:style>
-          <a:lnRef idx="1">
-            <a:schemeClr val="accent1"/>
-          </a:lnRef>
-          <a:fillRef idx="0">
-            <a:schemeClr val="accent1"/>
-          </a:fillRef>
-          <a:effectRef idx="0">
-            <a:schemeClr val="accent1"/>
-          </a:effectRef>
-          <a:fontRef idx="minor">
-            <a:schemeClr val="tx1"/>
-          </a:fontRef>
-        </p:style>
-      </p:cxnSp>
-      <p:sp>
-        <p:nvSpPr>
-          <p:cNvPr id="230" name="Ellipse 229"/>
-          <p:cNvSpPr/>
-          <p:nvPr/>
-        </p:nvSpPr>
-        <p:spPr>
-          <a:xfrm>
-            <a:off x="7645484" y="6315041"/>
-            <a:ext cx="45719" cy="72006"/>
-          </a:xfrm>
-          <a:prstGeom prst="ellipse">
-            <a:avLst/>
-          </a:prstGeom>
-          <a:solidFill>
-            <a:srgbClr val="FF0000"/>
-          </a:solidFill>
-          <a:ln>
-            <a:solidFill>
-              <a:srgbClr val="FFFF00"/>
-            </a:solidFill>
-          </a:ln>
-        </p:spPr>
-        <p:style>
-          <a:lnRef idx="2">
-            <a:schemeClr val="accent1">
-              <a:shade val="50000"/>
-            </a:schemeClr>
-          </a:lnRef>
-          <a:fillRef idx="1">
-            <a:schemeClr val="accent1"/>
-          </a:fillRef>
-          <a:effectRef idx="0">
-            <a:schemeClr val="accent1"/>
-          </a:effectRef>
-          <a:fontRef idx="minor">
-            <a:schemeClr val="lt1"/>
-          </a:fontRef>
-        </p:style>
-        <p:txBody>
-          <a:bodyPr rtlCol="0" anchor="ctr"/>
-          <a:lstStyle/>
-          <a:p>
-            <a:pPr algn="ctr"/>
-            <a:endParaRPr lang="de-DE"/>
-          </a:p>
-        </p:txBody>
-      </p:sp>
-      <p:sp>
-        <p:nvSpPr>
-          <p:cNvPr id="231" name="Ellipse 230"/>
-          <p:cNvSpPr/>
-          <p:nvPr/>
-        </p:nvSpPr>
-        <p:spPr>
-          <a:xfrm>
-            <a:off x="7681488" y="6276239"/>
-            <a:ext cx="45719" cy="72006"/>
-          </a:xfrm>
-          <a:prstGeom prst="ellipse">
-            <a:avLst/>
-          </a:prstGeom>
-          <a:solidFill>
-            <a:srgbClr val="FF0000"/>
-          </a:solidFill>
-          <a:ln>
-            <a:solidFill>
-              <a:srgbClr val="FFFF00"/>
-            </a:solidFill>
-          </a:ln>
-        </p:spPr>
-        <p:style>
-          <a:lnRef idx="2">
-            <a:schemeClr val="accent1">
-              <a:shade val="50000"/>
-            </a:schemeClr>
-          </a:lnRef>
-          <a:fillRef idx="1">
-            <a:schemeClr val="accent1"/>
-          </a:fillRef>
-          <a:effectRef idx="0">
-            <a:schemeClr val="accent1"/>
-          </a:effectRef>
-          <a:fontRef idx="minor">
-            <a:schemeClr val="lt1"/>
-          </a:fontRef>
-        </p:style>
-        <p:txBody>
-          <a:bodyPr rtlCol="0" anchor="ctr"/>
-          <a:lstStyle/>
-          <a:p>
-            <a:pPr algn="ctr"/>
-            <a:endParaRPr lang="de-DE"/>
-          </a:p>
-        </p:txBody>
-      </p:sp>
-      <p:sp>
-        <p:nvSpPr>
-          <p:cNvPr id="233" name="Ellipse 232"/>
-          <p:cNvSpPr/>
-          <p:nvPr/>
-        </p:nvSpPr>
-        <p:spPr>
-          <a:xfrm>
-            <a:off x="8149540" y="6320760"/>
-            <a:ext cx="45719" cy="72006"/>
-          </a:xfrm>
-          <a:prstGeom prst="ellipse">
-            <a:avLst/>
-          </a:prstGeom>
-          <a:solidFill>
-            <a:srgbClr val="FF0000"/>
-          </a:solidFill>
-          <a:ln>
-            <a:solidFill>
-              <a:srgbClr val="FFFF00"/>
-            </a:solidFill>
-          </a:ln>
-        </p:spPr>
-        <p:style>
-          <a:lnRef idx="2">
-            <a:schemeClr val="accent1">
-              <a:shade val="50000"/>
-            </a:schemeClr>
-          </a:lnRef>
-          <a:fillRef idx="1">
-            <a:schemeClr val="accent1"/>
-          </a:fillRef>
-          <a:effectRef idx="0">
-            <a:schemeClr val="accent1"/>
-          </a:effectRef>
-          <a:fontRef idx="minor">
-            <a:schemeClr val="lt1"/>
-          </a:fontRef>
-        </p:style>
-        <p:txBody>
-          <a:bodyPr rtlCol="0" anchor="ctr"/>
-          <a:lstStyle/>
-          <a:p>
-            <a:pPr algn="ctr"/>
-            <a:endParaRPr lang="de-DE"/>
-          </a:p>
-        </p:txBody>
-      </p:sp>
-      <p:sp>
-        <p:nvSpPr>
-          <p:cNvPr id="234" name="Ellipse 233"/>
-          <p:cNvSpPr/>
-          <p:nvPr/>
-        </p:nvSpPr>
-        <p:spPr>
-          <a:xfrm>
-            <a:off x="8113536" y="6284717"/>
-            <a:ext cx="45719" cy="72006"/>
-          </a:xfrm>
-          <a:prstGeom prst="ellipse">
-            <a:avLst/>
-          </a:prstGeom>
-          <a:solidFill>
-            <a:srgbClr val="FF0000"/>
-          </a:solidFill>
-          <a:ln>
-            <a:solidFill>
-              <a:srgbClr val="FFFF00"/>
-            </a:solidFill>
-          </a:ln>
-        </p:spPr>
-        <p:style>
-          <a:lnRef idx="2">
-            <a:schemeClr val="accent1">
-              <a:shade val="50000"/>
-            </a:schemeClr>
-          </a:lnRef>
-          <a:fillRef idx="1">
-            <a:schemeClr val="accent1"/>
-          </a:fillRef>
-          <a:effectRef idx="0">
-            <a:schemeClr val="accent1"/>
-          </a:effectRef>
-          <a:fontRef idx="minor">
-            <a:schemeClr val="lt1"/>
-          </a:fontRef>
-        </p:style>
-        <p:txBody>
-          <a:bodyPr rtlCol="0" anchor="ctr"/>
-          <a:lstStyle/>
-          <a:p>
-            <a:pPr algn="ctr"/>
-            <a:endParaRPr lang="de-DE"/>
-          </a:p>
-        </p:txBody>
-      </p:sp>
-      <p:sp>
-        <p:nvSpPr>
-          <p:cNvPr id="235" name="Ellipse 234"/>
-          <p:cNvSpPr/>
-          <p:nvPr/>
-        </p:nvSpPr>
-        <p:spPr>
-          <a:xfrm>
-            <a:off x="5939724" y="6222243"/>
-            <a:ext cx="144443" cy="72006"/>
-          </a:xfrm>
-          <a:prstGeom prst="ellipse">
-            <a:avLst/>
-          </a:prstGeom>
-          <a:solidFill>
-            <a:srgbClr val="FF0000"/>
-          </a:solidFill>
-          <a:ln>
-            <a:solidFill>
-              <a:srgbClr val="FFFF00"/>
-            </a:solidFill>
-          </a:ln>
-        </p:spPr>
-        <p:style>
-          <a:lnRef idx="2">
-            <a:schemeClr val="accent1">
-              <a:shade val="50000"/>
-            </a:schemeClr>
-          </a:lnRef>
-          <a:fillRef idx="1">
-            <a:schemeClr val="accent1"/>
-          </a:fillRef>
-          <a:effectRef idx="0">
-            <a:schemeClr val="accent1"/>
-          </a:effectRef>
-          <a:fontRef idx="minor">
-            <a:schemeClr val="lt1"/>
-          </a:fontRef>
-        </p:style>
-        <p:txBody>
-          <a:bodyPr rtlCol="0" anchor="ctr"/>
-          <a:lstStyle/>
-          <a:p>
-            <a:pPr algn="ctr"/>
-            <a:endParaRPr lang="de-DE"/>
-          </a:p>
-        </p:txBody>
-      </p:sp>
-      <p:sp>
-        <p:nvSpPr>
-          <p:cNvPr id="236" name="Ellipse 235"/>
-          <p:cNvSpPr/>
-          <p:nvPr/>
-        </p:nvSpPr>
-        <p:spPr>
-          <a:xfrm>
-            <a:off x="7164288" y="6090582"/>
-            <a:ext cx="144443" cy="72006"/>
-          </a:xfrm>
-          <a:prstGeom prst="ellipse">
-            <a:avLst/>
-          </a:prstGeom>
-          <a:solidFill>
-            <a:srgbClr val="FF0000"/>
-          </a:solidFill>
-          <a:ln>
-            <a:solidFill>
-              <a:srgbClr val="FFFF00"/>
-            </a:solidFill>
-          </a:ln>
-        </p:spPr>
-        <p:style>
-          <a:lnRef idx="2">
-            <a:schemeClr val="accent1">
-              <a:shade val="50000"/>
-            </a:schemeClr>
-          </a:lnRef>
-          <a:fillRef idx="1">
-            <a:schemeClr val="accent1"/>
-          </a:fillRef>
-          <a:effectRef idx="0">
-            <a:schemeClr val="accent1"/>
-          </a:effectRef>
-          <a:fontRef idx="minor">
-            <a:schemeClr val="lt1"/>
-          </a:fontRef>
-        </p:style>
-        <p:txBody>
-          <a:bodyPr rtlCol="0" anchor="ctr"/>
-          <a:lstStyle/>
-          <a:p>
-            <a:pPr algn="ctr"/>
-            <a:endParaRPr lang="de-DE"/>
-          </a:p>
-        </p:txBody>
-      </p:sp>
-      <p:sp>
-        <p:nvSpPr>
-          <p:cNvPr id="237" name="Ellipse 236"/>
-          <p:cNvSpPr/>
-          <p:nvPr/>
-        </p:nvSpPr>
-        <p:spPr>
-          <a:xfrm>
-            <a:off x="5939725" y="6088533"/>
-            <a:ext cx="144443" cy="72006"/>
-          </a:xfrm>
-          <a:prstGeom prst="ellipse">
-            <a:avLst/>
-          </a:prstGeom>
-          <a:solidFill>
-            <a:srgbClr val="FF0000"/>
-          </a:solidFill>
-          <a:ln>
-            <a:solidFill>
-              <a:srgbClr val="FFFF00"/>
-            </a:solidFill>
-          </a:ln>
-        </p:spPr>
-        <p:style>
-          <a:lnRef idx="2">
-            <a:schemeClr val="accent1">
-              <a:shade val="50000"/>
-            </a:schemeClr>
-          </a:lnRef>
-          <a:fillRef idx="1">
-            <a:schemeClr val="accent1"/>
-          </a:fillRef>
-          <a:effectRef idx="0">
-            <a:schemeClr val="accent1"/>
-          </a:effectRef>
-          <a:fontRef idx="minor">
-            <a:schemeClr val="lt1"/>
-          </a:fontRef>
-        </p:style>
-        <p:txBody>
-          <a:bodyPr rtlCol="0" anchor="ctr"/>
-          <a:lstStyle/>
-          <a:p>
-            <a:pPr algn="ctr"/>
-            <a:endParaRPr lang="de-DE"/>
-          </a:p>
-        </p:txBody>
-      </p:sp>
-      <p:sp>
-        <p:nvSpPr>
-          <p:cNvPr id="238" name="Ellipse 237"/>
-          <p:cNvSpPr/>
-          <p:nvPr/>
-        </p:nvSpPr>
-        <p:spPr>
-          <a:xfrm>
-            <a:off x="7163861" y="6216505"/>
-            <a:ext cx="144443" cy="72006"/>
-          </a:xfrm>
-          <a:prstGeom prst="ellipse">
-            <a:avLst/>
-          </a:prstGeom>
-          <a:solidFill>
-            <a:srgbClr val="FF0000"/>
-          </a:solidFill>
-          <a:ln>
-            <a:solidFill>
-              <a:srgbClr val="FFFF00"/>
             </a:solidFill>
           </a:ln>
         </p:spPr>
@@ -8770,7 +8214,7 @@
         </p:nvSpPr>
         <p:spPr>
           <a:xfrm>
-            <a:off x="4860032" y="1052736"/>
+            <a:off x="4863657" y="1054289"/>
             <a:ext cx="680451" cy="648072"/>
           </a:xfrm>
           <a:prstGeom prst="star4">
@@ -10743,6 +10187,1473 @@
           </a:fontRef>
         </p:style>
       </p:cxnSp>
+      <p:sp>
+        <p:nvSpPr>
+          <p:cNvPr id="21" name="Stern mit 4 Zacken 20"/>
+          <p:cNvSpPr/>
+          <p:nvPr/>
+        </p:nvSpPr>
+        <p:spPr>
+          <a:xfrm>
+            <a:off x="3926981" y="1054289"/>
+            <a:ext cx="676826" cy="684639"/>
+          </a:xfrm>
+          <a:prstGeom prst="star4">
+            <a:avLst/>
+          </a:prstGeom>
+          <a:solidFill>
+            <a:schemeClr val="accent1">
+              <a:lumMod val="20000"/>
+              <a:lumOff val="80000"/>
+            </a:schemeClr>
+          </a:solidFill>
+          <a:ln>
+            <a:solidFill>
+              <a:schemeClr val="accent1">
+                <a:lumMod val="40000"/>
+                <a:lumOff val="60000"/>
+              </a:schemeClr>
+            </a:solidFill>
+          </a:ln>
+        </p:spPr>
+        <p:style>
+          <a:lnRef idx="2">
+            <a:schemeClr val="accent1">
+              <a:shade val="50000"/>
+            </a:schemeClr>
+          </a:lnRef>
+          <a:fillRef idx="1">
+            <a:schemeClr val="accent1"/>
+          </a:fillRef>
+          <a:effectRef idx="0">
+            <a:schemeClr val="accent1"/>
+          </a:effectRef>
+          <a:fontRef idx="minor">
+            <a:schemeClr val="lt1"/>
+          </a:fontRef>
+        </p:style>
+        <p:txBody>
+          <a:bodyPr rtlCol="0" anchor="ctr"/>
+          <a:lstStyle/>
+          <a:p>
+            <a:pPr algn="ctr"/>
+            <a:endParaRPr lang="de-DE"/>
+          </a:p>
+        </p:txBody>
+      </p:sp>
+      <p:sp>
+        <p:nvSpPr>
+          <p:cNvPr id="22" name="Gleichschenkliges Dreieck 21"/>
+          <p:cNvSpPr/>
+          <p:nvPr/>
+        </p:nvSpPr>
+        <p:spPr>
+          <a:xfrm flipV="1">
+            <a:off x="6141112" y="863231"/>
+            <a:ext cx="721802" cy="922729"/>
+          </a:xfrm>
+          <a:prstGeom prst="triangle">
+            <a:avLst/>
+          </a:prstGeom>
+          <a:solidFill>
+            <a:srgbClr val="9A0000"/>
+          </a:solidFill>
+          <a:ln>
+            <a:solidFill>
+              <a:srgbClr val="580000"/>
+            </a:solidFill>
+          </a:ln>
+        </p:spPr>
+        <p:style>
+          <a:lnRef idx="2">
+            <a:schemeClr val="accent1">
+              <a:shade val="50000"/>
+            </a:schemeClr>
+          </a:lnRef>
+          <a:fillRef idx="1">
+            <a:schemeClr val="accent1"/>
+          </a:fillRef>
+          <a:effectRef idx="0">
+            <a:schemeClr val="accent1"/>
+          </a:effectRef>
+          <a:fontRef idx="minor">
+            <a:schemeClr val="lt1"/>
+          </a:fontRef>
+        </p:style>
+        <p:txBody>
+          <a:bodyPr rtlCol="0" anchor="ctr"/>
+          <a:lstStyle/>
+          <a:p>
+            <a:pPr algn="ctr"/>
+            <a:endParaRPr lang="de-DE"/>
+          </a:p>
+        </p:txBody>
+      </p:sp>
+      <p:sp>
+        <p:nvSpPr>
+          <p:cNvPr id="154" name="Gleichschenkliges Dreieck 153"/>
+          <p:cNvSpPr/>
+          <p:nvPr/>
+        </p:nvSpPr>
+        <p:spPr>
+          <a:xfrm flipV="1">
+            <a:off x="6077635" y="863231"/>
+            <a:ext cx="364711" cy="504408"/>
+          </a:xfrm>
+          <a:prstGeom prst="triangle">
+            <a:avLst/>
+          </a:prstGeom>
+          <a:solidFill>
+            <a:srgbClr val="9A0000"/>
+          </a:solidFill>
+          <a:ln>
+            <a:solidFill>
+              <a:srgbClr val="580000"/>
+            </a:solidFill>
+          </a:ln>
+        </p:spPr>
+        <p:style>
+          <a:lnRef idx="2">
+            <a:schemeClr val="accent1">
+              <a:shade val="50000"/>
+            </a:schemeClr>
+          </a:lnRef>
+          <a:fillRef idx="1">
+            <a:schemeClr val="accent1"/>
+          </a:fillRef>
+          <a:effectRef idx="0">
+            <a:schemeClr val="accent1"/>
+          </a:effectRef>
+          <a:fontRef idx="minor">
+            <a:schemeClr val="lt1"/>
+          </a:fontRef>
+        </p:style>
+        <p:txBody>
+          <a:bodyPr rtlCol="0" anchor="ctr"/>
+          <a:lstStyle/>
+          <a:p>
+            <a:pPr algn="ctr"/>
+            <a:endParaRPr lang="de-DE"/>
+          </a:p>
+        </p:txBody>
+      </p:sp>
+      <p:sp>
+        <p:nvSpPr>
+          <p:cNvPr id="155" name="Gleichschenkliges Dreieck 154"/>
+          <p:cNvSpPr/>
+          <p:nvPr/>
+        </p:nvSpPr>
+        <p:spPr>
+          <a:xfrm flipV="1">
+            <a:off x="6576978" y="863231"/>
+            <a:ext cx="371285" cy="504408"/>
+          </a:xfrm>
+          <a:prstGeom prst="triangle">
+            <a:avLst/>
+          </a:prstGeom>
+          <a:solidFill>
+            <a:srgbClr val="9A0000"/>
+          </a:solidFill>
+          <a:ln>
+            <a:solidFill>
+              <a:srgbClr val="580000"/>
+            </a:solidFill>
+          </a:ln>
+        </p:spPr>
+        <p:style>
+          <a:lnRef idx="2">
+            <a:schemeClr val="accent1">
+              <a:shade val="50000"/>
+            </a:schemeClr>
+          </a:lnRef>
+          <a:fillRef idx="1">
+            <a:schemeClr val="accent1"/>
+          </a:fillRef>
+          <a:effectRef idx="0">
+            <a:schemeClr val="accent1"/>
+          </a:effectRef>
+          <a:fontRef idx="minor">
+            <a:schemeClr val="lt1"/>
+          </a:fontRef>
+        </p:style>
+        <p:txBody>
+          <a:bodyPr rtlCol="0" anchor="ctr"/>
+          <a:lstStyle/>
+          <a:p>
+            <a:pPr algn="ctr"/>
+            <a:endParaRPr lang="de-DE"/>
+          </a:p>
+        </p:txBody>
+      </p:sp>
+      <p:sp>
+        <p:nvSpPr>
+          <p:cNvPr id="156" name="Gleichschenkliges Dreieck 155"/>
+          <p:cNvSpPr/>
+          <p:nvPr/>
+        </p:nvSpPr>
+        <p:spPr>
+          <a:xfrm flipV="1">
+            <a:off x="6319657" y="1197953"/>
+            <a:ext cx="364711" cy="504408"/>
+          </a:xfrm>
+          <a:prstGeom prst="triangle">
+            <a:avLst/>
+          </a:prstGeom>
+          <a:solidFill>
+            <a:srgbClr val="494949"/>
+          </a:solidFill>
+          <a:ln>
+            <a:solidFill>
+              <a:srgbClr val="580000"/>
+            </a:solidFill>
+          </a:ln>
+        </p:spPr>
+        <p:style>
+          <a:lnRef idx="2">
+            <a:schemeClr val="accent1">
+              <a:shade val="50000"/>
+            </a:schemeClr>
+          </a:lnRef>
+          <a:fillRef idx="1">
+            <a:schemeClr val="accent1"/>
+          </a:fillRef>
+          <a:effectRef idx="0">
+            <a:schemeClr val="accent1"/>
+          </a:effectRef>
+          <a:fontRef idx="minor">
+            <a:schemeClr val="lt1"/>
+          </a:fontRef>
+        </p:style>
+        <p:txBody>
+          <a:bodyPr rtlCol="0" anchor="ctr"/>
+          <a:lstStyle/>
+          <a:p>
+            <a:pPr algn="ctr"/>
+            <a:endParaRPr lang="de-DE"/>
+          </a:p>
+        </p:txBody>
+      </p:sp>
+      <p:sp>
+        <p:nvSpPr>
+          <p:cNvPr id="23" name="Abgerundetes Rechteck 22"/>
+          <p:cNvSpPr/>
+          <p:nvPr/>
+        </p:nvSpPr>
+        <p:spPr>
+          <a:xfrm>
+            <a:off x="6442346" y="932693"/>
+            <a:ext cx="134632" cy="107517"/>
+          </a:xfrm>
+          <a:prstGeom prst="roundRect">
+            <a:avLst/>
+          </a:prstGeom>
+          <a:solidFill>
+            <a:srgbClr val="494949"/>
+          </a:solidFill>
+          <a:ln>
+            <a:solidFill>
+              <a:srgbClr val="580000"/>
+            </a:solidFill>
+          </a:ln>
+        </p:spPr>
+        <p:style>
+          <a:lnRef idx="2">
+            <a:schemeClr val="accent1">
+              <a:shade val="50000"/>
+            </a:schemeClr>
+          </a:lnRef>
+          <a:fillRef idx="1">
+            <a:schemeClr val="accent1"/>
+          </a:fillRef>
+          <a:effectRef idx="0">
+            <a:schemeClr val="accent1"/>
+          </a:effectRef>
+          <a:fontRef idx="minor">
+            <a:schemeClr val="lt1"/>
+          </a:fontRef>
+        </p:style>
+        <p:txBody>
+          <a:bodyPr rtlCol="0" anchor="ctr"/>
+          <a:lstStyle/>
+          <a:p>
+            <a:pPr algn="ctr"/>
+            <a:endParaRPr lang="de-DE"/>
+          </a:p>
+        </p:txBody>
+      </p:sp>
+      <p:sp>
+        <p:nvSpPr>
+          <p:cNvPr id="158" name="Gleichschenkliges Dreieck 157"/>
+          <p:cNvSpPr/>
+          <p:nvPr/>
+        </p:nvSpPr>
+        <p:spPr>
+          <a:xfrm flipV="1">
+            <a:off x="6160497" y="945178"/>
+            <a:ext cx="198989" cy="305934"/>
+          </a:xfrm>
+          <a:prstGeom prst="triangle">
+            <a:avLst/>
+          </a:prstGeom>
+          <a:solidFill>
+            <a:srgbClr val="494949"/>
+          </a:solidFill>
+          <a:ln>
+            <a:solidFill>
+              <a:srgbClr val="580000"/>
+            </a:solidFill>
+          </a:ln>
+        </p:spPr>
+        <p:style>
+          <a:lnRef idx="2">
+            <a:schemeClr val="accent1">
+              <a:shade val="50000"/>
+            </a:schemeClr>
+          </a:lnRef>
+          <a:fillRef idx="1">
+            <a:schemeClr val="accent1"/>
+          </a:fillRef>
+          <a:effectRef idx="0">
+            <a:schemeClr val="accent1"/>
+          </a:effectRef>
+          <a:fontRef idx="minor">
+            <a:schemeClr val="lt1"/>
+          </a:fontRef>
+        </p:style>
+        <p:txBody>
+          <a:bodyPr rtlCol="0" anchor="ctr"/>
+          <a:lstStyle/>
+          <a:p>
+            <a:pPr algn="ctr"/>
+            <a:endParaRPr lang="de-DE"/>
+          </a:p>
+        </p:txBody>
+      </p:sp>
+      <p:sp>
+        <p:nvSpPr>
+          <p:cNvPr id="159" name="Gleichschenkliges Dreieck 158"/>
+          <p:cNvSpPr/>
+          <p:nvPr/>
+        </p:nvSpPr>
+        <p:spPr>
+          <a:xfrm flipV="1">
+            <a:off x="6663925" y="951974"/>
+            <a:ext cx="198989" cy="305934"/>
+          </a:xfrm>
+          <a:prstGeom prst="triangle">
+            <a:avLst/>
+          </a:prstGeom>
+          <a:solidFill>
+            <a:srgbClr val="494949"/>
+          </a:solidFill>
+          <a:ln>
+            <a:solidFill>
+              <a:srgbClr val="580000"/>
+            </a:solidFill>
+          </a:ln>
+        </p:spPr>
+        <p:style>
+          <a:lnRef idx="2">
+            <a:schemeClr val="accent1">
+              <a:shade val="50000"/>
+            </a:schemeClr>
+          </a:lnRef>
+          <a:fillRef idx="1">
+            <a:schemeClr val="accent1"/>
+          </a:fillRef>
+          <a:effectRef idx="0">
+            <a:schemeClr val="accent1"/>
+          </a:effectRef>
+          <a:fontRef idx="minor">
+            <a:schemeClr val="lt1"/>
+          </a:fontRef>
+        </p:style>
+        <p:txBody>
+          <a:bodyPr rtlCol="0" anchor="ctr"/>
+          <a:lstStyle/>
+          <a:p>
+            <a:pPr algn="ctr"/>
+            <a:endParaRPr lang="de-DE"/>
+          </a:p>
+        </p:txBody>
+      </p:sp>
+      <p:sp>
+        <p:nvSpPr>
+          <p:cNvPr id="26" name="Rechteck 25"/>
+          <p:cNvSpPr/>
+          <p:nvPr/>
+        </p:nvSpPr>
+        <p:spPr>
+          <a:xfrm>
+            <a:off x="6432962" y="764704"/>
+            <a:ext cx="155262" cy="98527"/>
+          </a:xfrm>
+          <a:prstGeom prst="rect">
+            <a:avLst/>
+          </a:prstGeom>
+          <a:solidFill>
+            <a:srgbClr val="9A0000"/>
+          </a:solidFill>
+          <a:ln>
+            <a:solidFill>
+              <a:schemeClr val="tx1">
+                <a:lumMod val="85000"/>
+                <a:lumOff val="15000"/>
+              </a:schemeClr>
+            </a:solidFill>
+          </a:ln>
+        </p:spPr>
+        <p:style>
+          <a:lnRef idx="2">
+            <a:schemeClr val="accent1">
+              <a:shade val="50000"/>
+            </a:schemeClr>
+          </a:lnRef>
+          <a:fillRef idx="1">
+            <a:schemeClr val="accent1"/>
+          </a:fillRef>
+          <a:effectRef idx="0">
+            <a:schemeClr val="accent1"/>
+          </a:effectRef>
+          <a:fontRef idx="minor">
+            <a:schemeClr val="lt1"/>
+          </a:fontRef>
+        </p:style>
+        <p:txBody>
+          <a:bodyPr rtlCol="0" anchor="ctr"/>
+          <a:lstStyle/>
+          <a:p>
+            <a:pPr algn="ctr"/>
+            <a:endParaRPr lang="de-DE"/>
+          </a:p>
+        </p:txBody>
+      </p:sp>
+      <p:cxnSp>
+        <p:nvCxnSpPr>
+          <p:cNvPr id="178" name="Gerade Verbindung 177"/>
+          <p:cNvCxnSpPr/>
+          <p:nvPr/>
+        </p:nvCxnSpPr>
+        <p:spPr>
+          <a:xfrm>
+            <a:off x="6444208" y="779497"/>
+            <a:ext cx="0" cy="68939"/>
+          </a:xfrm>
+          <a:prstGeom prst="line">
+            <a:avLst/>
+          </a:prstGeom>
+          <a:ln>
+            <a:solidFill>
+              <a:schemeClr val="tx1">
+                <a:lumMod val="85000"/>
+                <a:lumOff val="15000"/>
+              </a:schemeClr>
+            </a:solidFill>
+          </a:ln>
+        </p:spPr>
+        <p:style>
+          <a:lnRef idx="1">
+            <a:schemeClr val="accent1"/>
+          </a:lnRef>
+          <a:fillRef idx="0">
+            <a:schemeClr val="accent1"/>
+          </a:fillRef>
+          <a:effectRef idx="0">
+            <a:schemeClr val="accent1"/>
+          </a:effectRef>
+          <a:fontRef idx="minor">
+            <a:schemeClr val="tx1"/>
+          </a:fontRef>
+        </p:style>
+      </p:cxnSp>
+      <p:cxnSp>
+        <p:nvCxnSpPr>
+          <p:cNvPr id="180" name="Gerade Verbindung 179"/>
+          <p:cNvCxnSpPr/>
+          <p:nvPr/>
+        </p:nvCxnSpPr>
+        <p:spPr>
+          <a:xfrm>
+            <a:off x="6510593" y="779496"/>
+            <a:ext cx="0" cy="68939"/>
+          </a:xfrm>
+          <a:prstGeom prst="line">
+            <a:avLst/>
+          </a:prstGeom>
+          <a:ln>
+            <a:solidFill>
+              <a:schemeClr val="tx1">
+                <a:lumMod val="85000"/>
+                <a:lumOff val="15000"/>
+              </a:schemeClr>
+            </a:solidFill>
+          </a:ln>
+        </p:spPr>
+        <p:style>
+          <a:lnRef idx="1">
+            <a:schemeClr val="accent1"/>
+          </a:lnRef>
+          <a:fillRef idx="0">
+            <a:schemeClr val="accent1"/>
+          </a:fillRef>
+          <a:effectRef idx="0">
+            <a:schemeClr val="accent1"/>
+          </a:effectRef>
+          <a:fontRef idx="minor">
+            <a:schemeClr val="tx1"/>
+          </a:fontRef>
+        </p:style>
+      </p:cxnSp>
+      <p:cxnSp>
+        <p:nvCxnSpPr>
+          <p:cNvPr id="186" name="Gerade Verbindung 185"/>
+          <p:cNvCxnSpPr/>
+          <p:nvPr/>
+        </p:nvCxnSpPr>
+        <p:spPr>
+          <a:xfrm>
+            <a:off x="6502013" y="1785960"/>
+            <a:ext cx="0" cy="68939"/>
+          </a:xfrm>
+          <a:prstGeom prst="line">
+            <a:avLst/>
+          </a:prstGeom>
+          <a:ln>
+            <a:solidFill>
+              <a:srgbClr val="580000"/>
+            </a:solidFill>
+          </a:ln>
+        </p:spPr>
+        <p:style>
+          <a:lnRef idx="1">
+            <a:schemeClr val="accent1"/>
+          </a:lnRef>
+          <a:fillRef idx="0">
+            <a:schemeClr val="accent1"/>
+          </a:fillRef>
+          <a:effectRef idx="0">
+            <a:schemeClr val="accent1"/>
+          </a:effectRef>
+          <a:fontRef idx="minor">
+            <a:schemeClr val="tx1"/>
+          </a:fontRef>
+        </p:style>
+      </p:cxnSp>
+      <p:sp>
+        <p:nvSpPr>
+          <p:cNvPr id="187" name="Wolke 186"/>
+          <p:cNvSpPr/>
+          <p:nvPr/>
+        </p:nvSpPr>
+        <p:spPr>
+          <a:xfrm>
+            <a:off x="447215" y="3335320"/>
+            <a:ext cx="596393" cy="237695"/>
+          </a:xfrm>
+          <a:prstGeom prst="cloud">
+            <a:avLst/>
+          </a:prstGeom>
+          <a:solidFill>
+            <a:srgbClr val="494949"/>
+          </a:solidFill>
+          <a:ln>
+            <a:solidFill>
+              <a:schemeClr val="tx1">
+                <a:lumMod val="85000"/>
+                <a:lumOff val="15000"/>
+              </a:schemeClr>
+            </a:solidFill>
+          </a:ln>
+        </p:spPr>
+        <p:style>
+          <a:lnRef idx="2">
+            <a:schemeClr val="accent1">
+              <a:shade val="50000"/>
+            </a:schemeClr>
+          </a:lnRef>
+          <a:fillRef idx="1">
+            <a:schemeClr val="accent1"/>
+          </a:fillRef>
+          <a:effectRef idx="0">
+            <a:schemeClr val="accent1"/>
+          </a:effectRef>
+          <a:fontRef idx="minor">
+            <a:schemeClr val="lt1"/>
+          </a:fontRef>
+        </p:style>
+        <p:txBody>
+          <a:bodyPr rtlCol="0" anchor="ctr"/>
+          <a:lstStyle/>
+          <a:p>
+            <a:pPr algn="ctr"/>
+            <a:endParaRPr lang="de-DE"/>
+          </a:p>
+        </p:txBody>
+      </p:sp>
+      <p:sp>
+        <p:nvSpPr>
+          <p:cNvPr id="188" name="Wolke 187"/>
+          <p:cNvSpPr/>
+          <p:nvPr/>
+        </p:nvSpPr>
+        <p:spPr>
+          <a:xfrm>
+            <a:off x="767605" y="3374397"/>
+            <a:ext cx="263973" cy="157304"/>
+          </a:xfrm>
+          <a:prstGeom prst="cloud">
+            <a:avLst/>
+          </a:prstGeom>
+          <a:solidFill>
+            <a:srgbClr val="494949"/>
+          </a:solidFill>
+          <a:ln>
+            <a:solidFill>
+              <a:schemeClr val="tx1">
+                <a:lumMod val="85000"/>
+                <a:lumOff val="15000"/>
+              </a:schemeClr>
+            </a:solidFill>
+          </a:ln>
+        </p:spPr>
+        <p:style>
+          <a:lnRef idx="2">
+            <a:schemeClr val="accent1">
+              <a:shade val="50000"/>
+            </a:schemeClr>
+          </a:lnRef>
+          <a:fillRef idx="1">
+            <a:schemeClr val="accent1"/>
+          </a:fillRef>
+          <a:effectRef idx="0">
+            <a:schemeClr val="accent1"/>
+          </a:effectRef>
+          <a:fontRef idx="minor">
+            <a:schemeClr val="lt1"/>
+          </a:fontRef>
+        </p:style>
+        <p:txBody>
+          <a:bodyPr rtlCol="0" anchor="ctr"/>
+          <a:lstStyle/>
+          <a:p>
+            <a:pPr algn="ctr"/>
+            <a:endParaRPr lang="de-DE"/>
+          </a:p>
+        </p:txBody>
+      </p:sp>
+      <p:sp>
+        <p:nvSpPr>
+          <p:cNvPr id="194" name="Wolke 193"/>
+          <p:cNvSpPr/>
+          <p:nvPr/>
+        </p:nvSpPr>
+        <p:spPr>
+          <a:xfrm>
+            <a:off x="463608" y="3346963"/>
+            <a:ext cx="350281" cy="224407"/>
+          </a:xfrm>
+          <a:prstGeom prst="cloud">
+            <a:avLst/>
+          </a:prstGeom>
+          <a:solidFill>
+            <a:srgbClr val="494949"/>
+          </a:solidFill>
+          <a:ln>
+            <a:solidFill>
+              <a:schemeClr val="tx1">
+                <a:lumMod val="85000"/>
+                <a:lumOff val="15000"/>
+              </a:schemeClr>
+            </a:solidFill>
+          </a:ln>
+        </p:spPr>
+        <p:style>
+          <a:lnRef idx="2">
+            <a:schemeClr val="accent1">
+              <a:shade val="50000"/>
+            </a:schemeClr>
+          </a:lnRef>
+          <a:fillRef idx="1">
+            <a:schemeClr val="accent1"/>
+          </a:fillRef>
+          <a:effectRef idx="0">
+            <a:schemeClr val="accent1"/>
+          </a:effectRef>
+          <a:fontRef idx="minor">
+            <a:schemeClr val="lt1"/>
+          </a:fontRef>
+        </p:style>
+        <p:txBody>
+          <a:bodyPr rtlCol="0" anchor="ctr"/>
+          <a:lstStyle/>
+          <a:p>
+            <a:pPr algn="ctr"/>
+            <a:endParaRPr lang="de-DE"/>
+          </a:p>
+        </p:txBody>
+      </p:sp>
+      <p:sp>
+        <p:nvSpPr>
+          <p:cNvPr id="195" name="Wolke 194"/>
+          <p:cNvSpPr/>
+          <p:nvPr/>
+        </p:nvSpPr>
+        <p:spPr>
+          <a:xfrm>
+            <a:off x="674857" y="3394183"/>
+            <a:ext cx="133779" cy="137518"/>
+          </a:xfrm>
+          <a:prstGeom prst="cloud">
+            <a:avLst/>
+          </a:prstGeom>
+          <a:solidFill>
+            <a:srgbClr val="494949"/>
+          </a:solidFill>
+          <a:ln>
+            <a:solidFill>
+              <a:schemeClr val="tx1">
+                <a:lumMod val="85000"/>
+                <a:lumOff val="15000"/>
+              </a:schemeClr>
+            </a:solidFill>
+          </a:ln>
+        </p:spPr>
+        <p:style>
+          <a:lnRef idx="2">
+            <a:schemeClr val="accent1">
+              <a:shade val="50000"/>
+            </a:schemeClr>
+          </a:lnRef>
+          <a:fillRef idx="1">
+            <a:schemeClr val="accent1"/>
+          </a:fillRef>
+          <a:effectRef idx="0">
+            <a:schemeClr val="accent1"/>
+          </a:effectRef>
+          <a:fontRef idx="minor">
+            <a:schemeClr val="lt1"/>
+          </a:fontRef>
+        </p:style>
+        <p:txBody>
+          <a:bodyPr rtlCol="0" anchor="ctr"/>
+          <a:lstStyle/>
+          <a:p>
+            <a:pPr algn="ctr"/>
+            <a:endParaRPr lang="de-DE"/>
+          </a:p>
+        </p:txBody>
+      </p:sp>
+      <p:sp>
+        <p:nvSpPr>
+          <p:cNvPr id="196" name="Wolke 195"/>
+          <p:cNvSpPr/>
+          <p:nvPr/>
+        </p:nvSpPr>
+        <p:spPr>
+          <a:xfrm>
+            <a:off x="468486" y="3386372"/>
+            <a:ext cx="142131" cy="157304"/>
+          </a:xfrm>
+          <a:prstGeom prst="cloud">
+            <a:avLst/>
+          </a:prstGeom>
+          <a:solidFill>
+            <a:srgbClr val="494949"/>
+          </a:solidFill>
+          <a:ln>
+            <a:solidFill>
+              <a:schemeClr val="tx1">
+                <a:lumMod val="85000"/>
+                <a:lumOff val="15000"/>
+              </a:schemeClr>
+            </a:solidFill>
+          </a:ln>
+        </p:spPr>
+        <p:style>
+          <a:lnRef idx="2">
+            <a:schemeClr val="accent1">
+              <a:shade val="50000"/>
+            </a:schemeClr>
+          </a:lnRef>
+          <a:fillRef idx="1">
+            <a:schemeClr val="accent1"/>
+          </a:fillRef>
+          <a:effectRef idx="0">
+            <a:schemeClr val="accent1"/>
+          </a:effectRef>
+          <a:fontRef idx="minor">
+            <a:schemeClr val="lt1"/>
+          </a:fontRef>
+        </p:style>
+        <p:txBody>
+          <a:bodyPr rtlCol="0" anchor="ctr"/>
+          <a:lstStyle/>
+          <a:p>
+            <a:pPr algn="ctr"/>
+            <a:endParaRPr lang="de-DE"/>
+          </a:p>
+        </p:txBody>
+      </p:sp>
+      <p:sp>
+        <p:nvSpPr>
+          <p:cNvPr id="197" name="Wolke 196"/>
+          <p:cNvSpPr/>
+          <p:nvPr/>
+        </p:nvSpPr>
+        <p:spPr>
+          <a:xfrm>
+            <a:off x="569747" y="3415711"/>
+            <a:ext cx="149825" cy="157304"/>
+          </a:xfrm>
+          <a:prstGeom prst="cloud">
+            <a:avLst/>
+          </a:prstGeom>
+          <a:solidFill>
+            <a:srgbClr val="494949"/>
+          </a:solidFill>
+          <a:ln>
+            <a:solidFill>
+              <a:schemeClr val="tx1">
+                <a:lumMod val="85000"/>
+                <a:lumOff val="15000"/>
+              </a:schemeClr>
+            </a:solidFill>
+          </a:ln>
+        </p:spPr>
+        <p:style>
+          <a:lnRef idx="2">
+            <a:schemeClr val="accent1">
+              <a:shade val="50000"/>
+            </a:schemeClr>
+          </a:lnRef>
+          <a:fillRef idx="1">
+            <a:schemeClr val="accent1"/>
+          </a:fillRef>
+          <a:effectRef idx="0">
+            <a:schemeClr val="accent1"/>
+          </a:effectRef>
+          <a:fontRef idx="minor">
+            <a:schemeClr val="lt1"/>
+          </a:fontRef>
+        </p:style>
+        <p:txBody>
+          <a:bodyPr rtlCol="0" anchor="ctr"/>
+          <a:lstStyle/>
+          <a:p>
+            <a:pPr algn="ctr"/>
+            <a:endParaRPr lang="de-DE"/>
+          </a:p>
+        </p:txBody>
+      </p:sp>
+      <p:sp>
+        <p:nvSpPr>
+          <p:cNvPr id="204" name="Abgerundetes Rechteck 203"/>
+          <p:cNvSpPr/>
+          <p:nvPr/>
+        </p:nvSpPr>
+        <p:spPr>
+          <a:xfrm>
+            <a:off x="6060728" y="6239372"/>
+            <a:ext cx="36000" cy="36000"/>
+          </a:xfrm>
+          <a:prstGeom prst="roundRect">
+            <a:avLst/>
+          </a:prstGeom>
+          <a:solidFill>
+            <a:srgbClr val="FFC000"/>
+          </a:solidFill>
+          <a:ln>
+            <a:solidFill>
+              <a:srgbClr val="FF0000"/>
+            </a:solidFill>
+          </a:ln>
+        </p:spPr>
+        <p:style>
+          <a:lnRef idx="2">
+            <a:schemeClr val="accent1">
+              <a:shade val="50000"/>
+            </a:schemeClr>
+          </a:lnRef>
+          <a:fillRef idx="1">
+            <a:schemeClr val="accent1"/>
+          </a:fillRef>
+          <a:effectRef idx="0">
+            <a:schemeClr val="accent1"/>
+          </a:effectRef>
+          <a:fontRef idx="minor">
+            <a:schemeClr val="lt1"/>
+          </a:fontRef>
+        </p:style>
+        <p:txBody>
+          <a:bodyPr rtlCol="0" anchor="ctr"/>
+          <a:lstStyle/>
+          <a:p>
+            <a:pPr algn="ctr"/>
+            <a:endParaRPr lang="de-DE"/>
+          </a:p>
+        </p:txBody>
+      </p:sp>
+      <p:sp>
+        <p:nvSpPr>
+          <p:cNvPr id="208" name="Abgerundetes Rechteck 207"/>
+          <p:cNvSpPr/>
+          <p:nvPr/>
+        </p:nvSpPr>
+        <p:spPr>
+          <a:xfrm>
+            <a:off x="6108730" y="6221266"/>
+            <a:ext cx="45719" cy="67245"/>
+          </a:xfrm>
+          <a:prstGeom prst="roundRect">
+            <a:avLst/>
+          </a:prstGeom>
+          <a:solidFill>
+            <a:schemeClr val="tx1">
+              <a:lumMod val="75000"/>
+              <a:lumOff val="25000"/>
+            </a:schemeClr>
+          </a:solidFill>
+          <a:ln>
+            <a:solidFill>
+              <a:schemeClr val="tx1">
+                <a:lumMod val="75000"/>
+                <a:lumOff val="25000"/>
+              </a:schemeClr>
+            </a:solidFill>
+          </a:ln>
+        </p:spPr>
+        <p:style>
+          <a:lnRef idx="2">
+            <a:schemeClr val="accent1">
+              <a:shade val="50000"/>
+            </a:schemeClr>
+          </a:lnRef>
+          <a:fillRef idx="1">
+            <a:schemeClr val="accent1"/>
+          </a:fillRef>
+          <a:effectRef idx="0">
+            <a:schemeClr val="accent1"/>
+          </a:effectRef>
+          <a:fontRef idx="minor">
+            <a:schemeClr val="lt1"/>
+          </a:fontRef>
+        </p:style>
+        <p:txBody>
+          <a:bodyPr rtlCol="0" anchor="ctr"/>
+          <a:lstStyle/>
+          <a:p>
+            <a:pPr algn="ctr"/>
+            <a:endParaRPr lang="de-DE"/>
+          </a:p>
+        </p:txBody>
+      </p:sp>
+      <p:sp>
+        <p:nvSpPr>
+          <p:cNvPr id="205" name="Abgerundetes Rechteck 204"/>
+          <p:cNvSpPr/>
+          <p:nvPr/>
+        </p:nvSpPr>
+        <p:spPr>
+          <a:xfrm>
+            <a:off x="7152959" y="6104154"/>
+            <a:ext cx="36000" cy="36000"/>
+          </a:xfrm>
+          <a:prstGeom prst="roundRect">
+            <a:avLst/>
+          </a:prstGeom>
+          <a:solidFill>
+            <a:srgbClr val="FFC000"/>
+          </a:solidFill>
+          <a:ln>
+            <a:solidFill>
+              <a:srgbClr val="FF0000"/>
+            </a:solidFill>
+          </a:ln>
+        </p:spPr>
+        <p:style>
+          <a:lnRef idx="2">
+            <a:schemeClr val="accent1">
+              <a:shade val="50000"/>
+            </a:schemeClr>
+          </a:lnRef>
+          <a:fillRef idx="1">
+            <a:schemeClr val="accent1"/>
+          </a:fillRef>
+          <a:effectRef idx="0">
+            <a:schemeClr val="accent1"/>
+          </a:effectRef>
+          <a:fontRef idx="minor">
+            <a:schemeClr val="lt1"/>
+          </a:fontRef>
+        </p:style>
+        <p:txBody>
+          <a:bodyPr rtlCol="0" anchor="ctr"/>
+          <a:lstStyle/>
+          <a:p>
+            <a:pPr algn="ctr"/>
+            <a:endParaRPr lang="de-DE"/>
+          </a:p>
+        </p:txBody>
+      </p:sp>
+      <p:sp>
+        <p:nvSpPr>
+          <p:cNvPr id="209" name="Abgerundetes Rechteck 208"/>
+          <p:cNvSpPr/>
+          <p:nvPr/>
+        </p:nvSpPr>
+        <p:spPr>
+          <a:xfrm>
+            <a:off x="7092244" y="6088531"/>
+            <a:ext cx="45719" cy="67245"/>
+          </a:xfrm>
+          <a:prstGeom prst="roundRect">
+            <a:avLst/>
+          </a:prstGeom>
+          <a:solidFill>
+            <a:schemeClr val="tx1">
+              <a:lumMod val="75000"/>
+              <a:lumOff val="25000"/>
+            </a:schemeClr>
+          </a:solidFill>
+          <a:ln>
+            <a:solidFill>
+              <a:schemeClr val="tx1">
+                <a:lumMod val="75000"/>
+                <a:lumOff val="25000"/>
+              </a:schemeClr>
+            </a:solidFill>
+          </a:ln>
+        </p:spPr>
+        <p:style>
+          <a:lnRef idx="2">
+            <a:schemeClr val="accent1">
+              <a:shade val="50000"/>
+            </a:schemeClr>
+          </a:lnRef>
+          <a:fillRef idx="1">
+            <a:schemeClr val="accent1"/>
+          </a:fillRef>
+          <a:effectRef idx="0">
+            <a:schemeClr val="accent1"/>
+          </a:effectRef>
+          <a:fontRef idx="minor">
+            <a:schemeClr val="lt1"/>
+          </a:fontRef>
+        </p:style>
+        <p:txBody>
+          <a:bodyPr rtlCol="0" anchor="ctr"/>
+          <a:lstStyle/>
+          <a:p>
+            <a:pPr algn="ctr"/>
+            <a:endParaRPr lang="de-DE"/>
+          </a:p>
+        </p:txBody>
+      </p:sp>
+      <p:sp>
+        <p:nvSpPr>
+          <p:cNvPr id="207" name="Abgerundetes Rechteck 206"/>
+          <p:cNvSpPr/>
+          <p:nvPr/>
+        </p:nvSpPr>
+        <p:spPr>
+          <a:xfrm>
+            <a:off x="7153874" y="6235227"/>
+            <a:ext cx="36000" cy="36000"/>
+          </a:xfrm>
+          <a:prstGeom prst="roundRect">
+            <a:avLst/>
+          </a:prstGeom>
+          <a:solidFill>
+            <a:srgbClr val="FFC000"/>
+          </a:solidFill>
+          <a:ln>
+            <a:solidFill>
+              <a:srgbClr val="FF0000"/>
+            </a:solidFill>
+          </a:ln>
+        </p:spPr>
+        <p:style>
+          <a:lnRef idx="2">
+            <a:schemeClr val="accent1">
+              <a:shade val="50000"/>
+            </a:schemeClr>
+          </a:lnRef>
+          <a:fillRef idx="1">
+            <a:schemeClr val="accent1"/>
+          </a:fillRef>
+          <a:effectRef idx="0">
+            <a:schemeClr val="accent1"/>
+          </a:effectRef>
+          <a:fontRef idx="minor">
+            <a:schemeClr val="lt1"/>
+          </a:fontRef>
+        </p:style>
+        <p:txBody>
+          <a:bodyPr rtlCol="0" anchor="ctr"/>
+          <a:lstStyle/>
+          <a:p>
+            <a:pPr algn="ctr"/>
+            <a:endParaRPr lang="de-DE"/>
+          </a:p>
+        </p:txBody>
+      </p:sp>
+      <p:sp>
+        <p:nvSpPr>
+          <p:cNvPr id="210" name="Abgerundetes Rechteck 209"/>
+          <p:cNvSpPr/>
+          <p:nvPr/>
+        </p:nvSpPr>
+        <p:spPr>
+          <a:xfrm>
+            <a:off x="7092280" y="6222137"/>
+            <a:ext cx="45719" cy="67245"/>
+          </a:xfrm>
+          <a:prstGeom prst="roundRect">
+            <a:avLst/>
+          </a:prstGeom>
+          <a:solidFill>
+            <a:schemeClr val="tx1">
+              <a:lumMod val="75000"/>
+              <a:lumOff val="25000"/>
+            </a:schemeClr>
+          </a:solidFill>
+          <a:ln>
+            <a:solidFill>
+              <a:schemeClr val="tx1">
+                <a:lumMod val="75000"/>
+                <a:lumOff val="25000"/>
+              </a:schemeClr>
+            </a:solidFill>
+          </a:ln>
+        </p:spPr>
+        <p:style>
+          <a:lnRef idx="2">
+            <a:schemeClr val="accent1">
+              <a:shade val="50000"/>
+            </a:schemeClr>
+          </a:lnRef>
+          <a:fillRef idx="1">
+            <a:schemeClr val="accent1"/>
+          </a:fillRef>
+          <a:effectRef idx="0">
+            <a:schemeClr val="accent1"/>
+          </a:effectRef>
+          <a:fontRef idx="minor">
+            <a:schemeClr val="lt1"/>
+          </a:fontRef>
+        </p:style>
+        <p:txBody>
+          <a:bodyPr rtlCol="0" anchor="ctr"/>
+          <a:lstStyle/>
+          <a:p>
+            <a:pPr algn="ctr"/>
+            <a:endParaRPr lang="de-DE"/>
+          </a:p>
+        </p:txBody>
+      </p:sp>
+      <p:sp>
+        <p:nvSpPr>
+          <p:cNvPr id="86" name="Rechteck 85"/>
+          <p:cNvSpPr/>
+          <p:nvPr/>
+        </p:nvSpPr>
+        <p:spPr>
+          <a:xfrm flipV="1">
+            <a:off x="7812360" y="6021287"/>
+            <a:ext cx="216024" cy="45719"/>
+          </a:xfrm>
+          <a:prstGeom prst="rect">
+            <a:avLst/>
+          </a:prstGeom>
+          <a:solidFill>
+            <a:srgbClr val="FF0000"/>
+          </a:solidFill>
+          <a:ln>
+            <a:solidFill>
+              <a:schemeClr val="tx1">
+                <a:lumMod val="75000"/>
+                <a:lumOff val="25000"/>
+              </a:schemeClr>
+            </a:solidFill>
+          </a:ln>
+        </p:spPr>
+        <p:style>
+          <a:lnRef idx="2">
+            <a:schemeClr val="accent1">
+              <a:shade val="50000"/>
+            </a:schemeClr>
+          </a:lnRef>
+          <a:fillRef idx="1">
+            <a:schemeClr val="accent1"/>
+          </a:fillRef>
+          <a:effectRef idx="0">
+            <a:schemeClr val="accent1"/>
+          </a:effectRef>
+          <a:fontRef idx="minor">
+            <a:schemeClr val="lt1"/>
+          </a:fontRef>
+        </p:style>
+        <p:txBody>
+          <a:bodyPr rtlCol="0" anchor="ctr"/>
+          <a:lstStyle/>
+          <a:p>
+            <a:pPr algn="ctr"/>
+            <a:endParaRPr lang="de-DE"/>
+          </a:p>
+        </p:txBody>
+      </p:sp>
+      <p:sp>
+        <p:nvSpPr>
+          <p:cNvPr id="220" name="Abgerundetes Rechteck 219"/>
+          <p:cNvSpPr/>
+          <p:nvPr/>
+        </p:nvSpPr>
+        <p:spPr>
+          <a:xfrm>
+            <a:off x="7740353" y="5974132"/>
+            <a:ext cx="36000" cy="144000"/>
+          </a:xfrm>
+          <a:prstGeom prst="roundRect">
+            <a:avLst/>
+          </a:prstGeom>
+          <a:solidFill>
+            <a:srgbClr val="FFC000"/>
+          </a:solidFill>
+          <a:ln>
+            <a:solidFill>
+              <a:srgbClr val="FF0000"/>
+            </a:solidFill>
+          </a:ln>
+        </p:spPr>
+        <p:style>
+          <a:lnRef idx="2">
+            <a:schemeClr val="accent1">
+              <a:shade val="50000"/>
+            </a:schemeClr>
+          </a:lnRef>
+          <a:fillRef idx="1">
+            <a:schemeClr val="accent1"/>
+          </a:fillRef>
+          <a:effectRef idx="0">
+            <a:schemeClr val="accent1"/>
+          </a:effectRef>
+          <a:fontRef idx="minor">
+            <a:schemeClr val="lt1"/>
+          </a:fontRef>
+        </p:style>
+        <p:txBody>
+          <a:bodyPr rtlCol="0" anchor="ctr"/>
+          <a:lstStyle/>
+          <a:p>
+            <a:pPr algn="ctr"/>
+            <a:endParaRPr lang="de-DE"/>
+          </a:p>
+        </p:txBody>
+      </p:sp>
+      <p:sp>
+        <p:nvSpPr>
+          <p:cNvPr id="221" name="Abgerundetes Rechteck 220"/>
+          <p:cNvSpPr/>
+          <p:nvPr/>
+        </p:nvSpPr>
+        <p:spPr>
+          <a:xfrm>
+            <a:off x="8065585" y="5972146"/>
+            <a:ext cx="36000" cy="144000"/>
+          </a:xfrm>
+          <a:prstGeom prst="roundRect">
+            <a:avLst/>
+          </a:prstGeom>
+          <a:solidFill>
+            <a:srgbClr val="FFC000"/>
+          </a:solidFill>
+          <a:ln>
+            <a:solidFill>
+              <a:srgbClr val="FF0000"/>
+            </a:solidFill>
+          </a:ln>
+        </p:spPr>
+        <p:style>
+          <a:lnRef idx="2">
+            <a:schemeClr val="accent1">
+              <a:shade val="50000"/>
+            </a:schemeClr>
+          </a:lnRef>
+          <a:fillRef idx="1">
+            <a:schemeClr val="accent1"/>
+          </a:fillRef>
+          <a:effectRef idx="0">
+            <a:schemeClr val="accent1"/>
+          </a:effectRef>
+          <a:fontRef idx="minor">
+            <a:schemeClr val="lt1"/>
+          </a:fontRef>
+        </p:style>
+        <p:txBody>
+          <a:bodyPr rtlCol="0" anchor="ctr"/>
+          <a:lstStyle/>
+          <a:p>
+            <a:pPr algn="ctr"/>
+            <a:endParaRPr lang="de-DE"/>
+          </a:p>
+        </p:txBody>
+      </p:sp>
+      <p:sp>
+        <p:nvSpPr>
+          <p:cNvPr id="211" name="Abgerundetes Rechteck 210"/>
+          <p:cNvSpPr/>
+          <p:nvPr/>
+        </p:nvSpPr>
+        <p:spPr>
+          <a:xfrm>
+            <a:off x="7705134" y="6084510"/>
+            <a:ext cx="108000" cy="67245"/>
+          </a:xfrm>
+          <a:prstGeom prst="roundRect">
+            <a:avLst/>
+          </a:prstGeom>
+          <a:solidFill>
+            <a:schemeClr val="tx1">
+              <a:lumMod val="75000"/>
+              <a:lumOff val="25000"/>
+            </a:schemeClr>
+          </a:solidFill>
+          <a:ln>
+            <a:solidFill>
+              <a:schemeClr val="tx1">
+                <a:lumMod val="75000"/>
+                <a:lumOff val="25000"/>
+              </a:schemeClr>
+            </a:solidFill>
+          </a:ln>
+        </p:spPr>
+        <p:style>
+          <a:lnRef idx="2">
+            <a:schemeClr val="accent1">
+              <a:shade val="50000"/>
+            </a:schemeClr>
+          </a:lnRef>
+          <a:fillRef idx="1">
+            <a:schemeClr val="accent1"/>
+          </a:fillRef>
+          <a:effectRef idx="0">
+            <a:schemeClr val="accent1"/>
+          </a:effectRef>
+          <a:fontRef idx="minor">
+            <a:schemeClr val="lt1"/>
+          </a:fontRef>
+        </p:style>
+        <p:txBody>
+          <a:bodyPr rtlCol="0" anchor="ctr"/>
+          <a:lstStyle/>
+          <a:p>
+            <a:pPr algn="ctr"/>
+            <a:endParaRPr lang="de-DE"/>
+          </a:p>
+        </p:txBody>
+      </p:sp>
+      <p:sp>
+        <p:nvSpPr>
+          <p:cNvPr id="212" name="Abgerundetes Rechteck 211"/>
+          <p:cNvSpPr/>
+          <p:nvPr/>
+        </p:nvSpPr>
+        <p:spPr>
+          <a:xfrm>
+            <a:off x="8028384" y="6088684"/>
+            <a:ext cx="108012" cy="67245"/>
+          </a:xfrm>
+          <a:prstGeom prst="roundRect">
+            <a:avLst/>
+          </a:prstGeom>
+          <a:solidFill>
+            <a:schemeClr val="tx1">
+              <a:lumMod val="75000"/>
+              <a:lumOff val="25000"/>
+            </a:schemeClr>
+          </a:solidFill>
+          <a:ln>
+            <a:solidFill>
+              <a:schemeClr val="tx1">
+                <a:lumMod val="75000"/>
+                <a:lumOff val="25000"/>
+              </a:schemeClr>
+            </a:solidFill>
+          </a:ln>
+        </p:spPr>
+        <p:style>
+          <a:lnRef idx="2">
+            <a:schemeClr val="accent1">
+              <a:shade val="50000"/>
+            </a:schemeClr>
+          </a:lnRef>
+          <a:fillRef idx="1">
+            <a:schemeClr val="accent1"/>
+          </a:fillRef>
+          <a:effectRef idx="0">
+            <a:schemeClr val="accent1"/>
+          </a:effectRef>
+          <a:fontRef idx="minor">
+            <a:schemeClr val="lt1"/>
+          </a:fontRef>
+        </p:style>
+        <p:txBody>
+          <a:bodyPr rtlCol="0" anchor="ctr"/>
+          <a:lstStyle/>
+          <a:p>
+            <a:pPr algn="ctr"/>
+            <a:endParaRPr lang="de-DE"/>
+          </a:p>
+        </p:txBody>
+      </p:sp>
+      <p:sp>
+        <p:nvSpPr>
+          <p:cNvPr id="222" name="Abgerundetes Rechteck 221"/>
+          <p:cNvSpPr/>
+          <p:nvPr/>
+        </p:nvSpPr>
+        <p:spPr>
+          <a:xfrm>
+            <a:off x="5534393" y="6534020"/>
+            <a:ext cx="45719" cy="72000"/>
+          </a:xfrm>
+          <a:prstGeom prst="roundRect">
+            <a:avLst/>
+          </a:prstGeom>
+          <a:solidFill>
+            <a:srgbClr val="FFC000"/>
+          </a:solidFill>
+          <a:ln>
+            <a:solidFill>
+              <a:srgbClr val="FF0000"/>
+            </a:solidFill>
+          </a:ln>
+        </p:spPr>
+        <p:style>
+          <a:lnRef idx="2">
+            <a:schemeClr val="accent1">
+              <a:shade val="50000"/>
+            </a:schemeClr>
+          </a:lnRef>
+          <a:fillRef idx="1">
+            <a:schemeClr val="accent1"/>
+          </a:fillRef>
+          <a:effectRef idx="0">
+            <a:schemeClr val="accent1"/>
+          </a:effectRef>
+          <a:fontRef idx="minor">
+            <a:schemeClr val="lt1"/>
+          </a:fontRef>
+        </p:style>
+        <p:txBody>
+          <a:bodyPr rtlCol="0" anchor="ctr"/>
+          <a:lstStyle/>
+          <a:p>
+            <a:pPr algn="ctr"/>
+            <a:endParaRPr lang="de-DE"/>
+          </a:p>
+        </p:txBody>
+      </p:sp>
     </p:spTree>
     <p:extLst>
       <p:ext uri="{BB962C8B-B14F-4D97-AF65-F5344CB8AC3E}">

--- a/PP/Microsoft PowerPoint-Präsentation (neu).pptx
+++ b/PP/Microsoft PowerPoint-Präsentation (neu).pptx
@@ -192,7 +192,7 @@
           <a:p>
             <a:fld id="{F0232FCF-9A7A-46D1-8813-697B3C5A0FC4}" type="datetimeFigureOut">
               <a:rPr lang="de-DE" smtClean="0"/>
-              <a:t>11.06.2020</a:t>
+              <a:t>12.06.2020</a:t>
             </a:fld>
             <a:endParaRPr lang="de-DE"/>
           </a:p>
@@ -725,7 +725,7 @@
           <a:p>
             <a:fld id="{1BA50D42-C9CD-4801-B293-61D1F53EC57E}" type="datetimeFigureOut">
               <a:rPr lang="de-DE" smtClean="0"/>
-              <a:t>11.06.2020</a:t>
+              <a:t>12.06.2020</a:t>
             </a:fld>
             <a:endParaRPr lang="de-DE"/>
           </a:p>
@@ -890,7 +890,7 @@
           <a:p>
             <a:fld id="{1BA50D42-C9CD-4801-B293-61D1F53EC57E}" type="datetimeFigureOut">
               <a:rPr lang="de-DE" smtClean="0"/>
-              <a:t>11.06.2020</a:t>
+              <a:t>12.06.2020</a:t>
             </a:fld>
             <a:endParaRPr lang="de-DE"/>
           </a:p>
@@ -1065,7 +1065,7 @@
           <a:p>
             <a:fld id="{1BA50D42-C9CD-4801-B293-61D1F53EC57E}" type="datetimeFigureOut">
               <a:rPr lang="de-DE" smtClean="0"/>
-              <a:t>11.06.2020</a:t>
+              <a:t>12.06.2020</a:t>
             </a:fld>
             <a:endParaRPr lang="de-DE"/>
           </a:p>
@@ -1230,7 +1230,7 @@
           <a:p>
             <a:fld id="{1BA50D42-C9CD-4801-B293-61D1F53EC57E}" type="datetimeFigureOut">
               <a:rPr lang="de-DE" smtClean="0"/>
-              <a:t>11.06.2020</a:t>
+              <a:t>12.06.2020</a:t>
             </a:fld>
             <a:endParaRPr lang="de-DE"/>
           </a:p>
@@ -1471,7 +1471,7 @@
           <a:p>
             <a:fld id="{1BA50D42-C9CD-4801-B293-61D1F53EC57E}" type="datetimeFigureOut">
               <a:rPr lang="de-DE" smtClean="0"/>
-              <a:t>11.06.2020</a:t>
+              <a:t>12.06.2020</a:t>
             </a:fld>
             <a:endParaRPr lang="de-DE"/>
           </a:p>
@@ -1754,7 +1754,7 @@
           <a:p>
             <a:fld id="{1BA50D42-C9CD-4801-B293-61D1F53EC57E}" type="datetimeFigureOut">
               <a:rPr lang="de-DE" smtClean="0"/>
-              <a:t>11.06.2020</a:t>
+              <a:t>12.06.2020</a:t>
             </a:fld>
             <a:endParaRPr lang="de-DE"/>
           </a:p>
@@ -2171,7 +2171,7 @@
           <a:p>
             <a:fld id="{1BA50D42-C9CD-4801-B293-61D1F53EC57E}" type="datetimeFigureOut">
               <a:rPr lang="de-DE" smtClean="0"/>
-              <a:t>11.06.2020</a:t>
+              <a:t>12.06.2020</a:t>
             </a:fld>
             <a:endParaRPr lang="de-DE"/>
           </a:p>
@@ -2284,7 +2284,7 @@
           <a:p>
             <a:fld id="{1BA50D42-C9CD-4801-B293-61D1F53EC57E}" type="datetimeFigureOut">
               <a:rPr lang="de-DE" smtClean="0"/>
-              <a:t>11.06.2020</a:t>
+              <a:t>12.06.2020</a:t>
             </a:fld>
             <a:endParaRPr lang="de-DE"/>
           </a:p>
@@ -2374,7 +2374,7 @@
           <a:p>
             <a:fld id="{1BA50D42-C9CD-4801-B293-61D1F53EC57E}" type="datetimeFigureOut">
               <a:rPr lang="de-DE" smtClean="0"/>
-              <a:t>11.06.2020</a:t>
+              <a:t>12.06.2020</a:t>
             </a:fld>
             <a:endParaRPr lang="de-DE"/>
           </a:p>
@@ -2646,7 +2646,7 @@
           <a:p>
             <a:fld id="{1BA50D42-C9CD-4801-B293-61D1F53EC57E}" type="datetimeFigureOut">
               <a:rPr lang="de-DE" smtClean="0"/>
-              <a:t>11.06.2020</a:t>
+              <a:t>12.06.2020</a:t>
             </a:fld>
             <a:endParaRPr lang="de-DE"/>
           </a:p>
@@ -2894,7 +2894,7 @@
           <a:p>
             <a:fld id="{1BA50D42-C9CD-4801-B293-61D1F53EC57E}" type="datetimeFigureOut">
               <a:rPr lang="de-DE" smtClean="0"/>
-              <a:t>11.06.2020</a:t>
+              <a:t>12.06.2020</a:t>
             </a:fld>
             <a:endParaRPr lang="de-DE"/>
           </a:p>
@@ -3102,7 +3102,7 @@
           <a:p>
             <a:fld id="{1BA50D42-C9CD-4801-B293-61D1F53EC57E}" type="datetimeFigureOut">
               <a:rPr lang="de-DE" smtClean="0"/>
-              <a:t>11.06.2020</a:t>
+              <a:t>12.06.2020</a:t>
             </a:fld>
             <a:endParaRPr lang="de-DE"/>
           </a:p>
@@ -3474,6 +3474,436 @@
       </p:grpSpPr>
       <p:sp>
         <p:nvSpPr>
+          <p:cNvPr id="246" name="Rechteck 245"/>
+          <p:cNvSpPr/>
+          <p:nvPr/>
+        </p:nvSpPr>
+        <p:spPr>
+          <a:xfrm>
+            <a:off x="8607439" y="3249093"/>
+            <a:ext cx="72008" cy="215797"/>
+          </a:xfrm>
+          <a:prstGeom prst="rect">
+            <a:avLst/>
+          </a:prstGeom>
+          <a:solidFill>
+            <a:srgbClr val="FFFF00"/>
+          </a:solidFill>
+          <a:ln>
+            <a:solidFill>
+              <a:srgbClr val="FFFF00"/>
+            </a:solidFill>
+          </a:ln>
+        </p:spPr>
+        <p:style>
+          <a:lnRef idx="2">
+            <a:schemeClr val="accent1">
+              <a:shade val="50000"/>
+            </a:schemeClr>
+          </a:lnRef>
+          <a:fillRef idx="1">
+            <a:schemeClr val="accent1"/>
+          </a:fillRef>
+          <a:effectRef idx="0">
+            <a:schemeClr val="accent1"/>
+          </a:effectRef>
+          <a:fontRef idx="minor">
+            <a:schemeClr val="lt1"/>
+          </a:fontRef>
+        </p:style>
+        <p:txBody>
+          <a:bodyPr rtlCol="0" anchor="ctr"/>
+          <a:lstStyle/>
+          <a:p>
+            <a:pPr algn="ctr"/>
+            <a:endParaRPr lang="de-DE"/>
+          </a:p>
+        </p:txBody>
+      </p:sp>
+      <p:sp>
+        <p:nvSpPr>
+          <p:cNvPr id="254" name="Abgerundetes Rechteck 253"/>
+          <p:cNvSpPr/>
+          <p:nvPr/>
+        </p:nvSpPr>
+        <p:spPr>
+          <a:xfrm>
+            <a:off x="8604448" y="3414049"/>
+            <a:ext cx="72008" cy="50975"/>
+          </a:xfrm>
+          <a:prstGeom prst="roundRect">
+            <a:avLst/>
+          </a:prstGeom>
+          <a:solidFill>
+            <a:srgbClr val="FFC000"/>
+          </a:solidFill>
+          <a:ln>
+            <a:solidFill>
+              <a:srgbClr val="FF0000"/>
+            </a:solidFill>
+          </a:ln>
+        </p:spPr>
+        <p:style>
+          <a:lnRef idx="2">
+            <a:schemeClr val="accent1">
+              <a:shade val="50000"/>
+            </a:schemeClr>
+          </a:lnRef>
+          <a:fillRef idx="1">
+            <a:schemeClr val="accent1"/>
+          </a:fillRef>
+          <a:effectRef idx="0">
+            <a:schemeClr val="accent1"/>
+          </a:effectRef>
+          <a:fontRef idx="minor">
+            <a:schemeClr val="lt1"/>
+          </a:fontRef>
+        </p:style>
+        <p:txBody>
+          <a:bodyPr rtlCol="0" anchor="ctr"/>
+          <a:lstStyle/>
+          <a:p>
+            <a:pPr algn="ctr"/>
+            <a:endParaRPr lang="de-DE"/>
+          </a:p>
+        </p:txBody>
+      </p:sp>
+      <p:sp>
+        <p:nvSpPr>
+          <p:cNvPr id="250" name="Abgerundetes Rechteck 249"/>
+          <p:cNvSpPr/>
+          <p:nvPr/>
+        </p:nvSpPr>
+        <p:spPr>
+          <a:xfrm>
+            <a:off x="8604448" y="3331503"/>
+            <a:ext cx="72008" cy="50975"/>
+          </a:xfrm>
+          <a:prstGeom prst="roundRect">
+            <a:avLst/>
+          </a:prstGeom>
+          <a:solidFill>
+            <a:srgbClr val="FFC000"/>
+          </a:solidFill>
+          <a:ln>
+            <a:solidFill>
+              <a:srgbClr val="FF0000"/>
+            </a:solidFill>
+          </a:ln>
+        </p:spPr>
+        <p:style>
+          <a:lnRef idx="2">
+            <a:schemeClr val="accent1">
+              <a:shade val="50000"/>
+            </a:schemeClr>
+          </a:lnRef>
+          <a:fillRef idx="1">
+            <a:schemeClr val="accent1"/>
+          </a:fillRef>
+          <a:effectRef idx="0">
+            <a:schemeClr val="accent1"/>
+          </a:effectRef>
+          <a:fontRef idx="minor">
+            <a:schemeClr val="lt1"/>
+          </a:fontRef>
+        </p:style>
+        <p:txBody>
+          <a:bodyPr rtlCol="0" anchor="ctr"/>
+          <a:lstStyle/>
+          <a:p>
+            <a:pPr algn="ctr"/>
+            <a:endParaRPr lang="de-DE"/>
+          </a:p>
+        </p:txBody>
+      </p:sp>
+      <p:sp>
+        <p:nvSpPr>
+          <p:cNvPr id="248" name="Abgerundetes Rechteck 247"/>
+          <p:cNvSpPr/>
+          <p:nvPr/>
+        </p:nvSpPr>
+        <p:spPr>
+          <a:xfrm>
+            <a:off x="8607439" y="3250829"/>
+            <a:ext cx="72008" cy="50975"/>
+          </a:xfrm>
+          <a:prstGeom prst="roundRect">
+            <a:avLst/>
+          </a:prstGeom>
+          <a:solidFill>
+            <a:srgbClr val="FFC000"/>
+          </a:solidFill>
+          <a:ln>
+            <a:solidFill>
+              <a:srgbClr val="FF0000"/>
+            </a:solidFill>
+          </a:ln>
+        </p:spPr>
+        <p:style>
+          <a:lnRef idx="2">
+            <a:schemeClr val="accent1">
+              <a:shade val="50000"/>
+            </a:schemeClr>
+          </a:lnRef>
+          <a:fillRef idx="1">
+            <a:schemeClr val="accent1"/>
+          </a:fillRef>
+          <a:effectRef idx="0">
+            <a:schemeClr val="accent1"/>
+          </a:effectRef>
+          <a:fontRef idx="minor">
+            <a:schemeClr val="lt1"/>
+          </a:fontRef>
+        </p:style>
+        <p:txBody>
+          <a:bodyPr rtlCol="0" anchor="ctr"/>
+          <a:lstStyle/>
+          <a:p>
+            <a:pPr algn="ctr"/>
+            <a:endParaRPr lang="de-DE"/>
+          </a:p>
+        </p:txBody>
+      </p:sp>
+      <p:sp>
+        <p:nvSpPr>
+          <p:cNvPr id="234" name="Ellipse 233"/>
+          <p:cNvSpPr/>
+          <p:nvPr/>
+        </p:nvSpPr>
+        <p:spPr>
+          <a:xfrm>
+            <a:off x="7446524" y="2268028"/>
+            <a:ext cx="288898" cy="316808"/>
+          </a:xfrm>
+          <a:prstGeom prst="ellipse">
+            <a:avLst/>
+          </a:prstGeom>
+          <a:solidFill>
+            <a:srgbClr val="9A0000"/>
+          </a:solidFill>
+          <a:ln>
+            <a:solidFill>
+              <a:srgbClr val="F2D500"/>
+            </a:solidFill>
+          </a:ln>
+        </p:spPr>
+        <p:style>
+          <a:lnRef idx="2">
+            <a:schemeClr val="accent1">
+              <a:shade val="50000"/>
+            </a:schemeClr>
+          </a:lnRef>
+          <a:fillRef idx="1">
+            <a:schemeClr val="accent1"/>
+          </a:fillRef>
+          <a:effectRef idx="0">
+            <a:schemeClr val="accent1"/>
+          </a:effectRef>
+          <a:fontRef idx="minor">
+            <a:schemeClr val="lt1"/>
+          </a:fontRef>
+        </p:style>
+        <p:txBody>
+          <a:bodyPr rtlCol="0" anchor="ctr"/>
+          <a:lstStyle/>
+          <a:p>
+            <a:pPr algn="ctr"/>
+            <a:endParaRPr lang="de-DE"/>
+          </a:p>
+        </p:txBody>
+      </p:sp>
+      <p:sp>
+        <p:nvSpPr>
+          <p:cNvPr id="233" name="Ellipse 232"/>
+          <p:cNvSpPr/>
+          <p:nvPr/>
+        </p:nvSpPr>
+        <p:spPr>
+          <a:xfrm>
+            <a:off x="7446525" y="2353748"/>
+            <a:ext cx="288898" cy="316808"/>
+          </a:xfrm>
+          <a:prstGeom prst="ellipse">
+            <a:avLst/>
+          </a:prstGeom>
+          <a:solidFill>
+            <a:srgbClr val="9A0000"/>
+          </a:solidFill>
+          <a:ln>
+            <a:solidFill>
+              <a:srgbClr val="F2D500"/>
+            </a:solidFill>
+          </a:ln>
+        </p:spPr>
+        <p:style>
+          <a:lnRef idx="2">
+            <a:schemeClr val="accent1">
+              <a:shade val="50000"/>
+            </a:schemeClr>
+          </a:lnRef>
+          <a:fillRef idx="1">
+            <a:schemeClr val="accent1"/>
+          </a:fillRef>
+          <a:effectRef idx="0">
+            <a:schemeClr val="accent1"/>
+          </a:effectRef>
+          <a:fontRef idx="minor">
+            <a:schemeClr val="lt1"/>
+          </a:fontRef>
+        </p:style>
+        <p:txBody>
+          <a:bodyPr rtlCol="0" anchor="ctr"/>
+          <a:lstStyle/>
+          <a:p>
+            <a:pPr algn="ctr"/>
+            <a:endParaRPr lang="de-DE"/>
+          </a:p>
+        </p:txBody>
+      </p:sp>
+      <p:sp>
+        <p:nvSpPr>
+          <p:cNvPr id="224" name="Ellipse 223"/>
+          <p:cNvSpPr/>
+          <p:nvPr/>
+        </p:nvSpPr>
+        <p:spPr>
+          <a:xfrm>
+            <a:off x="7451454" y="2420888"/>
+            <a:ext cx="288898" cy="316808"/>
+          </a:xfrm>
+          <a:prstGeom prst="ellipse">
+            <a:avLst/>
+          </a:prstGeom>
+          <a:solidFill>
+            <a:srgbClr val="9A0000"/>
+          </a:solidFill>
+          <a:ln>
+            <a:solidFill>
+              <a:srgbClr val="F2D500"/>
+            </a:solidFill>
+          </a:ln>
+        </p:spPr>
+        <p:style>
+          <a:lnRef idx="2">
+            <a:schemeClr val="accent1">
+              <a:shade val="50000"/>
+            </a:schemeClr>
+          </a:lnRef>
+          <a:fillRef idx="1">
+            <a:schemeClr val="accent1"/>
+          </a:fillRef>
+          <a:effectRef idx="0">
+            <a:schemeClr val="accent1"/>
+          </a:effectRef>
+          <a:fontRef idx="minor">
+            <a:schemeClr val="lt1"/>
+          </a:fontRef>
+        </p:style>
+        <p:txBody>
+          <a:bodyPr rtlCol="0" anchor="ctr"/>
+          <a:lstStyle/>
+          <a:p>
+            <a:pPr algn="ctr"/>
+            <a:endParaRPr lang="de-DE"/>
+          </a:p>
+        </p:txBody>
+      </p:sp>
+      <p:sp>
+        <p:nvSpPr>
+          <p:cNvPr id="19" name="Ellipse 18"/>
+          <p:cNvSpPr/>
+          <p:nvPr/>
+        </p:nvSpPr>
+        <p:spPr>
+          <a:xfrm>
+            <a:off x="4879447" y="3000665"/>
+            <a:ext cx="571884" cy="582011"/>
+          </a:xfrm>
+          <a:prstGeom prst="ellipse">
+            <a:avLst/>
+          </a:prstGeom>
+          <a:noFill/>
+          <a:ln>
+            <a:solidFill>
+              <a:srgbClr val="F2D500"/>
+            </a:solidFill>
+          </a:ln>
+        </p:spPr>
+        <p:style>
+          <a:lnRef idx="2">
+            <a:schemeClr val="accent1">
+              <a:shade val="50000"/>
+            </a:schemeClr>
+          </a:lnRef>
+          <a:fillRef idx="1">
+            <a:schemeClr val="accent1"/>
+          </a:fillRef>
+          <a:effectRef idx="0">
+            <a:schemeClr val="accent1"/>
+          </a:effectRef>
+          <a:fontRef idx="minor">
+            <a:schemeClr val="lt1"/>
+          </a:fontRef>
+        </p:style>
+        <p:txBody>
+          <a:bodyPr rtlCol="0" anchor="ctr"/>
+          <a:lstStyle/>
+          <a:p>
+            <a:pPr algn="ctr"/>
+            <a:endParaRPr lang="de-DE"/>
+          </a:p>
+        </p:txBody>
+      </p:sp>
+      <p:sp>
+        <p:nvSpPr>
+          <p:cNvPr id="227" name="Rechteck 226"/>
+          <p:cNvSpPr/>
+          <p:nvPr/>
+        </p:nvSpPr>
+        <p:spPr>
+          <a:xfrm>
+            <a:off x="3925847" y="3969060"/>
+            <a:ext cx="68957" cy="108012"/>
+          </a:xfrm>
+          <a:prstGeom prst="rect">
+            <a:avLst/>
+          </a:prstGeom>
+          <a:solidFill>
+            <a:srgbClr val="FFFF00"/>
+          </a:solidFill>
+          <a:ln>
+            <a:solidFill>
+              <a:srgbClr val="FFFF00"/>
+            </a:solidFill>
+          </a:ln>
+        </p:spPr>
+        <p:style>
+          <a:lnRef idx="2">
+            <a:schemeClr val="accent1">
+              <a:shade val="50000"/>
+            </a:schemeClr>
+          </a:lnRef>
+          <a:fillRef idx="1">
+            <a:schemeClr val="accent1"/>
+          </a:fillRef>
+          <a:effectRef idx="0">
+            <a:schemeClr val="accent1"/>
+          </a:effectRef>
+          <a:fontRef idx="minor">
+            <a:schemeClr val="lt1"/>
+          </a:fontRef>
+        </p:style>
+        <p:txBody>
+          <a:bodyPr rtlCol="0" anchor="ctr"/>
+          <a:lstStyle/>
+          <a:p>
+            <a:pPr algn="ctr"/>
+            <a:endParaRPr lang="de-DE"/>
+          </a:p>
+        </p:txBody>
+      </p:sp>
+      <p:sp>
+        <p:nvSpPr>
           <p:cNvPr id="219" name="Rechteck 218"/>
           <p:cNvSpPr/>
           <p:nvPr/>
@@ -8187,7 +8617,7 @@
           </a:prstGeom>
           <a:ln w="12700">
             <a:solidFill>
-              <a:srgbClr val="FFFF00"/>
+              <a:srgbClr val="FFFF65"/>
             </a:solidFill>
           </a:ln>
         </p:spPr>
@@ -9387,7 +9817,7 @@
         <p:spPr>
           <a:xfrm>
             <a:off x="5431900" y="4149080"/>
-            <a:ext cx="828092" cy="576064"/>
+            <a:ext cx="628828" cy="576064"/>
           </a:xfrm>
           <a:prstGeom prst="irregularSeal2">
             <a:avLst/>
@@ -11626,6 +12056,1431 @@
           <a:ln>
             <a:solidFill>
               <a:srgbClr val="FF0000"/>
+            </a:solidFill>
+          </a:ln>
+        </p:spPr>
+        <p:style>
+          <a:lnRef idx="2">
+            <a:schemeClr val="accent1">
+              <a:shade val="50000"/>
+            </a:schemeClr>
+          </a:lnRef>
+          <a:fillRef idx="1">
+            <a:schemeClr val="accent1"/>
+          </a:fillRef>
+          <a:effectRef idx="0">
+            <a:schemeClr val="accent1"/>
+          </a:effectRef>
+          <a:fontRef idx="minor">
+            <a:schemeClr val="lt1"/>
+          </a:fontRef>
+        </p:style>
+        <p:txBody>
+          <a:bodyPr rtlCol="0" anchor="ctr"/>
+          <a:lstStyle/>
+          <a:p>
+            <a:pPr algn="ctr"/>
+            <a:endParaRPr lang="de-DE"/>
+          </a:p>
+        </p:txBody>
+      </p:sp>
+      <p:sp>
+        <p:nvSpPr>
+          <p:cNvPr id="179" name="Gleichschenkliges Dreieck 178"/>
+          <p:cNvSpPr/>
+          <p:nvPr/>
+        </p:nvSpPr>
+        <p:spPr>
+          <a:xfrm flipV="1">
+            <a:off x="7451454" y="863231"/>
+            <a:ext cx="721802" cy="922729"/>
+          </a:xfrm>
+          <a:prstGeom prst="triangle">
+            <a:avLst/>
+          </a:prstGeom>
+          <a:solidFill>
+            <a:schemeClr val="accent3">
+              <a:lumMod val="50000"/>
+            </a:schemeClr>
+          </a:solidFill>
+          <a:ln>
+            <a:solidFill>
+              <a:schemeClr val="tx1">
+                <a:lumMod val="85000"/>
+                <a:lumOff val="15000"/>
+              </a:schemeClr>
+            </a:solidFill>
+          </a:ln>
+        </p:spPr>
+        <p:style>
+          <a:lnRef idx="2">
+            <a:schemeClr val="accent1">
+              <a:shade val="50000"/>
+            </a:schemeClr>
+          </a:lnRef>
+          <a:fillRef idx="1">
+            <a:schemeClr val="accent1"/>
+          </a:fillRef>
+          <a:effectRef idx="0">
+            <a:schemeClr val="accent1"/>
+          </a:effectRef>
+          <a:fontRef idx="minor">
+            <a:schemeClr val="lt1"/>
+          </a:fontRef>
+        </p:style>
+        <p:txBody>
+          <a:bodyPr rtlCol="0" anchor="ctr"/>
+          <a:lstStyle/>
+          <a:p>
+            <a:pPr algn="ctr"/>
+            <a:endParaRPr lang="de-DE"/>
+          </a:p>
+        </p:txBody>
+      </p:sp>
+      <p:sp>
+        <p:nvSpPr>
+          <p:cNvPr id="181" name="Gleichschenkliges Dreieck 180"/>
+          <p:cNvSpPr/>
+          <p:nvPr/>
+        </p:nvSpPr>
+        <p:spPr>
+          <a:xfrm flipV="1">
+            <a:off x="7387977" y="863231"/>
+            <a:ext cx="364711" cy="504408"/>
+          </a:xfrm>
+          <a:prstGeom prst="triangle">
+            <a:avLst/>
+          </a:prstGeom>
+          <a:solidFill>
+            <a:schemeClr val="accent3">
+              <a:lumMod val="50000"/>
+            </a:schemeClr>
+          </a:solidFill>
+          <a:ln>
+            <a:solidFill>
+              <a:schemeClr val="tx1">
+                <a:lumMod val="85000"/>
+                <a:lumOff val="15000"/>
+              </a:schemeClr>
+            </a:solidFill>
+          </a:ln>
+        </p:spPr>
+        <p:style>
+          <a:lnRef idx="2">
+            <a:schemeClr val="accent1">
+              <a:shade val="50000"/>
+            </a:schemeClr>
+          </a:lnRef>
+          <a:fillRef idx="1">
+            <a:schemeClr val="accent1"/>
+          </a:fillRef>
+          <a:effectRef idx="0">
+            <a:schemeClr val="accent1"/>
+          </a:effectRef>
+          <a:fontRef idx="minor">
+            <a:schemeClr val="lt1"/>
+          </a:fontRef>
+        </p:style>
+        <p:txBody>
+          <a:bodyPr rtlCol="0" anchor="ctr"/>
+          <a:lstStyle/>
+          <a:p>
+            <a:pPr algn="ctr"/>
+            <a:endParaRPr lang="de-DE"/>
+          </a:p>
+        </p:txBody>
+      </p:sp>
+      <p:sp>
+        <p:nvSpPr>
+          <p:cNvPr id="182" name="Gleichschenkliges Dreieck 181"/>
+          <p:cNvSpPr/>
+          <p:nvPr/>
+        </p:nvSpPr>
+        <p:spPr>
+          <a:xfrm flipV="1">
+            <a:off x="7887320" y="863231"/>
+            <a:ext cx="371285" cy="504408"/>
+          </a:xfrm>
+          <a:prstGeom prst="triangle">
+            <a:avLst/>
+          </a:prstGeom>
+          <a:solidFill>
+            <a:schemeClr val="accent3">
+              <a:lumMod val="50000"/>
+            </a:schemeClr>
+          </a:solidFill>
+          <a:ln>
+            <a:solidFill>
+              <a:schemeClr val="tx1">
+                <a:lumMod val="85000"/>
+                <a:lumOff val="15000"/>
+              </a:schemeClr>
+            </a:solidFill>
+          </a:ln>
+        </p:spPr>
+        <p:style>
+          <a:lnRef idx="2">
+            <a:schemeClr val="accent1">
+              <a:shade val="50000"/>
+            </a:schemeClr>
+          </a:lnRef>
+          <a:fillRef idx="1">
+            <a:schemeClr val="accent1"/>
+          </a:fillRef>
+          <a:effectRef idx="0">
+            <a:schemeClr val="accent1"/>
+          </a:effectRef>
+          <a:fontRef idx="minor">
+            <a:schemeClr val="lt1"/>
+          </a:fontRef>
+        </p:style>
+        <p:txBody>
+          <a:bodyPr rtlCol="0" anchor="ctr"/>
+          <a:lstStyle/>
+          <a:p>
+            <a:pPr algn="ctr"/>
+            <a:endParaRPr lang="de-DE"/>
+          </a:p>
+        </p:txBody>
+      </p:sp>
+      <p:sp>
+        <p:nvSpPr>
+          <p:cNvPr id="183" name="Gleichschenkliges Dreieck 182"/>
+          <p:cNvSpPr/>
+          <p:nvPr/>
+        </p:nvSpPr>
+        <p:spPr>
+          <a:xfrm flipV="1">
+            <a:off x="7629999" y="1197953"/>
+            <a:ext cx="364711" cy="504408"/>
+          </a:xfrm>
+          <a:prstGeom prst="triangle">
+            <a:avLst/>
+          </a:prstGeom>
+          <a:solidFill>
+            <a:srgbClr val="494949"/>
+          </a:solidFill>
+          <a:ln>
+            <a:solidFill>
+              <a:schemeClr val="tx1">
+                <a:lumMod val="85000"/>
+                <a:lumOff val="15000"/>
+              </a:schemeClr>
+            </a:solidFill>
+          </a:ln>
+        </p:spPr>
+        <p:style>
+          <a:lnRef idx="2">
+            <a:schemeClr val="accent1">
+              <a:shade val="50000"/>
+            </a:schemeClr>
+          </a:lnRef>
+          <a:fillRef idx="1">
+            <a:schemeClr val="accent1"/>
+          </a:fillRef>
+          <a:effectRef idx="0">
+            <a:schemeClr val="accent1"/>
+          </a:effectRef>
+          <a:fontRef idx="minor">
+            <a:schemeClr val="lt1"/>
+          </a:fontRef>
+        </p:style>
+        <p:txBody>
+          <a:bodyPr rtlCol="0" anchor="ctr"/>
+          <a:lstStyle/>
+          <a:p>
+            <a:pPr algn="ctr"/>
+            <a:endParaRPr lang="de-DE"/>
+          </a:p>
+        </p:txBody>
+      </p:sp>
+      <p:sp>
+        <p:nvSpPr>
+          <p:cNvPr id="184" name="Abgerundetes Rechteck 183"/>
+          <p:cNvSpPr/>
+          <p:nvPr/>
+        </p:nvSpPr>
+        <p:spPr>
+          <a:xfrm>
+            <a:off x="7752688" y="932693"/>
+            <a:ext cx="134632" cy="107517"/>
+          </a:xfrm>
+          <a:prstGeom prst="roundRect">
+            <a:avLst/>
+          </a:prstGeom>
+          <a:solidFill>
+            <a:schemeClr val="accent3">
+              <a:lumMod val="60000"/>
+              <a:lumOff val="40000"/>
+            </a:schemeClr>
+          </a:solidFill>
+          <a:ln>
+            <a:solidFill>
+              <a:schemeClr val="tx1">
+                <a:lumMod val="85000"/>
+                <a:lumOff val="15000"/>
+              </a:schemeClr>
+            </a:solidFill>
+          </a:ln>
+        </p:spPr>
+        <p:style>
+          <a:lnRef idx="2">
+            <a:schemeClr val="accent1">
+              <a:shade val="50000"/>
+            </a:schemeClr>
+          </a:lnRef>
+          <a:fillRef idx="1">
+            <a:schemeClr val="accent1"/>
+          </a:fillRef>
+          <a:effectRef idx="0">
+            <a:schemeClr val="accent1"/>
+          </a:effectRef>
+          <a:fontRef idx="minor">
+            <a:schemeClr val="lt1"/>
+          </a:fontRef>
+        </p:style>
+        <p:txBody>
+          <a:bodyPr rtlCol="0" anchor="ctr"/>
+          <a:lstStyle/>
+          <a:p>
+            <a:pPr algn="ctr"/>
+            <a:endParaRPr lang="de-DE"/>
+          </a:p>
+        </p:txBody>
+      </p:sp>
+      <p:sp>
+        <p:nvSpPr>
+          <p:cNvPr id="185" name="Gleichschenkliges Dreieck 184"/>
+          <p:cNvSpPr/>
+          <p:nvPr/>
+        </p:nvSpPr>
+        <p:spPr>
+          <a:xfrm flipV="1">
+            <a:off x="7470839" y="945178"/>
+            <a:ext cx="198989" cy="305934"/>
+          </a:xfrm>
+          <a:prstGeom prst="triangle">
+            <a:avLst/>
+          </a:prstGeom>
+          <a:solidFill>
+            <a:schemeClr val="accent3">
+              <a:lumMod val="60000"/>
+              <a:lumOff val="40000"/>
+            </a:schemeClr>
+          </a:solidFill>
+          <a:ln>
+            <a:solidFill>
+              <a:schemeClr val="tx1">
+                <a:lumMod val="85000"/>
+                <a:lumOff val="15000"/>
+              </a:schemeClr>
+            </a:solidFill>
+          </a:ln>
+        </p:spPr>
+        <p:style>
+          <a:lnRef idx="2">
+            <a:schemeClr val="accent1">
+              <a:shade val="50000"/>
+            </a:schemeClr>
+          </a:lnRef>
+          <a:fillRef idx="1">
+            <a:schemeClr val="accent1"/>
+          </a:fillRef>
+          <a:effectRef idx="0">
+            <a:schemeClr val="accent1"/>
+          </a:effectRef>
+          <a:fontRef idx="minor">
+            <a:schemeClr val="lt1"/>
+          </a:fontRef>
+        </p:style>
+        <p:txBody>
+          <a:bodyPr rtlCol="0" anchor="ctr"/>
+          <a:lstStyle/>
+          <a:p>
+            <a:pPr algn="ctr"/>
+            <a:endParaRPr lang="de-DE"/>
+          </a:p>
+        </p:txBody>
+      </p:sp>
+      <p:sp>
+        <p:nvSpPr>
+          <p:cNvPr id="198" name="Gleichschenkliges Dreieck 197"/>
+          <p:cNvSpPr/>
+          <p:nvPr/>
+        </p:nvSpPr>
+        <p:spPr>
+          <a:xfrm flipV="1">
+            <a:off x="7974267" y="951974"/>
+            <a:ext cx="198989" cy="305934"/>
+          </a:xfrm>
+          <a:prstGeom prst="triangle">
+            <a:avLst/>
+          </a:prstGeom>
+          <a:solidFill>
+            <a:schemeClr val="accent3">
+              <a:lumMod val="60000"/>
+              <a:lumOff val="40000"/>
+            </a:schemeClr>
+          </a:solidFill>
+          <a:ln>
+            <a:solidFill>
+              <a:schemeClr val="tx1">
+                <a:lumMod val="85000"/>
+                <a:lumOff val="15000"/>
+              </a:schemeClr>
+            </a:solidFill>
+          </a:ln>
+        </p:spPr>
+        <p:style>
+          <a:lnRef idx="2">
+            <a:schemeClr val="accent1">
+              <a:shade val="50000"/>
+            </a:schemeClr>
+          </a:lnRef>
+          <a:fillRef idx="1">
+            <a:schemeClr val="accent1"/>
+          </a:fillRef>
+          <a:effectRef idx="0">
+            <a:schemeClr val="accent1"/>
+          </a:effectRef>
+          <a:fontRef idx="minor">
+            <a:schemeClr val="lt1"/>
+          </a:fontRef>
+        </p:style>
+        <p:txBody>
+          <a:bodyPr rtlCol="0" anchor="ctr"/>
+          <a:lstStyle/>
+          <a:p>
+            <a:pPr algn="ctr"/>
+            <a:endParaRPr lang="de-DE"/>
+          </a:p>
+        </p:txBody>
+      </p:sp>
+      <p:sp>
+        <p:nvSpPr>
+          <p:cNvPr id="203" name="Rechteck 202"/>
+          <p:cNvSpPr/>
+          <p:nvPr/>
+        </p:nvSpPr>
+        <p:spPr>
+          <a:xfrm>
+            <a:off x="7743304" y="764704"/>
+            <a:ext cx="155262" cy="98527"/>
+          </a:xfrm>
+          <a:prstGeom prst="rect">
+            <a:avLst/>
+          </a:prstGeom>
+          <a:solidFill>
+            <a:schemeClr val="accent3">
+              <a:lumMod val="50000"/>
+            </a:schemeClr>
+          </a:solidFill>
+          <a:ln>
+            <a:solidFill>
+              <a:schemeClr val="tx1">
+                <a:lumMod val="85000"/>
+                <a:lumOff val="15000"/>
+              </a:schemeClr>
+            </a:solidFill>
+          </a:ln>
+        </p:spPr>
+        <p:style>
+          <a:lnRef idx="2">
+            <a:schemeClr val="accent1">
+              <a:shade val="50000"/>
+            </a:schemeClr>
+          </a:lnRef>
+          <a:fillRef idx="1">
+            <a:schemeClr val="accent1"/>
+          </a:fillRef>
+          <a:effectRef idx="0">
+            <a:schemeClr val="accent1"/>
+          </a:effectRef>
+          <a:fontRef idx="minor">
+            <a:schemeClr val="lt1"/>
+          </a:fontRef>
+        </p:style>
+        <p:txBody>
+          <a:bodyPr rtlCol="0" anchor="ctr"/>
+          <a:lstStyle/>
+          <a:p>
+            <a:pPr algn="ctr"/>
+            <a:endParaRPr lang="de-DE"/>
+          </a:p>
+        </p:txBody>
+      </p:sp>
+      <p:cxnSp>
+        <p:nvCxnSpPr>
+          <p:cNvPr id="213" name="Gerade Verbindung 212"/>
+          <p:cNvCxnSpPr/>
+          <p:nvPr/>
+        </p:nvCxnSpPr>
+        <p:spPr>
+          <a:xfrm>
+            <a:off x="7754550" y="779497"/>
+            <a:ext cx="0" cy="68939"/>
+          </a:xfrm>
+          <a:prstGeom prst="line">
+            <a:avLst/>
+          </a:prstGeom>
+          <a:ln>
+            <a:solidFill>
+              <a:schemeClr val="tx1">
+                <a:lumMod val="85000"/>
+                <a:lumOff val="15000"/>
+              </a:schemeClr>
+            </a:solidFill>
+          </a:ln>
+        </p:spPr>
+        <p:style>
+          <a:lnRef idx="1">
+            <a:schemeClr val="accent1"/>
+          </a:lnRef>
+          <a:fillRef idx="0">
+            <a:schemeClr val="accent1"/>
+          </a:fillRef>
+          <a:effectRef idx="0">
+            <a:schemeClr val="accent1"/>
+          </a:effectRef>
+          <a:fontRef idx="minor">
+            <a:schemeClr val="tx1"/>
+          </a:fontRef>
+        </p:style>
+      </p:cxnSp>
+      <p:cxnSp>
+        <p:nvCxnSpPr>
+          <p:cNvPr id="214" name="Gerade Verbindung 213"/>
+          <p:cNvCxnSpPr/>
+          <p:nvPr/>
+        </p:nvCxnSpPr>
+        <p:spPr>
+          <a:xfrm>
+            <a:off x="7820935" y="779496"/>
+            <a:ext cx="0" cy="68939"/>
+          </a:xfrm>
+          <a:prstGeom prst="line">
+            <a:avLst/>
+          </a:prstGeom>
+          <a:ln>
+            <a:solidFill>
+              <a:schemeClr val="tx1">
+                <a:lumMod val="85000"/>
+                <a:lumOff val="15000"/>
+              </a:schemeClr>
+            </a:solidFill>
+          </a:ln>
+        </p:spPr>
+        <p:style>
+          <a:lnRef idx="1">
+            <a:schemeClr val="accent1"/>
+          </a:lnRef>
+          <a:fillRef idx="0">
+            <a:schemeClr val="accent1"/>
+          </a:fillRef>
+          <a:effectRef idx="0">
+            <a:schemeClr val="accent1"/>
+          </a:effectRef>
+          <a:fontRef idx="minor">
+            <a:schemeClr val="tx1"/>
+          </a:fontRef>
+        </p:style>
+      </p:cxnSp>
+      <p:cxnSp>
+        <p:nvCxnSpPr>
+          <p:cNvPr id="215" name="Gerade Verbindung 214"/>
+          <p:cNvCxnSpPr/>
+          <p:nvPr/>
+        </p:nvCxnSpPr>
+        <p:spPr>
+          <a:xfrm>
+            <a:off x="7812355" y="1785960"/>
+            <a:ext cx="0" cy="68939"/>
+          </a:xfrm>
+          <a:prstGeom prst="line">
+            <a:avLst/>
+          </a:prstGeom>
+          <a:ln>
+            <a:solidFill>
+              <a:srgbClr val="580000"/>
+            </a:solidFill>
+          </a:ln>
+        </p:spPr>
+        <p:style>
+          <a:lnRef idx="1">
+            <a:schemeClr val="accent1"/>
+          </a:lnRef>
+          <a:fillRef idx="0">
+            <a:schemeClr val="accent1"/>
+          </a:fillRef>
+          <a:effectRef idx="0">
+            <a:schemeClr val="accent1"/>
+          </a:effectRef>
+          <a:fontRef idx="minor">
+            <a:schemeClr val="tx1"/>
+          </a:fontRef>
+        </p:style>
+      </p:cxnSp>
+      <p:sp>
+        <p:nvSpPr>
+          <p:cNvPr id="216" name="Rechteck 215"/>
+          <p:cNvSpPr/>
+          <p:nvPr/>
+        </p:nvSpPr>
+        <p:spPr>
+          <a:xfrm>
+            <a:off x="3926981" y="3862534"/>
+            <a:ext cx="68955" cy="70522"/>
+          </a:xfrm>
+          <a:prstGeom prst="rect">
+            <a:avLst/>
+          </a:prstGeom>
+          <a:solidFill>
+            <a:srgbClr val="FF0000"/>
+          </a:solidFill>
+          <a:ln>
+            <a:solidFill>
+              <a:schemeClr val="tx1">
+                <a:lumMod val="75000"/>
+                <a:lumOff val="25000"/>
+              </a:schemeClr>
+            </a:solidFill>
+          </a:ln>
+        </p:spPr>
+        <p:style>
+          <a:lnRef idx="2">
+            <a:schemeClr val="accent1">
+              <a:shade val="50000"/>
+            </a:schemeClr>
+          </a:lnRef>
+          <a:fillRef idx="1">
+            <a:schemeClr val="accent1"/>
+          </a:fillRef>
+          <a:effectRef idx="0">
+            <a:schemeClr val="accent1"/>
+          </a:effectRef>
+          <a:fontRef idx="minor">
+            <a:schemeClr val="lt1"/>
+          </a:fontRef>
+        </p:style>
+        <p:txBody>
+          <a:bodyPr rtlCol="0" anchor="ctr"/>
+          <a:lstStyle/>
+          <a:p>
+            <a:pPr algn="ctr"/>
+            <a:endParaRPr lang="de-DE"/>
+          </a:p>
+        </p:txBody>
+      </p:sp>
+      <p:sp>
+        <p:nvSpPr>
+          <p:cNvPr id="218" name="Gleichschenkliges Dreieck 217"/>
+          <p:cNvSpPr/>
+          <p:nvPr/>
+        </p:nvSpPr>
+        <p:spPr>
+          <a:xfrm>
+            <a:off x="3926981" y="3747476"/>
+            <a:ext cx="68955" cy="113572"/>
+          </a:xfrm>
+          <a:prstGeom prst="triangle">
+            <a:avLst/>
+          </a:prstGeom>
+          <a:solidFill>
+            <a:schemeClr val="bg1"/>
+          </a:solidFill>
+          <a:ln>
+            <a:solidFill>
+              <a:schemeClr val="tx1">
+                <a:lumMod val="75000"/>
+                <a:lumOff val="25000"/>
+              </a:schemeClr>
+            </a:solidFill>
+          </a:ln>
+        </p:spPr>
+        <p:style>
+          <a:lnRef idx="2">
+            <a:schemeClr val="accent1">
+              <a:shade val="50000"/>
+            </a:schemeClr>
+          </a:lnRef>
+          <a:fillRef idx="1">
+            <a:schemeClr val="accent1"/>
+          </a:fillRef>
+          <a:effectRef idx="0">
+            <a:schemeClr val="accent1"/>
+          </a:effectRef>
+          <a:fontRef idx="minor">
+            <a:schemeClr val="lt1"/>
+          </a:fontRef>
+        </p:style>
+        <p:txBody>
+          <a:bodyPr rtlCol="0" anchor="ctr"/>
+          <a:lstStyle/>
+          <a:p>
+            <a:pPr algn="ctr"/>
+            <a:endParaRPr lang="de-DE"/>
+          </a:p>
+        </p:txBody>
+      </p:sp>
+      <p:sp>
+        <p:nvSpPr>
+          <p:cNvPr id="223" name="Rechteck 222"/>
+          <p:cNvSpPr/>
+          <p:nvPr/>
+        </p:nvSpPr>
+        <p:spPr>
+          <a:xfrm>
+            <a:off x="3926979" y="3933056"/>
+            <a:ext cx="68955" cy="72008"/>
+          </a:xfrm>
+          <a:prstGeom prst="rect">
+            <a:avLst/>
+          </a:prstGeom>
+          <a:solidFill>
+            <a:schemeClr val="bg1"/>
+          </a:solidFill>
+          <a:ln>
+            <a:solidFill>
+              <a:schemeClr val="tx1">
+                <a:lumMod val="75000"/>
+                <a:lumOff val="25000"/>
+              </a:schemeClr>
+            </a:solidFill>
+          </a:ln>
+        </p:spPr>
+        <p:style>
+          <a:lnRef idx="2">
+            <a:schemeClr val="accent1">
+              <a:shade val="50000"/>
+            </a:schemeClr>
+          </a:lnRef>
+          <a:fillRef idx="1">
+            <a:schemeClr val="accent1"/>
+          </a:fillRef>
+          <a:effectRef idx="0">
+            <a:schemeClr val="accent1"/>
+          </a:effectRef>
+          <a:fontRef idx="minor">
+            <a:schemeClr val="lt1"/>
+          </a:fontRef>
+        </p:style>
+        <p:txBody>
+          <a:bodyPr rtlCol="0" anchor="ctr"/>
+          <a:lstStyle/>
+          <a:p>
+            <a:pPr algn="ctr"/>
+            <a:endParaRPr lang="de-DE"/>
+          </a:p>
+        </p:txBody>
+      </p:sp>
+      <p:cxnSp>
+        <p:nvCxnSpPr>
+          <p:cNvPr id="225" name="Gerade Verbindung 224"/>
+          <p:cNvCxnSpPr/>
+          <p:nvPr/>
+        </p:nvCxnSpPr>
+        <p:spPr>
+          <a:xfrm>
+            <a:off x="3960326" y="3941145"/>
+            <a:ext cx="0" cy="67245"/>
+          </a:xfrm>
+          <a:prstGeom prst="line">
+            <a:avLst/>
+          </a:prstGeom>
+          <a:ln w="12700">
+            <a:solidFill>
+              <a:schemeClr val="tx1">
+                <a:lumMod val="75000"/>
+                <a:lumOff val="25000"/>
+              </a:schemeClr>
+            </a:solidFill>
+          </a:ln>
+        </p:spPr>
+        <p:style>
+          <a:lnRef idx="1">
+            <a:schemeClr val="accent1"/>
+          </a:lnRef>
+          <a:fillRef idx="0">
+            <a:schemeClr val="accent1"/>
+          </a:fillRef>
+          <a:effectRef idx="0">
+            <a:schemeClr val="accent1"/>
+          </a:effectRef>
+          <a:fontRef idx="minor">
+            <a:schemeClr val="tx1"/>
+          </a:fontRef>
+        </p:style>
+      </p:cxnSp>
+      <p:sp>
+        <p:nvSpPr>
+          <p:cNvPr id="226" name="Abgerundetes Rechteck 225"/>
+          <p:cNvSpPr/>
+          <p:nvPr/>
+        </p:nvSpPr>
+        <p:spPr>
+          <a:xfrm>
+            <a:off x="3925847" y="4024866"/>
+            <a:ext cx="67811" cy="45719"/>
+          </a:xfrm>
+          <a:prstGeom prst="roundRect">
+            <a:avLst/>
+          </a:prstGeom>
+          <a:solidFill>
+            <a:srgbClr val="FFC000"/>
+          </a:solidFill>
+          <a:ln>
+            <a:solidFill>
+              <a:srgbClr val="FF0000"/>
+            </a:solidFill>
+          </a:ln>
+        </p:spPr>
+        <p:style>
+          <a:lnRef idx="2">
+            <a:schemeClr val="accent1">
+              <a:shade val="50000"/>
+            </a:schemeClr>
+          </a:lnRef>
+          <a:fillRef idx="1">
+            <a:schemeClr val="accent1"/>
+          </a:fillRef>
+          <a:effectRef idx="0">
+            <a:schemeClr val="accent1"/>
+          </a:effectRef>
+          <a:fontRef idx="minor">
+            <a:schemeClr val="lt1"/>
+          </a:fontRef>
+        </p:style>
+        <p:txBody>
+          <a:bodyPr rtlCol="0" anchor="ctr"/>
+          <a:lstStyle/>
+          <a:p>
+            <a:pPr algn="ctr"/>
+            <a:endParaRPr lang="de-DE"/>
+          </a:p>
+        </p:txBody>
+      </p:sp>
+      <p:sp>
+        <p:nvSpPr>
+          <p:cNvPr id="228" name="Rechteck 227"/>
+          <p:cNvSpPr/>
+          <p:nvPr/>
+        </p:nvSpPr>
+        <p:spPr>
+          <a:xfrm>
+            <a:off x="4230916" y="3870519"/>
+            <a:ext cx="68955" cy="70522"/>
+          </a:xfrm>
+          <a:prstGeom prst="rect">
+            <a:avLst/>
+          </a:prstGeom>
+          <a:solidFill>
+            <a:srgbClr val="FF0000"/>
+          </a:solidFill>
+          <a:ln>
+            <a:solidFill>
+              <a:schemeClr val="tx1">
+                <a:lumMod val="75000"/>
+                <a:lumOff val="25000"/>
+              </a:schemeClr>
+            </a:solidFill>
+          </a:ln>
+        </p:spPr>
+        <p:style>
+          <a:lnRef idx="2">
+            <a:schemeClr val="accent1">
+              <a:shade val="50000"/>
+            </a:schemeClr>
+          </a:lnRef>
+          <a:fillRef idx="1">
+            <a:schemeClr val="accent1"/>
+          </a:fillRef>
+          <a:effectRef idx="0">
+            <a:schemeClr val="accent1"/>
+          </a:effectRef>
+          <a:fontRef idx="minor">
+            <a:schemeClr val="lt1"/>
+          </a:fontRef>
+        </p:style>
+        <p:txBody>
+          <a:bodyPr rtlCol="0" anchor="ctr"/>
+          <a:lstStyle/>
+          <a:p>
+            <a:pPr algn="ctr"/>
+            <a:endParaRPr lang="de-DE"/>
+          </a:p>
+        </p:txBody>
+      </p:sp>
+      <p:sp>
+        <p:nvSpPr>
+          <p:cNvPr id="229" name="Gleichschenkliges Dreieck 228"/>
+          <p:cNvSpPr/>
+          <p:nvPr/>
+        </p:nvSpPr>
+        <p:spPr>
+          <a:xfrm>
+            <a:off x="4230916" y="3755461"/>
+            <a:ext cx="68955" cy="113572"/>
+          </a:xfrm>
+          <a:prstGeom prst="triangle">
+            <a:avLst/>
+          </a:prstGeom>
+          <a:solidFill>
+            <a:schemeClr val="bg1"/>
+          </a:solidFill>
+          <a:ln>
+            <a:solidFill>
+              <a:schemeClr val="tx1">
+                <a:lumMod val="75000"/>
+                <a:lumOff val="25000"/>
+              </a:schemeClr>
+            </a:solidFill>
+          </a:ln>
+        </p:spPr>
+        <p:style>
+          <a:lnRef idx="2">
+            <a:schemeClr val="accent1">
+              <a:shade val="50000"/>
+            </a:schemeClr>
+          </a:lnRef>
+          <a:fillRef idx="1">
+            <a:schemeClr val="accent1"/>
+          </a:fillRef>
+          <a:effectRef idx="0">
+            <a:schemeClr val="accent1"/>
+          </a:effectRef>
+          <a:fontRef idx="minor">
+            <a:schemeClr val="lt1"/>
+          </a:fontRef>
+        </p:style>
+        <p:txBody>
+          <a:bodyPr rtlCol="0" anchor="ctr"/>
+          <a:lstStyle/>
+          <a:p>
+            <a:pPr algn="ctr"/>
+            <a:endParaRPr lang="de-DE"/>
+          </a:p>
+        </p:txBody>
+      </p:sp>
+      <p:sp>
+        <p:nvSpPr>
+          <p:cNvPr id="230" name="Rechteck 229"/>
+          <p:cNvSpPr/>
+          <p:nvPr/>
+        </p:nvSpPr>
+        <p:spPr>
+          <a:xfrm>
+            <a:off x="4230914" y="3941041"/>
+            <a:ext cx="68955" cy="72008"/>
+          </a:xfrm>
+          <a:prstGeom prst="rect">
+            <a:avLst/>
+          </a:prstGeom>
+          <a:solidFill>
+            <a:schemeClr val="bg1"/>
+          </a:solidFill>
+          <a:ln>
+            <a:solidFill>
+              <a:schemeClr val="tx1">
+                <a:lumMod val="75000"/>
+                <a:lumOff val="25000"/>
+              </a:schemeClr>
+            </a:solidFill>
+          </a:ln>
+        </p:spPr>
+        <p:style>
+          <a:lnRef idx="2">
+            <a:schemeClr val="accent1">
+              <a:shade val="50000"/>
+            </a:schemeClr>
+          </a:lnRef>
+          <a:fillRef idx="1">
+            <a:schemeClr val="accent1"/>
+          </a:fillRef>
+          <a:effectRef idx="0">
+            <a:schemeClr val="accent1"/>
+          </a:effectRef>
+          <a:fontRef idx="minor">
+            <a:schemeClr val="lt1"/>
+          </a:fontRef>
+        </p:style>
+        <p:txBody>
+          <a:bodyPr rtlCol="0" anchor="ctr"/>
+          <a:lstStyle/>
+          <a:p>
+            <a:pPr algn="ctr"/>
+            <a:endParaRPr lang="de-DE"/>
+          </a:p>
+        </p:txBody>
+      </p:sp>
+      <p:cxnSp>
+        <p:nvCxnSpPr>
+          <p:cNvPr id="231" name="Gerade Verbindung 230"/>
+          <p:cNvCxnSpPr/>
+          <p:nvPr/>
+        </p:nvCxnSpPr>
+        <p:spPr>
+          <a:xfrm>
+            <a:off x="4264261" y="3949130"/>
+            <a:ext cx="0" cy="67245"/>
+          </a:xfrm>
+          <a:prstGeom prst="line">
+            <a:avLst/>
+          </a:prstGeom>
+          <a:ln w="12700">
+            <a:solidFill>
+              <a:schemeClr val="tx1">
+                <a:lumMod val="75000"/>
+                <a:lumOff val="25000"/>
+              </a:schemeClr>
+            </a:solidFill>
+          </a:ln>
+        </p:spPr>
+        <p:style>
+          <a:lnRef idx="1">
+            <a:schemeClr val="accent1"/>
+          </a:lnRef>
+          <a:fillRef idx="0">
+            <a:schemeClr val="accent1"/>
+          </a:fillRef>
+          <a:effectRef idx="0">
+            <a:schemeClr val="accent1"/>
+          </a:effectRef>
+          <a:fontRef idx="minor">
+            <a:schemeClr val="tx1"/>
+          </a:fontRef>
+        </p:style>
+      </p:cxnSp>
+      <p:sp>
+        <p:nvSpPr>
+          <p:cNvPr id="4" name="Ellipse 3"/>
+          <p:cNvSpPr/>
+          <p:nvPr/>
+        </p:nvSpPr>
+        <p:spPr>
+          <a:xfrm>
+            <a:off x="4984982" y="3108529"/>
+            <a:ext cx="360815" cy="366285"/>
+          </a:xfrm>
+          <a:prstGeom prst="ellipse">
+            <a:avLst/>
+          </a:prstGeom>
+          <a:solidFill>
+            <a:srgbClr val="00B050"/>
+          </a:solidFill>
+          <a:ln>
+            <a:solidFill>
+              <a:srgbClr val="00B050"/>
+            </a:solidFill>
+          </a:ln>
+        </p:spPr>
+        <p:style>
+          <a:lnRef idx="2">
+            <a:schemeClr val="accent1">
+              <a:shade val="50000"/>
+            </a:schemeClr>
+          </a:lnRef>
+          <a:fillRef idx="1">
+            <a:schemeClr val="accent1"/>
+          </a:fillRef>
+          <a:effectRef idx="0">
+            <a:schemeClr val="accent1"/>
+          </a:effectRef>
+          <a:fontRef idx="minor">
+            <a:schemeClr val="lt1"/>
+          </a:fontRef>
+        </p:style>
+        <p:txBody>
+          <a:bodyPr rtlCol="0" anchor="ctr"/>
+          <a:lstStyle/>
+          <a:p>
+            <a:pPr algn="ctr"/>
+            <a:endParaRPr lang="de-DE"/>
+          </a:p>
+        </p:txBody>
+      </p:sp>
+      <p:sp>
+        <p:nvSpPr>
+          <p:cNvPr id="27" name="Ellipse 26"/>
+          <p:cNvSpPr/>
+          <p:nvPr/>
+        </p:nvSpPr>
+        <p:spPr>
+          <a:xfrm>
+            <a:off x="7419715" y="2492896"/>
+            <a:ext cx="352375" cy="376240"/>
+          </a:xfrm>
+          <a:prstGeom prst="ellipse">
+            <a:avLst/>
+          </a:prstGeom>
+          <a:solidFill>
+            <a:srgbClr val="9A0000"/>
+          </a:solidFill>
+          <a:ln>
+            <a:solidFill>
+              <a:srgbClr val="F2D500"/>
+            </a:solidFill>
+          </a:ln>
+        </p:spPr>
+        <p:style>
+          <a:lnRef idx="2">
+            <a:schemeClr val="accent1">
+              <a:shade val="50000"/>
+            </a:schemeClr>
+          </a:lnRef>
+          <a:fillRef idx="1">
+            <a:schemeClr val="accent1"/>
+          </a:fillRef>
+          <a:effectRef idx="0">
+            <a:schemeClr val="accent1"/>
+          </a:effectRef>
+          <a:fontRef idx="minor">
+            <a:schemeClr val="lt1"/>
+          </a:fontRef>
+        </p:style>
+        <p:txBody>
+          <a:bodyPr rtlCol="0" anchor="ctr"/>
+          <a:lstStyle/>
+          <a:p>
+            <a:pPr algn="ctr"/>
+            <a:endParaRPr lang="de-DE"/>
+          </a:p>
+        </p:txBody>
+      </p:sp>
+      <p:sp>
+        <p:nvSpPr>
+          <p:cNvPr id="235" name="Ellipse 234"/>
+          <p:cNvSpPr/>
+          <p:nvPr/>
+        </p:nvSpPr>
+        <p:spPr>
+          <a:xfrm>
+            <a:off x="7401986" y="2561429"/>
+            <a:ext cx="388699" cy="398971"/>
+          </a:xfrm>
+          <a:prstGeom prst="ellipse">
+            <a:avLst/>
+          </a:prstGeom>
+          <a:solidFill>
+            <a:srgbClr val="9A0000"/>
+          </a:solidFill>
+          <a:ln>
+            <a:solidFill>
+              <a:srgbClr val="F2D500"/>
+            </a:solidFill>
+          </a:ln>
+        </p:spPr>
+        <p:style>
+          <a:lnRef idx="2">
+            <a:schemeClr val="accent1">
+              <a:shade val="50000"/>
+            </a:schemeClr>
+          </a:lnRef>
+          <a:fillRef idx="1">
+            <a:schemeClr val="accent1"/>
+          </a:fillRef>
+          <a:effectRef idx="0">
+            <a:schemeClr val="accent1"/>
+          </a:effectRef>
+          <a:fontRef idx="minor">
+            <a:schemeClr val="lt1"/>
+          </a:fontRef>
+        </p:style>
+        <p:txBody>
+          <a:bodyPr rtlCol="0" anchor="ctr"/>
+          <a:lstStyle/>
+          <a:p>
+            <a:pPr algn="ctr"/>
+            <a:endParaRPr lang="de-DE"/>
+          </a:p>
+        </p:txBody>
+      </p:sp>
+      <p:sp>
+        <p:nvSpPr>
+          <p:cNvPr id="236" name="Ellipse 235"/>
+          <p:cNvSpPr/>
+          <p:nvPr/>
+        </p:nvSpPr>
+        <p:spPr>
+          <a:xfrm>
+            <a:off x="7501701" y="2663942"/>
+            <a:ext cx="178545" cy="188120"/>
+          </a:xfrm>
+          <a:prstGeom prst="ellipse">
+            <a:avLst/>
+          </a:prstGeom>
+          <a:solidFill>
+            <a:srgbClr val="F2D500"/>
+          </a:solidFill>
+          <a:ln>
+            <a:solidFill>
+              <a:srgbClr val="F2D500"/>
+            </a:solidFill>
+          </a:ln>
+        </p:spPr>
+        <p:style>
+          <a:lnRef idx="2">
+            <a:schemeClr val="accent1">
+              <a:shade val="50000"/>
+            </a:schemeClr>
+          </a:lnRef>
+          <a:fillRef idx="1">
+            <a:schemeClr val="accent1"/>
+          </a:fillRef>
+          <a:effectRef idx="0">
+            <a:schemeClr val="accent1"/>
+          </a:effectRef>
+          <a:fontRef idx="minor">
+            <a:schemeClr val="lt1"/>
+          </a:fontRef>
+        </p:style>
+        <p:txBody>
+          <a:bodyPr rtlCol="0" anchor="ctr"/>
+          <a:lstStyle/>
+          <a:p>
+            <a:pPr algn="ctr"/>
+            <a:endParaRPr lang="de-DE"/>
+          </a:p>
+        </p:txBody>
+      </p:sp>
+      <p:sp>
+        <p:nvSpPr>
+          <p:cNvPr id="29" name="Abgerundetes Rechteck 28"/>
+          <p:cNvSpPr/>
+          <p:nvPr/>
+        </p:nvSpPr>
+        <p:spPr>
+          <a:xfrm>
+            <a:off x="8028385" y="3212976"/>
+            <a:ext cx="576063" cy="281387"/>
+          </a:xfrm>
+          <a:prstGeom prst="roundRect">
+            <a:avLst/>
+          </a:prstGeom>
+          <a:solidFill>
+            <a:schemeClr val="accent3">
+              <a:lumMod val="60000"/>
+              <a:lumOff val="40000"/>
+            </a:schemeClr>
+          </a:solidFill>
+          <a:ln>
+            <a:solidFill>
+              <a:schemeClr val="tx1">
+                <a:lumMod val="85000"/>
+                <a:lumOff val="15000"/>
+              </a:schemeClr>
+            </a:solidFill>
+          </a:ln>
+        </p:spPr>
+        <p:style>
+          <a:lnRef idx="2">
+            <a:schemeClr val="accent1">
+              <a:shade val="50000"/>
+            </a:schemeClr>
+          </a:lnRef>
+          <a:fillRef idx="1">
+            <a:schemeClr val="accent1"/>
+          </a:fillRef>
+          <a:effectRef idx="0">
+            <a:schemeClr val="accent1"/>
+          </a:effectRef>
+          <a:fontRef idx="minor">
+            <a:schemeClr val="lt1"/>
+          </a:fontRef>
+        </p:style>
+        <p:txBody>
+          <a:bodyPr rtlCol="0" anchor="ctr"/>
+          <a:lstStyle/>
+          <a:p>
+            <a:pPr algn="ctr"/>
+            <a:endParaRPr lang="de-DE"/>
+          </a:p>
+        </p:txBody>
+      </p:sp>
+      <p:sp>
+        <p:nvSpPr>
+          <p:cNvPr id="237" name="Abgerundetes Rechteck 236"/>
+          <p:cNvSpPr/>
+          <p:nvPr/>
+        </p:nvSpPr>
+        <p:spPr>
+          <a:xfrm>
+            <a:off x="8127399" y="3212976"/>
+            <a:ext cx="91713" cy="278065"/>
+          </a:xfrm>
+          <a:prstGeom prst="roundRect">
+            <a:avLst/>
+          </a:prstGeom>
+          <a:solidFill>
+            <a:schemeClr val="accent3">
+              <a:lumMod val="40000"/>
+              <a:lumOff val="60000"/>
+            </a:schemeClr>
+          </a:solidFill>
+          <a:ln>
+            <a:solidFill>
+              <a:schemeClr val="tx1">
+                <a:lumMod val="85000"/>
+                <a:lumOff val="15000"/>
+              </a:schemeClr>
+            </a:solidFill>
+          </a:ln>
+        </p:spPr>
+        <p:style>
+          <a:lnRef idx="2">
+            <a:schemeClr val="accent1">
+              <a:shade val="50000"/>
+            </a:schemeClr>
+          </a:lnRef>
+          <a:fillRef idx="1">
+            <a:schemeClr val="accent1"/>
+          </a:fillRef>
+          <a:effectRef idx="0">
+            <a:schemeClr val="accent1"/>
+          </a:effectRef>
+          <a:fontRef idx="minor">
+            <a:schemeClr val="lt1"/>
+          </a:fontRef>
+        </p:style>
+        <p:txBody>
+          <a:bodyPr rtlCol="0" anchor="ctr"/>
+          <a:lstStyle/>
+          <a:p>
+            <a:pPr algn="ctr"/>
+            <a:endParaRPr lang="de-DE"/>
+          </a:p>
+        </p:txBody>
+      </p:sp>
+      <p:sp>
+        <p:nvSpPr>
+          <p:cNvPr id="243" name="Abgerundetes Rechteck 242"/>
+          <p:cNvSpPr/>
+          <p:nvPr/>
+        </p:nvSpPr>
+        <p:spPr>
+          <a:xfrm>
+            <a:off x="8258605" y="3212975"/>
+            <a:ext cx="91713" cy="278065"/>
+          </a:xfrm>
+          <a:prstGeom prst="roundRect">
+            <a:avLst/>
+          </a:prstGeom>
+          <a:solidFill>
+            <a:schemeClr val="accent3">
+              <a:lumMod val="40000"/>
+              <a:lumOff val="60000"/>
+            </a:schemeClr>
+          </a:solidFill>
+          <a:ln>
+            <a:solidFill>
+              <a:schemeClr val="tx1">
+                <a:lumMod val="85000"/>
+                <a:lumOff val="15000"/>
+              </a:schemeClr>
+            </a:solidFill>
+          </a:ln>
+        </p:spPr>
+        <p:style>
+          <a:lnRef idx="2">
+            <a:schemeClr val="accent1">
+              <a:shade val="50000"/>
+            </a:schemeClr>
+          </a:lnRef>
+          <a:fillRef idx="1">
+            <a:schemeClr val="accent1"/>
+          </a:fillRef>
+          <a:effectRef idx="0">
+            <a:schemeClr val="accent1"/>
+          </a:effectRef>
+          <a:fontRef idx="minor">
+            <a:schemeClr val="lt1"/>
+          </a:fontRef>
+        </p:style>
+        <p:txBody>
+          <a:bodyPr rtlCol="0" anchor="ctr"/>
+          <a:lstStyle/>
+          <a:p>
+            <a:pPr algn="ctr"/>
+            <a:endParaRPr lang="de-DE"/>
+          </a:p>
+        </p:txBody>
+      </p:sp>
+      <p:sp>
+        <p:nvSpPr>
+          <p:cNvPr id="240" name="Abgerundetes Rechteck 239"/>
+          <p:cNvSpPr/>
+          <p:nvPr/>
+        </p:nvSpPr>
+        <p:spPr>
+          <a:xfrm>
+            <a:off x="8388424" y="3214636"/>
+            <a:ext cx="91713" cy="278065"/>
+          </a:xfrm>
+          <a:prstGeom prst="roundRect">
+            <a:avLst/>
+          </a:prstGeom>
+          <a:solidFill>
+            <a:schemeClr val="accent3">
+              <a:lumMod val="40000"/>
+              <a:lumOff val="60000"/>
+            </a:schemeClr>
+          </a:solidFill>
+          <a:ln>
+            <a:solidFill>
+              <a:schemeClr val="tx1">
+                <a:lumMod val="85000"/>
+                <a:lumOff val="15000"/>
+              </a:schemeClr>
+            </a:solidFill>
+          </a:ln>
+        </p:spPr>
+        <p:style>
+          <a:lnRef idx="2">
+            <a:schemeClr val="accent1">
+              <a:shade val="50000"/>
+            </a:schemeClr>
+          </a:lnRef>
+          <a:fillRef idx="1">
+            <a:schemeClr val="accent1"/>
+          </a:fillRef>
+          <a:effectRef idx="0">
+            <a:schemeClr val="accent1"/>
+          </a:effectRef>
+          <a:fontRef idx="minor">
+            <a:schemeClr val="lt1"/>
+          </a:fontRef>
+        </p:style>
+        <p:txBody>
+          <a:bodyPr rtlCol="0" anchor="ctr"/>
+          <a:lstStyle/>
+          <a:p>
+            <a:pPr algn="ctr"/>
+            <a:endParaRPr lang="de-DE"/>
+          </a:p>
+        </p:txBody>
+      </p:sp>
+      <p:sp>
+        <p:nvSpPr>
+          <p:cNvPr id="245" name="Pfeil nach links 244"/>
+          <p:cNvSpPr/>
+          <p:nvPr/>
+        </p:nvSpPr>
+        <p:spPr>
+          <a:xfrm>
+            <a:off x="7920372" y="3097353"/>
+            <a:ext cx="187351" cy="519278"/>
+          </a:xfrm>
+          <a:prstGeom prst="leftArrow">
+            <a:avLst/>
+          </a:prstGeom>
+          <a:solidFill>
+            <a:srgbClr val="FF0000"/>
+          </a:solidFill>
+          <a:ln>
+            <a:solidFill>
+              <a:schemeClr val="tx1">
+                <a:lumMod val="85000"/>
+                <a:lumOff val="15000"/>
+              </a:schemeClr>
             </a:solidFill>
           </a:ln>
         </p:spPr>

--- a/PP/Microsoft PowerPoint-Präsentation (neu).pptx
+++ b/PP/Microsoft PowerPoint-Präsentation (neu).pptx
@@ -9864,8 +9864,8 @@
         </p:nvSpPr>
         <p:spPr>
           <a:xfrm>
-            <a:off x="6486119" y="3861048"/>
-            <a:ext cx="828092" cy="1224136"/>
+            <a:off x="6804248" y="3784056"/>
+            <a:ext cx="1076310" cy="1661168"/>
           </a:xfrm>
           <a:prstGeom prst="irregularSeal2">
             <a:avLst/>
@@ -13065,7 +13065,7 @@
             <a:avLst/>
           </a:prstGeom>
           <a:solidFill>
-            <a:srgbClr val="00B050"/>
+            <a:srgbClr val="92D050"/>
           </a:solidFill>
           <a:ln>
             <a:solidFill>
@@ -13481,6 +13481,292 @@
                 <a:lumMod val="85000"/>
                 <a:lumOff val="15000"/>
               </a:schemeClr>
+            </a:solidFill>
+          </a:ln>
+        </p:spPr>
+        <p:style>
+          <a:lnRef idx="2">
+            <a:schemeClr val="accent1">
+              <a:shade val="50000"/>
+            </a:schemeClr>
+          </a:lnRef>
+          <a:fillRef idx="1">
+            <a:schemeClr val="accent1"/>
+          </a:fillRef>
+          <a:effectRef idx="0">
+            <a:schemeClr val="accent1"/>
+          </a:effectRef>
+          <a:fontRef idx="minor">
+            <a:schemeClr val="lt1"/>
+          </a:fontRef>
+        </p:style>
+        <p:txBody>
+          <a:bodyPr rtlCol="0" anchor="ctr"/>
+          <a:lstStyle/>
+          <a:p>
+            <a:pPr algn="ctr"/>
+            <a:endParaRPr lang="de-DE"/>
+          </a:p>
+        </p:txBody>
+      </p:sp>
+      <p:sp>
+        <p:nvSpPr>
+          <p:cNvPr id="31" name="Wolke 30"/>
+          <p:cNvSpPr/>
+          <p:nvPr/>
+        </p:nvSpPr>
+        <p:spPr>
+          <a:xfrm>
+            <a:off x="6840249" y="4221088"/>
+            <a:ext cx="980685" cy="936104"/>
+          </a:xfrm>
+          <a:prstGeom prst="cloud">
+            <a:avLst/>
+          </a:prstGeom>
+          <a:solidFill>
+            <a:srgbClr val="FF0000"/>
+          </a:solidFill>
+          <a:ln>
+            <a:solidFill>
+              <a:schemeClr val="tx1"/>
+            </a:solidFill>
+          </a:ln>
+        </p:spPr>
+        <p:style>
+          <a:lnRef idx="2">
+            <a:schemeClr val="accent1">
+              <a:shade val="50000"/>
+            </a:schemeClr>
+          </a:lnRef>
+          <a:fillRef idx="1">
+            <a:schemeClr val="accent1"/>
+          </a:fillRef>
+          <a:effectRef idx="0">
+            <a:schemeClr val="accent1"/>
+          </a:effectRef>
+          <a:fontRef idx="minor">
+            <a:schemeClr val="lt1"/>
+          </a:fontRef>
+        </p:style>
+        <p:txBody>
+          <a:bodyPr rtlCol="0" anchor="ctr"/>
+          <a:lstStyle/>
+          <a:p>
+            <a:pPr algn="ctr"/>
+            <a:endParaRPr lang="de-DE"/>
+          </a:p>
+        </p:txBody>
+      </p:sp>
+      <p:sp>
+        <p:nvSpPr>
+          <p:cNvPr id="232" name="Wolke 231"/>
+          <p:cNvSpPr/>
+          <p:nvPr/>
+        </p:nvSpPr>
+        <p:spPr>
+          <a:xfrm>
+            <a:off x="6932550" y="4293096"/>
+            <a:ext cx="819705" cy="783704"/>
+          </a:xfrm>
+          <a:prstGeom prst="cloud">
+            <a:avLst/>
+          </a:prstGeom>
+          <a:solidFill>
+            <a:srgbClr val="FF4F4F"/>
+          </a:solidFill>
+          <a:ln>
+            <a:solidFill>
+              <a:schemeClr val="tx1"/>
+            </a:solidFill>
+          </a:ln>
+        </p:spPr>
+        <p:style>
+          <a:lnRef idx="2">
+            <a:schemeClr val="accent1">
+              <a:shade val="50000"/>
+            </a:schemeClr>
+          </a:lnRef>
+          <a:fillRef idx="1">
+            <a:schemeClr val="accent1"/>
+          </a:fillRef>
+          <a:effectRef idx="0">
+            <a:schemeClr val="accent1"/>
+          </a:effectRef>
+          <a:fontRef idx="minor">
+            <a:schemeClr val="lt1"/>
+          </a:fontRef>
+        </p:style>
+        <p:txBody>
+          <a:bodyPr rtlCol="0" anchor="ctr"/>
+          <a:lstStyle/>
+          <a:p>
+            <a:pPr algn="ctr"/>
+            <a:endParaRPr lang="de-DE"/>
+          </a:p>
+        </p:txBody>
+      </p:sp>
+      <p:sp>
+        <p:nvSpPr>
+          <p:cNvPr id="238" name="Wolke 237"/>
+          <p:cNvSpPr/>
+          <p:nvPr/>
+        </p:nvSpPr>
+        <p:spPr>
+          <a:xfrm>
+            <a:off x="7044754" y="4405300"/>
+            <a:ext cx="595296" cy="567680"/>
+          </a:xfrm>
+          <a:prstGeom prst="cloud">
+            <a:avLst/>
+          </a:prstGeom>
+          <a:solidFill>
+            <a:srgbClr val="FFC000"/>
+          </a:solidFill>
+          <a:ln>
+            <a:solidFill>
+              <a:schemeClr val="tx1"/>
+            </a:solidFill>
+          </a:ln>
+        </p:spPr>
+        <p:style>
+          <a:lnRef idx="2">
+            <a:schemeClr val="accent1">
+              <a:shade val="50000"/>
+            </a:schemeClr>
+          </a:lnRef>
+          <a:fillRef idx="1">
+            <a:schemeClr val="accent1"/>
+          </a:fillRef>
+          <a:effectRef idx="0">
+            <a:schemeClr val="accent1"/>
+          </a:effectRef>
+          <a:fontRef idx="minor">
+            <a:schemeClr val="lt1"/>
+          </a:fontRef>
+        </p:style>
+        <p:txBody>
+          <a:bodyPr rtlCol="0" anchor="ctr"/>
+          <a:lstStyle/>
+          <a:p>
+            <a:pPr algn="ctr"/>
+            <a:endParaRPr lang="de-DE"/>
+          </a:p>
+        </p:txBody>
+      </p:sp>
+      <p:sp>
+        <p:nvSpPr>
+          <p:cNvPr id="258" name="Wolke 257"/>
+          <p:cNvSpPr/>
+          <p:nvPr/>
+        </p:nvSpPr>
+        <p:spPr>
+          <a:xfrm>
+            <a:off x="7130459" y="4509120"/>
+            <a:ext cx="393869" cy="335692"/>
+          </a:xfrm>
+          <a:prstGeom prst="cloud">
+            <a:avLst/>
+          </a:prstGeom>
+          <a:solidFill>
+            <a:srgbClr val="FFFF4F"/>
+          </a:solidFill>
+          <a:ln w="38100">
+            <a:solidFill>
+              <a:srgbClr val="FFFF00"/>
+            </a:solidFill>
+          </a:ln>
+        </p:spPr>
+        <p:style>
+          <a:lnRef idx="2">
+            <a:schemeClr val="accent1">
+              <a:shade val="50000"/>
+            </a:schemeClr>
+          </a:lnRef>
+          <a:fillRef idx="1">
+            <a:schemeClr val="accent1"/>
+          </a:fillRef>
+          <a:effectRef idx="0">
+            <a:schemeClr val="accent1"/>
+          </a:effectRef>
+          <a:fontRef idx="minor">
+            <a:schemeClr val="lt1"/>
+          </a:fontRef>
+        </p:style>
+        <p:txBody>
+          <a:bodyPr rtlCol="0" anchor="ctr"/>
+          <a:lstStyle/>
+          <a:p>
+            <a:pPr algn="ctr"/>
+            <a:endParaRPr lang="de-DE"/>
+          </a:p>
+        </p:txBody>
+      </p:sp>
+      <p:sp>
+        <p:nvSpPr>
+          <p:cNvPr id="259" name="Ellipse 258"/>
+          <p:cNvSpPr/>
+          <p:nvPr/>
+        </p:nvSpPr>
+        <p:spPr>
+          <a:xfrm>
+            <a:off x="3782550" y="2845856"/>
+            <a:ext cx="571884" cy="582011"/>
+          </a:xfrm>
+          <a:prstGeom prst="ellipse">
+            <a:avLst/>
+          </a:prstGeom>
+          <a:noFill/>
+          <a:ln>
+            <a:solidFill>
+              <a:srgbClr val="FF0000"/>
+            </a:solidFill>
+          </a:ln>
+        </p:spPr>
+        <p:style>
+          <a:lnRef idx="2">
+            <a:schemeClr val="accent1">
+              <a:shade val="50000"/>
+            </a:schemeClr>
+          </a:lnRef>
+          <a:fillRef idx="1">
+            <a:schemeClr val="accent1"/>
+          </a:fillRef>
+          <a:effectRef idx="0">
+            <a:schemeClr val="accent1"/>
+          </a:effectRef>
+          <a:fontRef idx="minor">
+            <a:schemeClr val="lt1"/>
+          </a:fontRef>
+        </p:style>
+        <p:txBody>
+          <a:bodyPr rtlCol="0" anchor="ctr"/>
+          <a:lstStyle/>
+          <a:p>
+            <a:pPr algn="ctr"/>
+            <a:endParaRPr lang="de-DE"/>
+          </a:p>
+        </p:txBody>
+      </p:sp>
+      <p:sp>
+        <p:nvSpPr>
+          <p:cNvPr id="260" name="Ellipse 259"/>
+          <p:cNvSpPr/>
+          <p:nvPr/>
+        </p:nvSpPr>
+        <p:spPr>
+          <a:xfrm>
+            <a:off x="3888085" y="2953720"/>
+            <a:ext cx="360815" cy="366285"/>
+          </a:xfrm>
+          <a:prstGeom prst="ellipse">
+            <a:avLst/>
+          </a:prstGeom>
+          <a:solidFill>
+            <a:srgbClr val="7030A0"/>
+          </a:solidFill>
+          <a:ln>
+            <a:solidFill>
+              <a:srgbClr val="002060"/>
             </a:solidFill>
           </a:ln>
         </p:spPr>

--- a/PP/Microsoft PowerPoint-Präsentation (neu).pptx
+++ b/PP/Microsoft PowerPoint-Präsentation (neu).pptx
@@ -5,10 +5,12 @@
     <p:sldMasterId id="2147483648" r:id="rId1"/>
   </p:sldMasterIdLst>
   <p:notesMasterIdLst>
-    <p:notesMasterId r:id="rId3"/>
+    <p:notesMasterId r:id="rId5"/>
   </p:notesMasterIdLst>
   <p:sldIdLst>
     <p:sldId id="256" r:id="rId2"/>
+    <p:sldId id="257" r:id="rId3"/>
+    <p:sldId id="258" r:id="rId4"/>
   </p:sldIdLst>
   <p:sldSz cx="9144000" cy="6858000" type="screen4x3"/>
   <p:notesSz cx="6858000" cy="9144000"/>
@@ -192,7 +194,7 @@
           <a:p>
             <a:fld id="{F0232FCF-9A7A-46D1-8813-697B3C5A0FC4}" type="datetimeFigureOut">
               <a:rPr lang="de-DE" smtClean="0"/>
-              <a:t>12.06.2020</a:t>
+              <a:t>15.06.2020</a:t>
             </a:fld>
             <a:endParaRPr lang="de-DE"/>
           </a:p>
@@ -725,7 +727,7 @@
           <a:p>
             <a:fld id="{1BA50D42-C9CD-4801-B293-61D1F53EC57E}" type="datetimeFigureOut">
               <a:rPr lang="de-DE" smtClean="0"/>
-              <a:t>12.06.2020</a:t>
+              <a:t>15.06.2020</a:t>
             </a:fld>
             <a:endParaRPr lang="de-DE"/>
           </a:p>
@@ -890,7 +892,7 @@
           <a:p>
             <a:fld id="{1BA50D42-C9CD-4801-B293-61D1F53EC57E}" type="datetimeFigureOut">
               <a:rPr lang="de-DE" smtClean="0"/>
-              <a:t>12.06.2020</a:t>
+              <a:t>15.06.2020</a:t>
             </a:fld>
             <a:endParaRPr lang="de-DE"/>
           </a:p>
@@ -1065,7 +1067,7 @@
           <a:p>
             <a:fld id="{1BA50D42-C9CD-4801-B293-61D1F53EC57E}" type="datetimeFigureOut">
               <a:rPr lang="de-DE" smtClean="0"/>
-              <a:t>12.06.2020</a:t>
+              <a:t>15.06.2020</a:t>
             </a:fld>
             <a:endParaRPr lang="de-DE"/>
           </a:p>
@@ -1230,7 +1232,7 @@
           <a:p>
             <a:fld id="{1BA50D42-C9CD-4801-B293-61D1F53EC57E}" type="datetimeFigureOut">
               <a:rPr lang="de-DE" smtClean="0"/>
-              <a:t>12.06.2020</a:t>
+              <a:t>15.06.2020</a:t>
             </a:fld>
             <a:endParaRPr lang="de-DE"/>
           </a:p>
@@ -1471,7 +1473,7 @@
           <a:p>
             <a:fld id="{1BA50D42-C9CD-4801-B293-61D1F53EC57E}" type="datetimeFigureOut">
               <a:rPr lang="de-DE" smtClean="0"/>
-              <a:t>12.06.2020</a:t>
+              <a:t>15.06.2020</a:t>
             </a:fld>
             <a:endParaRPr lang="de-DE"/>
           </a:p>
@@ -1754,7 +1756,7 @@
           <a:p>
             <a:fld id="{1BA50D42-C9CD-4801-B293-61D1F53EC57E}" type="datetimeFigureOut">
               <a:rPr lang="de-DE" smtClean="0"/>
-              <a:t>12.06.2020</a:t>
+              <a:t>15.06.2020</a:t>
             </a:fld>
             <a:endParaRPr lang="de-DE"/>
           </a:p>
@@ -2171,7 +2173,7 @@
           <a:p>
             <a:fld id="{1BA50D42-C9CD-4801-B293-61D1F53EC57E}" type="datetimeFigureOut">
               <a:rPr lang="de-DE" smtClean="0"/>
-              <a:t>12.06.2020</a:t>
+              <a:t>15.06.2020</a:t>
             </a:fld>
             <a:endParaRPr lang="de-DE"/>
           </a:p>
@@ -2284,7 +2286,7 @@
           <a:p>
             <a:fld id="{1BA50D42-C9CD-4801-B293-61D1F53EC57E}" type="datetimeFigureOut">
               <a:rPr lang="de-DE" smtClean="0"/>
-              <a:t>12.06.2020</a:t>
+              <a:t>15.06.2020</a:t>
             </a:fld>
             <a:endParaRPr lang="de-DE"/>
           </a:p>
@@ -2374,7 +2376,7 @@
           <a:p>
             <a:fld id="{1BA50D42-C9CD-4801-B293-61D1F53EC57E}" type="datetimeFigureOut">
               <a:rPr lang="de-DE" smtClean="0"/>
-              <a:t>12.06.2020</a:t>
+              <a:t>15.06.2020</a:t>
             </a:fld>
             <a:endParaRPr lang="de-DE"/>
           </a:p>
@@ -2646,7 +2648,7 @@
           <a:p>
             <a:fld id="{1BA50D42-C9CD-4801-B293-61D1F53EC57E}" type="datetimeFigureOut">
               <a:rPr lang="de-DE" smtClean="0"/>
-              <a:t>12.06.2020</a:t>
+              <a:t>15.06.2020</a:t>
             </a:fld>
             <a:endParaRPr lang="de-DE"/>
           </a:p>
@@ -2894,7 +2896,7 @@
           <a:p>
             <a:fld id="{1BA50D42-C9CD-4801-B293-61D1F53EC57E}" type="datetimeFigureOut">
               <a:rPr lang="de-DE" smtClean="0"/>
-              <a:t>12.06.2020</a:t>
+              <a:t>15.06.2020</a:t>
             </a:fld>
             <a:endParaRPr lang="de-DE"/>
           </a:p>
@@ -3102,7 +3104,7 @@
           <a:p>
             <a:fld id="{1BA50D42-C9CD-4801-B293-61D1F53EC57E}" type="datetimeFigureOut">
               <a:rPr lang="de-DE" smtClean="0"/>
-              <a:t>12.06.2020</a:t>
+              <a:t>15.06.2020</a:t>
             </a:fld>
             <a:endParaRPr lang="de-DE"/>
           </a:p>
@@ -3810,52 +3812,6 @@
       </p:sp>
       <p:sp>
         <p:nvSpPr>
-          <p:cNvPr id="19" name="Ellipse 18"/>
-          <p:cNvSpPr/>
-          <p:nvPr/>
-        </p:nvSpPr>
-        <p:spPr>
-          <a:xfrm>
-            <a:off x="4879447" y="3000665"/>
-            <a:ext cx="571884" cy="582011"/>
-          </a:xfrm>
-          <a:prstGeom prst="ellipse">
-            <a:avLst/>
-          </a:prstGeom>
-          <a:noFill/>
-          <a:ln>
-            <a:solidFill>
-              <a:srgbClr val="F2D500"/>
-            </a:solidFill>
-          </a:ln>
-        </p:spPr>
-        <p:style>
-          <a:lnRef idx="2">
-            <a:schemeClr val="accent1">
-              <a:shade val="50000"/>
-            </a:schemeClr>
-          </a:lnRef>
-          <a:fillRef idx="1">
-            <a:schemeClr val="accent1"/>
-          </a:fillRef>
-          <a:effectRef idx="0">
-            <a:schemeClr val="accent1"/>
-          </a:effectRef>
-          <a:fontRef idx="minor">
-            <a:schemeClr val="lt1"/>
-          </a:fontRef>
-        </p:style>
-        <p:txBody>
-          <a:bodyPr rtlCol="0" anchor="ctr"/>
-          <a:lstStyle/>
-          <a:p>
-            <a:pPr algn="ctr"/>
-            <a:endParaRPr lang="de-DE"/>
-          </a:p>
-        </p:txBody>
-      </p:sp>
-      <p:sp>
-        <p:nvSpPr>
           <p:cNvPr id="227" name="Rechteck 226"/>
           <p:cNvSpPr/>
           <p:nvPr/>
@@ -9781,7 +9737,7 @@
         </p:nvCxnSpPr>
         <p:spPr>
           <a:xfrm>
-            <a:off x="791580" y="1902360"/>
+            <a:off x="756086" y="2132856"/>
             <a:ext cx="0" cy="36000"/>
           </a:xfrm>
           <a:prstGeom prst="line">
@@ -10679,7 +10635,7 @@
         </p:nvSpPr>
         <p:spPr>
           <a:xfrm flipV="1">
-            <a:off x="6141112" y="863231"/>
+            <a:off x="5070998" y="1940374"/>
             <a:ext cx="721802" cy="922729"/>
           </a:xfrm>
           <a:prstGeom prst="triangle">
@@ -10690,7 +10646,7 @@
           </a:solidFill>
           <a:ln>
             <a:solidFill>
-              <a:srgbClr val="580000"/>
+              <a:srgbClr val="FF3B3B"/>
             </a:solidFill>
           </a:ln>
         </p:spPr>
@@ -10727,309 +10683,306 @@
         </p:nvSpPr>
         <p:spPr>
           <a:xfrm flipV="1">
-            <a:off x="6077635" y="863231"/>
+            <a:off x="5007521" y="1940374"/>
             <a:ext cx="364711" cy="504408"/>
           </a:xfrm>
           <a:prstGeom prst="triangle">
             <a:avLst/>
           </a:prstGeom>
           <a:solidFill>
+            <a:srgbClr val="BC0000"/>
+          </a:solidFill>
+          <a:ln>
+            <a:solidFill>
+              <a:srgbClr val="FF3B3B"/>
+            </a:solidFill>
+          </a:ln>
+        </p:spPr>
+        <p:style>
+          <a:lnRef idx="2">
+            <a:schemeClr val="accent1">
+              <a:shade val="50000"/>
+            </a:schemeClr>
+          </a:lnRef>
+          <a:fillRef idx="1">
+            <a:schemeClr val="accent1"/>
+          </a:fillRef>
+          <a:effectRef idx="0">
+            <a:schemeClr val="accent1"/>
+          </a:effectRef>
+          <a:fontRef idx="minor">
+            <a:schemeClr val="lt1"/>
+          </a:fontRef>
+        </p:style>
+        <p:txBody>
+          <a:bodyPr rtlCol="0" anchor="ctr"/>
+          <a:lstStyle/>
+          <a:p>
+            <a:pPr algn="ctr"/>
+            <a:endParaRPr lang="de-DE"/>
+          </a:p>
+        </p:txBody>
+      </p:sp>
+      <p:sp>
+        <p:nvSpPr>
+          <p:cNvPr id="155" name="Gleichschenkliges Dreieck 154"/>
+          <p:cNvSpPr/>
+          <p:nvPr/>
+        </p:nvSpPr>
+        <p:spPr>
+          <a:xfrm flipV="1">
+            <a:off x="5506864" y="1940374"/>
+            <a:ext cx="371285" cy="504408"/>
+          </a:xfrm>
+          <a:prstGeom prst="triangle">
+            <a:avLst/>
+          </a:prstGeom>
+          <a:solidFill>
             <a:srgbClr val="9A0000"/>
           </a:solidFill>
           <a:ln>
             <a:solidFill>
-              <a:srgbClr val="580000"/>
-            </a:solidFill>
-          </a:ln>
-        </p:spPr>
-        <p:style>
-          <a:lnRef idx="2">
-            <a:schemeClr val="accent1">
-              <a:shade val="50000"/>
-            </a:schemeClr>
-          </a:lnRef>
-          <a:fillRef idx="1">
-            <a:schemeClr val="accent1"/>
-          </a:fillRef>
-          <a:effectRef idx="0">
-            <a:schemeClr val="accent1"/>
-          </a:effectRef>
-          <a:fontRef idx="minor">
-            <a:schemeClr val="lt1"/>
-          </a:fontRef>
-        </p:style>
-        <p:txBody>
-          <a:bodyPr rtlCol="0" anchor="ctr"/>
-          <a:lstStyle/>
-          <a:p>
-            <a:pPr algn="ctr"/>
-            <a:endParaRPr lang="de-DE"/>
-          </a:p>
-        </p:txBody>
-      </p:sp>
-      <p:sp>
-        <p:nvSpPr>
-          <p:cNvPr id="155" name="Gleichschenkliges Dreieck 154"/>
+              <a:srgbClr val="FF3B3B"/>
+            </a:solidFill>
+          </a:ln>
+        </p:spPr>
+        <p:style>
+          <a:lnRef idx="2">
+            <a:schemeClr val="accent1">
+              <a:shade val="50000"/>
+            </a:schemeClr>
+          </a:lnRef>
+          <a:fillRef idx="1">
+            <a:schemeClr val="accent1"/>
+          </a:fillRef>
+          <a:effectRef idx="0">
+            <a:schemeClr val="accent1"/>
+          </a:effectRef>
+          <a:fontRef idx="minor">
+            <a:schemeClr val="lt1"/>
+          </a:fontRef>
+        </p:style>
+        <p:txBody>
+          <a:bodyPr rtlCol="0" anchor="ctr"/>
+          <a:lstStyle/>
+          <a:p>
+            <a:pPr algn="ctr"/>
+            <a:endParaRPr lang="de-DE"/>
+          </a:p>
+        </p:txBody>
+      </p:sp>
+      <p:sp>
+        <p:nvSpPr>
+          <p:cNvPr id="156" name="Gleichschenkliges Dreieck 155"/>
           <p:cNvSpPr/>
           <p:nvPr/>
         </p:nvSpPr>
         <p:spPr>
           <a:xfrm flipV="1">
-            <a:off x="6576978" y="863231"/>
-            <a:ext cx="371285" cy="504408"/>
+            <a:off x="5249543" y="2275096"/>
+            <a:ext cx="364711" cy="504408"/>
           </a:xfrm>
           <a:prstGeom prst="triangle">
             <a:avLst/>
           </a:prstGeom>
           <a:solidFill>
+            <a:srgbClr val="494949"/>
+          </a:solidFill>
+          <a:ln>
+            <a:solidFill>
+              <a:srgbClr val="FF3B3B"/>
+            </a:solidFill>
+          </a:ln>
+        </p:spPr>
+        <p:style>
+          <a:lnRef idx="2">
+            <a:schemeClr val="accent1">
+              <a:shade val="50000"/>
+            </a:schemeClr>
+          </a:lnRef>
+          <a:fillRef idx="1">
+            <a:schemeClr val="accent1"/>
+          </a:fillRef>
+          <a:effectRef idx="0">
+            <a:schemeClr val="accent1"/>
+          </a:effectRef>
+          <a:fontRef idx="minor">
+            <a:schemeClr val="lt1"/>
+          </a:fontRef>
+        </p:style>
+        <p:txBody>
+          <a:bodyPr rtlCol="0" anchor="ctr"/>
+          <a:lstStyle/>
+          <a:p>
+            <a:pPr algn="ctr"/>
+            <a:endParaRPr lang="de-DE"/>
+          </a:p>
+        </p:txBody>
+      </p:sp>
+      <p:sp>
+        <p:nvSpPr>
+          <p:cNvPr id="23" name="Abgerundetes Rechteck 22"/>
+          <p:cNvSpPr/>
+          <p:nvPr/>
+        </p:nvSpPr>
+        <p:spPr>
+          <a:xfrm>
+            <a:off x="5372232" y="2009836"/>
+            <a:ext cx="134632" cy="107517"/>
+          </a:xfrm>
+          <a:prstGeom prst="roundRect">
+            <a:avLst/>
+          </a:prstGeom>
+          <a:solidFill>
+            <a:srgbClr val="494949"/>
+          </a:solidFill>
+          <a:ln>
+            <a:solidFill>
+              <a:srgbClr val="FF3B3B"/>
+            </a:solidFill>
+          </a:ln>
+        </p:spPr>
+        <p:style>
+          <a:lnRef idx="2">
+            <a:schemeClr val="accent1">
+              <a:shade val="50000"/>
+            </a:schemeClr>
+          </a:lnRef>
+          <a:fillRef idx="1">
+            <a:schemeClr val="accent1"/>
+          </a:fillRef>
+          <a:effectRef idx="0">
+            <a:schemeClr val="accent1"/>
+          </a:effectRef>
+          <a:fontRef idx="minor">
+            <a:schemeClr val="lt1"/>
+          </a:fontRef>
+        </p:style>
+        <p:txBody>
+          <a:bodyPr rtlCol="0" anchor="ctr"/>
+          <a:lstStyle/>
+          <a:p>
+            <a:pPr algn="ctr"/>
+            <a:endParaRPr lang="de-DE"/>
+          </a:p>
+        </p:txBody>
+      </p:sp>
+      <p:sp>
+        <p:nvSpPr>
+          <p:cNvPr id="158" name="Gleichschenkliges Dreieck 157"/>
+          <p:cNvSpPr/>
+          <p:nvPr/>
+        </p:nvSpPr>
+        <p:spPr>
+          <a:xfrm flipV="1">
+            <a:off x="5090383" y="2022321"/>
+            <a:ext cx="198989" cy="305934"/>
+          </a:xfrm>
+          <a:prstGeom prst="triangle">
+            <a:avLst/>
+          </a:prstGeom>
+          <a:solidFill>
+            <a:srgbClr val="494949"/>
+          </a:solidFill>
+          <a:ln>
+            <a:solidFill>
+              <a:srgbClr val="FF3B3B"/>
+            </a:solidFill>
+          </a:ln>
+        </p:spPr>
+        <p:style>
+          <a:lnRef idx="2">
+            <a:schemeClr val="accent1">
+              <a:shade val="50000"/>
+            </a:schemeClr>
+          </a:lnRef>
+          <a:fillRef idx="1">
+            <a:schemeClr val="accent1"/>
+          </a:fillRef>
+          <a:effectRef idx="0">
+            <a:schemeClr val="accent1"/>
+          </a:effectRef>
+          <a:fontRef idx="minor">
+            <a:schemeClr val="lt1"/>
+          </a:fontRef>
+        </p:style>
+        <p:txBody>
+          <a:bodyPr rtlCol="0" anchor="ctr"/>
+          <a:lstStyle/>
+          <a:p>
+            <a:pPr algn="ctr"/>
+            <a:endParaRPr lang="de-DE"/>
+          </a:p>
+        </p:txBody>
+      </p:sp>
+      <p:sp>
+        <p:nvSpPr>
+          <p:cNvPr id="159" name="Gleichschenkliges Dreieck 158"/>
+          <p:cNvSpPr/>
+          <p:nvPr/>
+        </p:nvSpPr>
+        <p:spPr>
+          <a:xfrm flipV="1">
+            <a:off x="5593811" y="2029117"/>
+            <a:ext cx="198989" cy="305934"/>
+          </a:xfrm>
+          <a:prstGeom prst="triangle">
+            <a:avLst/>
+          </a:prstGeom>
+          <a:solidFill>
+            <a:srgbClr val="494949"/>
+          </a:solidFill>
+          <a:ln>
+            <a:solidFill>
+              <a:srgbClr val="FF3B3B"/>
+            </a:solidFill>
+          </a:ln>
+        </p:spPr>
+        <p:style>
+          <a:lnRef idx="2">
+            <a:schemeClr val="accent1">
+              <a:shade val="50000"/>
+            </a:schemeClr>
+          </a:lnRef>
+          <a:fillRef idx="1">
+            <a:schemeClr val="accent1"/>
+          </a:fillRef>
+          <a:effectRef idx="0">
+            <a:schemeClr val="accent1"/>
+          </a:effectRef>
+          <a:fontRef idx="minor">
+            <a:schemeClr val="lt1"/>
+          </a:fontRef>
+        </p:style>
+        <p:txBody>
+          <a:bodyPr rtlCol="0" anchor="ctr"/>
+          <a:lstStyle/>
+          <a:p>
+            <a:pPr algn="ctr"/>
+            <a:endParaRPr lang="de-DE"/>
+          </a:p>
+        </p:txBody>
+      </p:sp>
+      <p:sp>
+        <p:nvSpPr>
+          <p:cNvPr id="26" name="Rechteck 25"/>
+          <p:cNvSpPr/>
+          <p:nvPr/>
+        </p:nvSpPr>
+        <p:spPr>
+          <a:xfrm>
+            <a:off x="5362848" y="1841847"/>
+            <a:ext cx="155262" cy="98527"/>
+          </a:xfrm>
+          <a:prstGeom prst="rect">
+            <a:avLst/>
+          </a:prstGeom>
+          <a:solidFill>
             <a:srgbClr val="9A0000"/>
           </a:solidFill>
           <a:ln>
             <a:solidFill>
-              <a:srgbClr val="580000"/>
-            </a:solidFill>
-          </a:ln>
-        </p:spPr>
-        <p:style>
-          <a:lnRef idx="2">
-            <a:schemeClr val="accent1">
-              <a:shade val="50000"/>
-            </a:schemeClr>
-          </a:lnRef>
-          <a:fillRef idx="1">
-            <a:schemeClr val="accent1"/>
-          </a:fillRef>
-          <a:effectRef idx="0">
-            <a:schemeClr val="accent1"/>
-          </a:effectRef>
-          <a:fontRef idx="minor">
-            <a:schemeClr val="lt1"/>
-          </a:fontRef>
-        </p:style>
-        <p:txBody>
-          <a:bodyPr rtlCol="0" anchor="ctr"/>
-          <a:lstStyle/>
-          <a:p>
-            <a:pPr algn="ctr"/>
-            <a:endParaRPr lang="de-DE"/>
-          </a:p>
-        </p:txBody>
-      </p:sp>
-      <p:sp>
-        <p:nvSpPr>
-          <p:cNvPr id="156" name="Gleichschenkliges Dreieck 155"/>
-          <p:cNvSpPr/>
-          <p:nvPr/>
-        </p:nvSpPr>
-        <p:spPr>
-          <a:xfrm flipV="1">
-            <a:off x="6319657" y="1197953"/>
-            <a:ext cx="364711" cy="504408"/>
-          </a:xfrm>
-          <a:prstGeom prst="triangle">
-            <a:avLst/>
-          </a:prstGeom>
-          <a:solidFill>
-            <a:srgbClr val="494949"/>
-          </a:solidFill>
-          <a:ln>
-            <a:solidFill>
-              <a:srgbClr val="580000"/>
-            </a:solidFill>
-          </a:ln>
-        </p:spPr>
-        <p:style>
-          <a:lnRef idx="2">
-            <a:schemeClr val="accent1">
-              <a:shade val="50000"/>
-            </a:schemeClr>
-          </a:lnRef>
-          <a:fillRef idx="1">
-            <a:schemeClr val="accent1"/>
-          </a:fillRef>
-          <a:effectRef idx="0">
-            <a:schemeClr val="accent1"/>
-          </a:effectRef>
-          <a:fontRef idx="minor">
-            <a:schemeClr val="lt1"/>
-          </a:fontRef>
-        </p:style>
-        <p:txBody>
-          <a:bodyPr rtlCol="0" anchor="ctr"/>
-          <a:lstStyle/>
-          <a:p>
-            <a:pPr algn="ctr"/>
-            <a:endParaRPr lang="de-DE"/>
-          </a:p>
-        </p:txBody>
-      </p:sp>
-      <p:sp>
-        <p:nvSpPr>
-          <p:cNvPr id="23" name="Abgerundetes Rechteck 22"/>
-          <p:cNvSpPr/>
-          <p:nvPr/>
-        </p:nvSpPr>
-        <p:spPr>
-          <a:xfrm>
-            <a:off x="6442346" y="932693"/>
-            <a:ext cx="134632" cy="107517"/>
-          </a:xfrm>
-          <a:prstGeom prst="roundRect">
-            <a:avLst/>
-          </a:prstGeom>
-          <a:solidFill>
-            <a:srgbClr val="494949"/>
-          </a:solidFill>
-          <a:ln>
-            <a:solidFill>
-              <a:srgbClr val="580000"/>
-            </a:solidFill>
-          </a:ln>
-        </p:spPr>
-        <p:style>
-          <a:lnRef idx="2">
-            <a:schemeClr val="accent1">
-              <a:shade val="50000"/>
-            </a:schemeClr>
-          </a:lnRef>
-          <a:fillRef idx="1">
-            <a:schemeClr val="accent1"/>
-          </a:fillRef>
-          <a:effectRef idx="0">
-            <a:schemeClr val="accent1"/>
-          </a:effectRef>
-          <a:fontRef idx="minor">
-            <a:schemeClr val="lt1"/>
-          </a:fontRef>
-        </p:style>
-        <p:txBody>
-          <a:bodyPr rtlCol="0" anchor="ctr"/>
-          <a:lstStyle/>
-          <a:p>
-            <a:pPr algn="ctr"/>
-            <a:endParaRPr lang="de-DE"/>
-          </a:p>
-        </p:txBody>
-      </p:sp>
-      <p:sp>
-        <p:nvSpPr>
-          <p:cNvPr id="158" name="Gleichschenkliges Dreieck 157"/>
-          <p:cNvSpPr/>
-          <p:nvPr/>
-        </p:nvSpPr>
-        <p:spPr>
-          <a:xfrm flipV="1">
-            <a:off x="6160497" y="945178"/>
-            <a:ext cx="198989" cy="305934"/>
-          </a:xfrm>
-          <a:prstGeom prst="triangle">
-            <a:avLst/>
-          </a:prstGeom>
-          <a:solidFill>
-            <a:srgbClr val="494949"/>
-          </a:solidFill>
-          <a:ln>
-            <a:solidFill>
-              <a:srgbClr val="580000"/>
-            </a:solidFill>
-          </a:ln>
-        </p:spPr>
-        <p:style>
-          <a:lnRef idx="2">
-            <a:schemeClr val="accent1">
-              <a:shade val="50000"/>
-            </a:schemeClr>
-          </a:lnRef>
-          <a:fillRef idx="1">
-            <a:schemeClr val="accent1"/>
-          </a:fillRef>
-          <a:effectRef idx="0">
-            <a:schemeClr val="accent1"/>
-          </a:effectRef>
-          <a:fontRef idx="minor">
-            <a:schemeClr val="lt1"/>
-          </a:fontRef>
-        </p:style>
-        <p:txBody>
-          <a:bodyPr rtlCol="0" anchor="ctr"/>
-          <a:lstStyle/>
-          <a:p>
-            <a:pPr algn="ctr"/>
-            <a:endParaRPr lang="de-DE"/>
-          </a:p>
-        </p:txBody>
-      </p:sp>
-      <p:sp>
-        <p:nvSpPr>
-          <p:cNvPr id="159" name="Gleichschenkliges Dreieck 158"/>
-          <p:cNvSpPr/>
-          <p:nvPr/>
-        </p:nvSpPr>
-        <p:spPr>
-          <a:xfrm flipV="1">
-            <a:off x="6663925" y="951974"/>
-            <a:ext cx="198989" cy="305934"/>
-          </a:xfrm>
-          <a:prstGeom prst="triangle">
-            <a:avLst/>
-          </a:prstGeom>
-          <a:solidFill>
-            <a:srgbClr val="494949"/>
-          </a:solidFill>
-          <a:ln>
-            <a:solidFill>
-              <a:srgbClr val="580000"/>
-            </a:solidFill>
-          </a:ln>
-        </p:spPr>
-        <p:style>
-          <a:lnRef idx="2">
-            <a:schemeClr val="accent1">
-              <a:shade val="50000"/>
-            </a:schemeClr>
-          </a:lnRef>
-          <a:fillRef idx="1">
-            <a:schemeClr val="accent1"/>
-          </a:fillRef>
-          <a:effectRef idx="0">
-            <a:schemeClr val="accent1"/>
-          </a:effectRef>
-          <a:fontRef idx="minor">
-            <a:schemeClr val="lt1"/>
-          </a:fontRef>
-        </p:style>
-        <p:txBody>
-          <a:bodyPr rtlCol="0" anchor="ctr"/>
-          <a:lstStyle/>
-          <a:p>
-            <a:pPr algn="ctr"/>
-            <a:endParaRPr lang="de-DE"/>
-          </a:p>
-        </p:txBody>
-      </p:sp>
-      <p:sp>
-        <p:nvSpPr>
-          <p:cNvPr id="26" name="Rechteck 25"/>
-          <p:cNvSpPr/>
-          <p:nvPr/>
-        </p:nvSpPr>
-        <p:spPr>
-          <a:xfrm>
-            <a:off x="6432962" y="764704"/>
-            <a:ext cx="155262" cy="98527"/>
-          </a:xfrm>
-          <a:prstGeom prst="rect">
-            <a:avLst/>
-          </a:prstGeom>
-          <a:solidFill>
-            <a:srgbClr val="9A0000"/>
-          </a:solidFill>
-          <a:ln>
-            <a:solidFill>
-              <a:schemeClr val="tx1">
-                <a:lumMod val="85000"/>
-                <a:lumOff val="15000"/>
-              </a:schemeClr>
+              <a:srgbClr val="FF3B3B"/>
             </a:solidFill>
           </a:ln>
         </p:spPr>
@@ -11066,7 +11019,7 @@
         </p:nvCxnSpPr>
         <p:spPr>
           <a:xfrm>
-            <a:off x="6444208" y="779497"/>
+            <a:off x="5374094" y="1856640"/>
             <a:ext cx="0" cy="68939"/>
           </a:xfrm>
           <a:prstGeom prst="line">
@@ -11074,10 +11027,7 @@
           </a:prstGeom>
           <a:ln>
             <a:solidFill>
-              <a:schemeClr val="tx1">
-                <a:lumMod val="85000"/>
-                <a:lumOff val="15000"/>
-              </a:schemeClr>
+              <a:srgbClr val="FF3B3B"/>
             </a:solidFill>
           </a:ln>
         </p:spPr>
@@ -11104,7 +11054,7 @@
         </p:nvCxnSpPr>
         <p:spPr>
           <a:xfrm>
-            <a:off x="6510593" y="779496"/>
+            <a:off x="5440479" y="1856639"/>
             <a:ext cx="0" cy="68939"/>
           </a:xfrm>
           <a:prstGeom prst="line">
@@ -11112,10 +11062,7 @@
           </a:prstGeom>
           <a:ln>
             <a:solidFill>
-              <a:schemeClr val="tx1">
-                <a:lumMod val="85000"/>
-                <a:lumOff val="15000"/>
-              </a:schemeClr>
+              <a:srgbClr val="FF3B3B"/>
             </a:solidFill>
           </a:ln>
         </p:spPr>
@@ -11142,7 +11089,7 @@
         </p:nvCxnSpPr>
         <p:spPr>
           <a:xfrm>
-            <a:off x="6502013" y="1785960"/>
+            <a:off x="5435338" y="2856005"/>
             <a:ext cx="0" cy="68939"/>
           </a:xfrm>
           <a:prstGeom prst="line">
@@ -11150,7 +11097,7 @@
           </a:prstGeom>
           <a:ln>
             <a:solidFill>
-              <a:srgbClr val="580000"/>
+              <a:srgbClr val="FF3B3B"/>
             </a:solidFill>
           </a:ln>
         </p:spPr>
@@ -13052,54 +12999,6 @@
       </p:cxnSp>
       <p:sp>
         <p:nvSpPr>
-          <p:cNvPr id="4" name="Ellipse 3"/>
-          <p:cNvSpPr/>
-          <p:nvPr/>
-        </p:nvSpPr>
-        <p:spPr>
-          <a:xfrm>
-            <a:off x="4984982" y="3108529"/>
-            <a:ext cx="360815" cy="366285"/>
-          </a:xfrm>
-          <a:prstGeom prst="ellipse">
-            <a:avLst/>
-          </a:prstGeom>
-          <a:solidFill>
-            <a:srgbClr val="92D050"/>
-          </a:solidFill>
-          <a:ln>
-            <a:solidFill>
-              <a:srgbClr val="00B050"/>
-            </a:solidFill>
-          </a:ln>
-        </p:spPr>
-        <p:style>
-          <a:lnRef idx="2">
-            <a:schemeClr val="accent1">
-              <a:shade val="50000"/>
-            </a:schemeClr>
-          </a:lnRef>
-          <a:fillRef idx="1">
-            <a:schemeClr val="accent1"/>
-          </a:fillRef>
-          <a:effectRef idx="0">
-            <a:schemeClr val="accent1"/>
-          </a:effectRef>
-          <a:fontRef idx="minor">
-            <a:schemeClr val="lt1"/>
-          </a:fontRef>
-        </p:style>
-        <p:txBody>
-          <a:bodyPr rtlCol="0" anchor="ctr"/>
-          <a:lstStyle/>
-          <a:p>
-            <a:pPr algn="ctr"/>
-            <a:endParaRPr lang="de-DE"/>
-          </a:p>
-        </p:txBody>
-      </p:sp>
-      <p:sp>
-        <p:nvSpPr>
           <p:cNvPr id="27" name="Ellipse 26"/>
           <p:cNvSpPr/>
           <p:nvPr/>
@@ -13701,73 +13600,2094 @@
           </a:p>
         </p:txBody>
       </p:sp>
-      <p:sp>
-        <p:nvSpPr>
-          <p:cNvPr id="259" name="Ellipse 258"/>
-          <p:cNvSpPr/>
-          <p:nvPr/>
-        </p:nvSpPr>
-        <p:spPr>
-          <a:xfrm>
-            <a:off x="3782550" y="2845856"/>
-            <a:ext cx="571884" cy="582011"/>
+      <p:cxnSp>
+        <p:nvCxnSpPr>
+          <p:cNvPr id="269" name="Gerade Verbindung 268"/>
+          <p:cNvCxnSpPr/>
+          <p:nvPr/>
+        </p:nvCxnSpPr>
+        <p:spPr>
+          <a:xfrm>
+            <a:off x="6498204" y="3179235"/>
+            <a:ext cx="0" cy="68939"/>
+          </a:xfrm>
+          <a:prstGeom prst="line">
+            <a:avLst/>
+          </a:prstGeom>
+          <a:ln>
+            <a:solidFill>
+              <a:srgbClr val="580000"/>
+            </a:solidFill>
+          </a:ln>
+          <a:effectLst>
+            <a:glow rad="177800">
+              <a:schemeClr val="accent1">
+                <a:alpha val="20000"/>
+              </a:schemeClr>
+            </a:glow>
+            <a:softEdge rad="25400"/>
+          </a:effectLst>
+        </p:spPr>
+        <p:style>
+          <a:lnRef idx="1">
+            <a:schemeClr val="accent1"/>
+          </a:lnRef>
+          <a:fillRef idx="0">
+            <a:schemeClr val="accent1"/>
+          </a:fillRef>
+          <a:effectRef idx="0">
+            <a:schemeClr val="accent1"/>
+          </a:effectRef>
+          <a:fontRef idx="minor">
+            <a:schemeClr val="tx1"/>
+          </a:fontRef>
+        </p:style>
+      </p:cxnSp>
+      <p:sp>
+        <p:nvSpPr>
+          <p:cNvPr id="270" name="Gleichschenkliges Dreieck 269"/>
+          <p:cNvSpPr/>
+          <p:nvPr/>
+        </p:nvSpPr>
+        <p:spPr>
+          <a:xfrm flipV="1">
+            <a:off x="6198189" y="2297731"/>
+            <a:ext cx="721802" cy="922729"/>
+          </a:xfrm>
+          <a:prstGeom prst="triangle">
+            <a:avLst/>
+          </a:prstGeom>
+          <a:solidFill>
+            <a:schemeClr val="accent3">
+              <a:lumMod val="50000"/>
+            </a:schemeClr>
+          </a:solidFill>
+          <a:ln>
+            <a:solidFill>
+              <a:schemeClr val="tx1">
+                <a:lumMod val="65000"/>
+                <a:lumOff val="35000"/>
+              </a:schemeClr>
+            </a:solidFill>
+          </a:ln>
+        </p:spPr>
+        <p:style>
+          <a:lnRef idx="2">
+            <a:schemeClr val="accent1">
+              <a:shade val="50000"/>
+            </a:schemeClr>
+          </a:lnRef>
+          <a:fillRef idx="1">
+            <a:schemeClr val="accent1"/>
+          </a:fillRef>
+          <a:effectRef idx="0">
+            <a:schemeClr val="accent1"/>
+          </a:effectRef>
+          <a:fontRef idx="minor">
+            <a:schemeClr val="lt1"/>
+          </a:fontRef>
+        </p:style>
+        <p:txBody>
+          <a:bodyPr rtlCol="0" anchor="ctr"/>
+          <a:lstStyle/>
+          <a:p>
+            <a:pPr algn="ctr"/>
+            <a:endParaRPr lang="de-DE"/>
+          </a:p>
+        </p:txBody>
+      </p:sp>
+      <p:sp>
+        <p:nvSpPr>
+          <p:cNvPr id="271" name="Gleichschenkliges Dreieck 270"/>
+          <p:cNvSpPr/>
+          <p:nvPr/>
+        </p:nvSpPr>
+        <p:spPr>
+          <a:xfrm flipV="1">
+            <a:off x="6134712" y="2297731"/>
+            <a:ext cx="364711" cy="504408"/>
+          </a:xfrm>
+          <a:prstGeom prst="triangle">
+            <a:avLst/>
+          </a:prstGeom>
+          <a:solidFill>
+            <a:schemeClr val="accent3">
+              <a:lumMod val="50000"/>
+            </a:schemeClr>
+          </a:solidFill>
+          <a:ln>
+            <a:solidFill>
+              <a:schemeClr val="tx1">
+                <a:lumMod val="65000"/>
+                <a:lumOff val="35000"/>
+              </a:schemeClr>
+            </a:solidFill>
+          </a:ln>
+        </p:spPr>
+        <p:style>
+          <a:lnRef idx="2">
+            <a:schemeClr val="accent1">
+              <a:shade val="50000"/>
+            </a:schemeClr>
+          </a:lnRef>
+          <a:fillRef idx="1">
+            <a:schemeClr val="accent1"/>
+          </a:fillRef>
+          <a:effectRef idx="0">
+            <a:schemeClr val="accent1"/>
+          </a:effectRef>
+          <a:fontRef idx="minor">
+            <a:schemeClr val="lt1"/>
+          </a:fontRef>
+        </p:style>
+        <p:txBody>
+          <a:bodyPr rtlCol="0" anchor="ctr"/>
+          <a:lstStyle/>
+          <a:p>
+            <a:pPr algn="ctr"/>
+            <a:endParaRPr lang="de-DE"/>
+          </a:p>
+        </p:txBody>
+      </p:sp>
+      <p:sp>
+        <p:nvSpPr>
+          <p:cNvPr id="272" name="Gleichschenkliges Dreieck 271"/>
+          <p:cNvSpPr/>
+          <p:nvPr/>
+        </p:nvSpPr>
+        <p:spPr>
+          <a:xfrm flipV="1">
+            <a:off x="6634055" y="2297731"/>
+            <a:ext cx="371285" cy="504408"/>
+          </a:xfrm>
+          <a:prstGeom prst="triangle">
+            <a:avLst/>
+          </a:prstGeom>
+          <a:solidFill>
+            <a:schemeClr val="accent3">
+              <a:lumMod val="50000"/>
+            </a:schemeClr>
+          </a:solidFill>
+          <a:ln>
+            <a:solidFill>
+              <a:schemeClr val="tx1">
+                <a:lumMod val="65000"/>
+                <a:lumOff val="35000"/>
+              </a:schemeClr>
+            </a:solidFill>
+          </a:ln>
+        </p:spPr>
+        <p:style>
+          <a:lnRef idx="2">
+            <a:schemeClr val="accent1">
+              <a:shade val="50000"/>
+            </a:schemeClr>
+          </a:lnRef>
+          <a:fillRef idx="1">
+            <a:schemeClr val="accent1"/>
+          </a:fillRef>
+          <a:effectRef idx="0">
+            <a:schemeClr val="accent1"/>
+          </a:effectRef>
+          <a:fontRef idx="minor">
+            <a:schemeClr val="lt1"/>
+          </a:fontRef>
+        </p:style>
+        <p:txBody>
+          <a:bodyPr rtlCol="0" anchor="ctr"/>
+          <a:lstStyle/>
+          <a:p>
+            <a:pPr algn="ctr"/>
+            <a:endParaRPr lang="de-DE"/>
+          </a:p>
+        </p:txBody>
+      </p:sp>
+      <p:sp>
+        <p:nvSpPr>
+          <p:cNvPr id="273" name="Gleichschenkliges Dreieck 272"/>
+          <p:cNvSpPr/>
+          <p:nvPr/>
+        </p:nvSpPr>
+        <p:spPr>
+          <a:xfrm flipV="1">
+            <a:off x="6376734" y="2632453"/>
+            <a:ext cx="364711" cy="504408"/>
+          </a:xfrm>
+          <a:prstGeom prst="triangle">
+            <a:avLst/>
+          </a:prstGeom>
+          <a:solidFill>
+            <a:srgbClr val="494949"/>
+          </a:solidFill>
+          <a:ln>
+            <a:solidFill>
+              <a:schemeClr val="tx1">
+                <a:lumMod val="65000"/>
+                <a:lumOff val="35000"/>
+              </a:schemeClr>
+            </a:solidFill>
+          </a:ln>
+        </p:spPr>
+        <p:style>
+          <a:lnRef idx="2">
+            <a:schemeClr val="accent1">
+              <a:shade val="50000"/>
+            </a:schemeClr>
+          </a:lnRef>
+          <a:fillRef idx="1">
+            <a:schemeClr val="accent1"/>
+          </a:fillRef>
+          <a:effectRef idx="0">
+            <a:schemeClr val="accent1"/>
+          </a:effectRef>
+          <a:fontRef idx="minor">
+            <a:schemeClr val="lt1"/>
+          </a:fontRef>
+        </p:style>
+        <p:txBody>
+          <a:bodyPr rtlCol="0" anchor="ctr"/>
+          <a:lstStyle/>
+          <a:p>
+            <a:pPr algn="ctr"/>
+            <a:endParaRPr lang="de-DE"/>
+          </a:p>
+        </p:txBody>
+      </p:sp>
+      <p:sp>
+        <p:nvSpPr>
+          <p:cNvPr id="274" name="Abgerundetes Rechteck 273"/>
+          <p:cNvSpPr/>
+          <p:nvPr/>
+        </p:nvSpPr>
+        <p:spPr>
+          <a:xfrm>
+            <a:off x="6499423" y="2367193"/>
+            <a:ext cx="134632" cy="107517"/>
+          </a:xfrm>
+          <a:prstGeom prst="roundRect">
+            <a:avLst/>
+          </a:prstGeom>
+          <a:solidFill>
+            <a:schemeClr val="accent3">
+              <a:lumMod val="60000"/>
+              <a:lumOff val="40000"/>
+            </a:schemeClr>
+          </a:solidFill>
+          <a:ln>
+            <a:solidFill>
+              <a:schemeClr val="tx1">
+                <a:lumMod val="65000"/>
+                <a:lumOff val="35000"/>
+              </a:schemeClr>
+            </a:solidFill>
+          </a:ln>
+        </p:spPr>
+        <p:style>
+          <a:lnRef idx="2">
+            <a:schemeClr val="accent1">
+              <a:shade val="50000"/>
+            </a:schemeClr>
+          </a:lnRef>
+          <a:fillRef idx="1">
+            <a:schemeClr val="accent1"/>
+          </a:fillRef>
+          <a:effectRef idx="0">
+            <a:schemeClr val="accent1"/>
+          </a:effectRef>
+          <a:fontRef idx="minor">
+            <a:schemeClr val="lt1"/>
+          </a:fontRef>
+        </p:style>
+        <p:txBody>
+          <a:bodyPr rtlCol="0" anchor="ctr"/>
+          <a:lstStyle/>
+          <a:p>
+            <a:pPr algn="ctr"/>
+            <a:endParaRPr lang="de-DE"/>
+          </a:p>
+        </p:txBody>
+      </p:sp>
+      <p:sp>
+        <p:nvSpPr>
+          <p:cNvPr id="275" name="Gleichschenkliges Dreieck 274"/>
+          <p:cNvSpPr/>
+          <p:nvPr/>
+        </p:nvSpPr>
+        <p:spPr>
+          <a:xfrm flipV="1">
+            <a:off x="6217574" y="2379678"/>
+            <a:ext cx="198989" cy="305934"/>
+          </a:xfrm>
+          <a:prstGeom prst="triangle">
+            <a:avLst/>
+          </a:prstGeom>
+          <a:solidFill>
+            <a:schemeClr val="accent3">
+              <a:lumMod val="60000"/>
+              <a:lumOff val="40000"/>
+            </a:schemeClr>
+          </a:solidFill>
+          <a:ln>
+            <a:solidFill>
+              <a:schemeClr val="tx1">
+                <a:lumMod val="65000"/>
+                <a:lumOff val="35000"/>
+              </a:schemeClr>
+            </a:solidFill>
+          </a:ln>
+        </p:spPr>
+        <p:style>
+          <a:lnRef idx="2">
+            <a:schemeClr val="accent1">
+              <a:shade val="50000"/>
+            </a:schemeClr>
+          </a:lnRef>
+          <a:fillRef idx="1">
+            <a:schemeClr val="accent1"/>
+          </a:fillRef>
+          <a:effectRef idx="0">
+            <a:schemeClr val="accent1"/>
+          </a:effectRef>
+          <a:fontRef idx="minor">
+            <a:schemeClr val="lt1"/>
+          </a:fontRef>
+        </p:style>
+        <p:txBody>
+          <a:bodyPr rtlCol="0" anchor="ctr"/>
+          <a:lstStyle/>
+          <a:p>
+            <a:pPr algn="ctr"/>
+            <a:endParaRPr lang="de-DE"/>
+          </a:p>
+        </p:txBody>
+      </p:sp>
+      <p:sp>
+        <p:nvSpPr>
+          <p:cNvPr id="276" name="Gleichschenkliges Dreieck 275"/>
+          <p:cNvSpPr/>
+          <p:nvPr/>
+        </p:nvSpPr>
+        <p:spPr>
+          <a:xfrm flipV="1">
+            <a:off x="6721002" y="2386474"/>
+            <a:ext cx="198989" cy="305934"/>
+          </a:xfrm>
+          <a:prstGeom prst="triangle">
+            <a:avLst/>
+          </a:prstGeom>
+          <a:solidFill>
+            <a:schemeClr val="accent3">
+              <a:lumMod val="60000"/>
+              <a:lumOff val="40000"/>
+            </a:schemeClr>
+          </a:solidFill>
+          <a:ln>
+            <a:solidFill>
+              <a:schemeClr val="tx1">
+                <a:lumMod val="65000"/>
+                <a:lumOff val="35000"/>
+              </a:schemeClr>
+            </a:solidFill>
+          </a:ln>
+        </p:spPr>
+        <p:style>
+          <a:lnRef idx="2">
+            <a:schemeClr val="accent1">
+              <a:shade val="50000"/>
+            </a:schemeClr>
+          </a:lnRef>
+          <a:fillRef idx="1">
+            <a:schemeClr val="accent1"/>
+          </a:fillRef>
+          <a:effectRef idx="0">
+            <a:schemeClr val="accent1"/>
+          </a:effectRef>
+          <a:fontRef idx="minor">
+            <a:schemeClr val="lt1"/>
+          </a:fontRef>
+        </p:style>
+        <p:txBody>
+          <a:bodyPr rtlCol="0" anchor="ctr"/>
+          <a:lstStyle/>
+          <a:p>
+            <a:pPr algn="ctr"/>
+            <a:endParaRPr lang="de-DE"/>
+          </a:p>
+        </p:txBody>
+      </p:sp>
+      <p:sp>
+        <p:nvSpPr>
+          <p:cNvPr id="277" name="Rechteck 276"/>
+          <p:cNvSpPr/>
+          <p:nvPr/>
+        </p:nvSpPr>
+        <p:spPr>
+          <a:xfrm>
+            <a:off x="6490039" y="2199204"/>
+            <a:ext cx="155262" cy="98527"/>
+          </a:xfrm>
+          <a:prstGeom prst="rect">
+            <a:avLst/>
+          </a:prstGeom>
+          <a:solidFill>
+            <a:schemeClr val="accent3">
+              <a:lumMod val="50000"/>
+            </a:schemeClr>
+          </a:solidFill>
+          <a:ln>
+            <a:solidFill>
+              <a:schemeClr val="tx1">
+                <a:lumMod val="65000"/>
+                <a:lumOff val="35000"/>
+              </a:schemeClr>
+            </a:solidFill>
+          </a:ln>
+        </p:spPr>
+        <p:style>
+          <a:lnRef idx="2">
+            <a:schemeClr val="accent1">
+              <a:shade val="50000"/>
+            </a:schemeClr>
+          </a:lnRef>
+          <a:fillRef idx="1">
+            <a:schemeClr val="accent1"/>
+          </a:fillRef>
+          <a:effectRef idx="0">
+            <a:schemeClr val="accent1"/>
+          </a:effectRef>
+          <a:fontRef idx="minor">
+            <a:schemeClr val="lt1"/>
+          </a:fontRef>
+        </p:style>
+        <p:txBody>
+          <a:bodyPr rtlCol="0" anchor="ctr"/>
+          <a:lstStyle/>
+          <a:p>
+            <a:pPr algn="ctr"/>
+            <a:endParaRPr lang="de-DE"/>
+          </a:p>
+        </p:txBody>
+      </p:sp>
+      <p:cxnSp>
+        <p:nvCxnSpPr>
+          <p:cNvPr id="278" name="Gerade Verbindung 277"/>
+          <p:cNvCxnSpPr/>
+          <p:nvPr/>
+        </p:nvCxnSpPr>
+        <p:spPr>
+          <a:xfrm>
+            <a:off x="6501285" y="2213997"/>
+            <a:ext cx="0" cy="68939"/>
+          </a:xfrm>
+          <a:prstGeom prst="line">
+            <a:avLst/>
+          </a:prstGeom>
+          <a:ln>
+            <a:solidFill>
+              <a:schemeClr val="tx1">
+                <a:lumMod val="65000"/>
+                <a:lumOff val="35000"/>
+              </a:schemeClr>
+            </a:solidFill>
+          </a:ln>
+        </p:spPr>
+        <p:style>
+          <a:lnRef idx="1">
+            <a:schemeClr val="accent1"/>
+          </a:lnRef>
+          <a:fillRef idx="0">
+            <a:schemeClr val="accent1"/>
+          </a:fillRef>
+          <a:effectRef idx="0">
+            <a:schemeClr val="accent1"/>
+          </a:effectRef>
+          <a:fontRef idx="minor">
+            <a:schemeClr val="tx1"/>
+          </a:fontRef>
+        </p:style>
+      </p:cxnSp>
+      <p:cxnSp>
+        <p:nvCxnSpPr>
+          <p:cNvPr id="279" name="Gerade Verbindung 278"/>
+          <p:cNvCxnSpPr/>
+          <p:nvPr/>
+        </p:nvCxnSpPr>
+        <p:spPr>
+          <a:xfrm>
+            <a:off x="6567670" y="2213996"/>
+            <a:ext cx="0" cy="68939"/>
+          </a:xfrm>
+          <a:prstGeom prst="line">
+            <a:avLst/>
+          </a:prstGeom>
+          <a:ln>
+            <a:solidFill>
+              <a:schemeClr val="tx1">
+                <a:lumMod val="65000"/>
+                <a:lumOff val="35000"/>
+              </a:schemeClr>
+            </a:solidFill>
+          </a:ln>
+        </p:spPr>
+        <p:style>
+          <a:lnRef idx="1">
+            <a:schemeClr val="accent1"/>
+          </a:lnRef>
+          <a:fillRef idx="0">
+            <a:schemeClr val="accent1"/>
+          </a:fillRef>
+          <a:effectRef idx="0">
+            <a:schemeClr val="accent1"/>
+          </a:effectRef>
+          <a:fontRef idx="minor">
+            <a:schemeClr val="tx1"/>
+          </a:fontRef>
+        </p:style>
+      </p:cxnSp>
+      <p:cxnSp>
+        <p:nvCxnSpPr>
+          <p:cNvPr id="280" name="Gerade Verbindung 279"/>
+          <p:cNvCxnSpPr/>
+          <p:nvPr/>
+        </p:nvCxnSpPr>
+        <p:spPr>
+          <a:xfrm>
+            <a:off x="6559090" y="3220460"/>
+            <a:ext cx="0" cy="68939"/>
+          </a:xfrm>
+          <a:prstGeom prst="line">
+            <a:avLst/>
+          </a:prstGeom>
+          <a:ln>
+            <a:solidFill>
+              <a:schemeClr val="tx1">
+                <a:lumMod val="65000"/>
+                <a:lumOff val="35000"/>
+              </a:schemeClr>
+            </a:solidFill>
+          </a:ln>
+        </p:spPr>
+        <p:style>
+          <a:lnRef idx="1">
+            <a:schemeClr val="accent1"/>
+          </a:lnRef>
+          <a:fillRef idx="0">
+            <a:schemeClr val="accent1"/>
+          </a:fillRef>
+          <a:effectRef idx="0">
+            <a:schemeClr val="accent1"/>
+          </a:effectRef>
+          <a:fontRef idx="minor">
+            <a:schemeClr val="tx1"/>
+          </a:fontRef>
+        </p:style>
+      </p:cxnSp>
+      <p:sp>
+        <p:nvSpPr>
+          <p:cNvPr id="281" name="Ellipse 280"/>
+          <p:cNvSpPr/>
+          <p:nvPr/>
+        </p:nvSpPr>
+        <p:spPr>
+          <a:xfrm>
+            <a:off x="2750163" y="1668019"/>
+            <a:ext cx="936104" cy="936104"/>
           </a:xfrm>
           <a:prstGeom prst="ellipse">
             <a:avLst/>
           </a:prstGeom>
-          <a:noFill/>
-          <a:ln>
-            <a:solidFill>
-              <a:srgbClr val="FF0000"/>
-            </a:solidFill>
-          </a:ln>
-        </p:spPr>
-        <p:style>
-          <a:lnRef idx="2">
-            <a:schemeClr val="accent1">
-              <a:shade val="50000"/>
-            </a:schemeClr>
-          </a:lnRef>
-          <a:fillRef idx="1">
-            <a:schemeClr val="accent1"/>
-          </a:fillRef>
-          <a:effectRef idx="0">
-            <a:schemeClr val="accent1"/>
-          </a:effectRef>
-          <a:fontRef idx="minor">
-            <a:schemeClr val="lt1"/>
-          </a:fontRef>
-        </p:style>
-        <p:txBody>
-          <a:bodyPr rtlCol="0" anchor="ctr"/>
-          <a:lstStyle/>
-          <a:p>
-            <a:pPr algn="ctr"/>
-            <a:endParaRPr lang="de-DE"/>
-          </a:p>
-        </p:txBody>
-      </p:sp>
-      <p:sp>
-        <p:nvSpPr>
-          <p:cNvPr id="260" name="Ellipse 259"/>
-          <p:cNvSpPr/>
-          <p:nvPr/>
-        </p:nvSpPr>
-        <p:spPr>
-          <a:xfrm>
-            <a:off x="3888085" y="2953720"/>
-            <a:ext cx="360815" cy="366285"/>
+          <a:solidFill>
+            <a:srgbClr val="580000"/>
+          </a:solidFill>
+          <a:ln>
+            <a:solidFill>
+              <a:srgbClr val="FF3B3B"/>
+            </a:solidFill>
+          </a:ln>
+        </p:spPr>
+        <p:style>
+          <a:lnRef idx="2">
+            <a:schemeClr val="accent1">
+              <a:shade val="50000"/>
+            </a:schemeClr>
+          </a:lnRef>
+          <a:fillRef idx="1">
+            <a:schemeClr val="accent1"/>
+          </a:fillRef>
+          <a:effectRef idx="0">
+            <a:schemeClr val="accent1"/>
+          </a:effectRef>
+          <a:fontRef idx="minor">
+            <a:schemeClr val="lt1"/>
+          </a:fontRef>
+        </p:style>
+        <p:txBody>
+          <a:bodyPr rtlCol="0" anchor="ctr"/>
+          <a:lstStyle/>
+          <a:p>
+            <a:pPr algn="ctr"/>
+            <a:endParaRPr lang="de-DE"/>
+          </a:p>
+        </p:txBody>
+      </p:sp>
+      <p:sp>
+        <p:nvSpPr>
+          <p:cNvPr id="282" name="Ellipse 281"/>
+          <p:cNvSpPr/>
+          <p:nvPr/>
+        </p:nvSpPr>
+        <p:spPr>
+          <a:xfrm>
+            <a:off x="2966187" y="1884043"/>
+            <a:ext cx="504056" cy="504056"/>
           </a:xfrm>
           <a:prstGeom prst="ellipse">
             <a:avLst/>
           </a:prstGeom>
           <a:solidFill>
-            <a:srgbClr val="7030A0"/>
-          </a:solidFill>
-          <a:ln>
-            <a:solidFill>
-              <a:srgbClr val="002060"/>
-            </a:solidFill>
+            <a:srgbClr val="580000"/>
+          </a:solidFill>
+          <a:ln>
+            <a:solidFill>
+              <a:srgbClr val="FF3B3B"/>
+            </a:solidFill>
+          </a:ln>
+        </p:spPr>
+        <p:style>
+          <a:lnRef idx="2">
+            <a:schemeClr val="accent1">
+              <a:shade val="50000"/>
+            </a:schemeClr>
+          </a:lnRef>
+          <a:fillRef idx="1">
+            <a:schemeClr val="accent1"/>
+          </a:fillRef>
+          <a:effectRef idx="0">
+            <a:schemeClr val="accent1"/>
+          </a:effectRef>
+          <a:fontRef idx="minor">
+            <a:schemeClr val="lt1"/>
+          </a:fontRef>
+        </p:style>
+        <p:txBody>
+          <a:bodyPr rtlCol="0" anchor="ctr"/>
+          <a:lstStyle/>
+          <a:p>
+            <a:pPr algn="ctr"/>
+            <a:endParaRPr lang="de-DE"/>
+          </a:p>
+        </p:txBody>
+      </p:sp>
+      <p:sp>
+        <p:nvSpPr>
+          <p:cNvPr id="283" name="Halber Rahmen 282"/>
+          <p:cNvSpPr/>
+          <p:nvPr/>
+        </p:nvSpPr>
+        <p:spPr>
+          <a:xfrm>
+            <a:off x="3074199" y="1992055"/>
+            <a:ext cx="216024" cy="252028"/>
+          </a:xfrm>
+          <a:prstGeom prst="halfFrame">
+            <a:avLst/>
+          </a:prstGeom>
+          <a:solidFill>
+            <a:srgbClr val="9A0000"/>
+          </a:solidFill>
+          <a:ln>
+            <a:solidFill>
+              <a:srgbClr val="FF3B3B"/>
+            </a:solidFill>
+          </a:ln>
+        </p:spPr>
+        <p:style>
+          <a:lnRef idx="2">
+            <a:schemeClr val="accent1">
+              <a:shade val="50000"/>
+            </a:schemeClr>
+          </a:lnRef>
+          <a:fillRef idx="1">
+            <a:schemeClr val="accent1"/>
+          </a:fillRef>
+          <a:effectRef idx="0">
+            <a:schemeClr val="accent1"/>
+          </a:effectRef>
+          <a:fontRef idx="minor">
+            <a:schemeClr val="lt1"/>
+          </a:fontRef>
+        </p:style>
+        <p:txBody>
+          <a:bodyPr rtlCol="0" anchor="ctr"/>
+          <a:lstStyle/>
+          <a:p>
+            <a:pPr algn="ctr"/>
+            <a:endParaRPr lang="de-DE">
+              <a:solidFill>
+                <a:schemeClr val="tx1"/>
+              </a:solidFill>
+            </a:endParaRPr>
+          </a:p>
+        </p:txBody>
+      </p:sp>
+      <p:sp>
+        <p:nvSpPr>
+          <p:cNvPr id="284" name="Eingekerbter Richtungspfeil 283"/>
+          <p:cNvSpPr/>
+          <p:nvPr/>
+        </p:nvSpPr>
+        <p:spPr>
+          <a:xfrm>
+            <a:off x="3512580" y="2060474"/>
+            <a:ext cx="144016" cy="144016"/>
+          </a:xfrm>
+          <a:prstGeom prst="chevron">
+            <a:avLst/>
+          </a:prstGeom>
+          <a:solidFill>
+            <a:srgbClr val="9A0000"/>
+          </a:solidFill>
+          <a:ln>
+            <a:solidFill>
+              <a:srgbClr val="FF3B3B"/>
+            </a:solidFill>
+          </a:ln>
+        </p:spPr>
+        <p:style>
+          <a:lnRef idx="2">
+            <a:schemeClr val="accent1">
+              <a:shade val="50000"/>
+            </a:schemeClr>
+          </a:lnRef>
+          <a:fillRef idx="1">
+            <a:schemeClr val="accent1"/>
+          </a:fillRef>
+          <a:effectRef idx="0">
+            <a:schemeClr val="accent1"/>
+          </a:effectRef>
+          <a:fontRef idx="minor">
+            <a:schemeClr val="lt1"/>
+          </a:fontRef>
+        </p:style>
+        <p:txBody>
+          <a:bodyPr rtlCol="0" anchor="ctr"/>
+          <a:lstStyle/>
+          <a:p>
+            <a:pPr algn="ctr"/>
+            <a:endParaRPr lang="de-DE">
+              <a:solidFill>
+                <a:schemeClr val="tx1"/>
+              </a:solidFill>
+            </a:endParaRPr>
+          </a:p>
+        </p:txBody>
+      </p:sp>
+      <p:sp>
+        <p:nvSpPr>
+          <p:cNvPr id="285" name="Gleichschenkliges Dreieck 284"/>
+          <p:cNvSpPr/>
+          <p:nvPr/>
+        </p:nvSpPr>
+        <p:spPr>
+          <a:xfrm flipV="1">
+            <a:off x="3074199" y="2460107"/>
+            <a:ext cx="288032" cy="301176"/>
+          </a:xfrm>
+          <a:prstGeom prst="triangle">
+            <a:avLst/>
+          </a:prstGeom>
+          <a:solidFill>
+            <a:srgbClr val="580000"/>
+          </a:solidFill>
+          <a:ln>
+            <a:solidFill>
+              <a:srgbClr val="FF3B3B"/>
+            </a:solidFill>
+          </a:ln>
+        </p:spPr>
+        <p:style>
+          <a:lnRef idx="2">
+            <a:schemeClr val="accent1">
+              <a:shade val="50000"/>
+            </a:schemeClr>
+          </a:lnRef>
+          <a:fillRef idx="1">
+            <a:schemeClr val="accent1"/>
+          </a:fillRef>
+          <a:effectRef idx="0">
+            <a:schemeClr val="accent1"/>
+          </a:effectRef>
+          <a:fontRef idx="minor">
+            <a:schemeClr val="lt1"/>
+          </a:fontRef>
+        </p:style>
+        <p:txBody>
+          <a:bodyPr rtlCol="0" anchor="ctr"/>
+          <a:lstStyle/>
+          <a:p>
+            <a:pPr algn="ctr"/>
+            <a:endParaRPr lang="de-DE"/>
+          </a:p>
+        </p:txBody>
+      </p:sp>
+      <p:sp>
+        <p:nvSpPr>
+          <p:cNvPr id="286" name="Positionsrahmen 285"/>
+          <p:cNvSpPr/>
+          <p:nvPr/>
+        </p:nvSpPr>
+        <p:spPr>
+          <a:xfrm>
+            <a:off x="3110203" y="1740027"/>
+            <a:ext cx="216024" cy="72008"/>
+          </a:xfrm>
+          <a:prstGeom prst="frame">
+            <a:avLst/>
+          </a:prstGeom>
+          <a:solidFill>
+            <a:schemeClr val="tx1">
+              <a:lumMod val="65000"/>
+              <a:lumOff val="35000"/>
+            </a:schemeClr>
+          </a:solidFill>
+          <a:ln>
+            <a:solidFill>
+              <a:srgbClr val="FF3B3B"/>
+            </a:solidFill>
+          </a:ln>
+        </p:spPr>
+        <p:style>
+          <a:lnRef idx="2">
+            <a:schemeClr val="accent1">
+              <a:shade val="50000"/>
+            </a:schemeClr>
+          </a:lnRef>
+          <a:fillRef idx="1">
+            <a:schemeClr val="accent1"/>
+          </a:fillRef>
+          <a:effectRef idx="0">
+            <a:schemeClr val="accent1"/>
+          </a:effectRef>
+          <a:fontRef idx="minor">
+            <a:schemeClr val="lt1"/>
+          </a:fontRef>
+        </p:style>
+        <p:txBody>
+          <a:bodyPr rtlCol="0" anchor="ctr"/>
+          <a:lstStyle/>
+          <a:p>
+            <a:pPr algn="ctr"/>
+            <a:endParaRPr lang="de-DE">
+              <a:solidFill>
+                <a:schemeClr val="tx1"/>
+              </a:solidFill>
+            </a:endParaRPr>
+          </a:p>
+        </p:txBody>
+      </p:sp>
+      <p:sp>
+        <p:nvSpPr>
+          <p:cNvPr id="287" name="Gleichschenkliges Dreieck 286"/>
+          <p:cNvSpPr/>
+          <p:nvPr/>
+        </p:nvSpPr>
+        <p:spPr>
+          <a:xfrm flipV="1">
+            <a:off x="3146207" y="2487659"/>
+            <a:ext cx="144016" cy="114584"/>
+          </a:xfrm>
+          <a:prstGeom prst="triangle">
+            <a:avLst/>
+          </a:prstGeom>
+          <a:solidFill>
+            <a:schemeClr val="tx1">
+              <a:lumMod val="75000"/>
+              <a:lumOff val="25000"/>
+            </a:schemeClr>
+          </a:solidFill>
+          <a:ln>
+            <a:solidFill>
+              <a:srgbClr val="FF3B3B"/>
+            </a:solidFill>
+          </a:ln>
+        </p:spPr>
+        <p:style>
+          <a:lnRef idx="2">
+            <a:schemeClr val="accent1">
+              <a:shade val="50000"/>
+            </a:schemeClr>
+          </a:lnRef>
+          <a:fillRef idx="1">
+            <a:schemeClr val="accent1"/>
+          </a:fillRef>
+          <a:effectRef idx="0">
+            <a:schemeClr val="accent1"/>
+          </a:effectRef>
+          <a:fontRef idx="minor">
+            <a:schemeClr val="lt1"/>
+          </a:fontRef>
+        </p:style>
+        <p:txBody>
+          <a:bodyPr rtlCol="0" anchor="ctr"/>
+          <a:lstStyle/>
+          <a:p>
+            <a:pPr algn="ctr"/>
+            <a:endParaRPr lang="de-DE"/>
+          </a:p>
+        </p:txBody>
+      </p:sp>
+      <p:cxnSp>
+        <p:nvCxnSpPr>
+          <p:cNvPr id="288" name="Gerade Verbindung 287"/>
+          <p:cNvCxnSpPr/>
+          <p:nvPr/>
+        </p:nvCxnSpPr>
+        <p:spPr>
+          <a:xfrm>
+            <a:off x="2822171" y="1930899"/>
+            <a:ext cx="122312" cy="122312"/>
+          </a:xfrm>
+          <a:prstGeom prst="line">
+            <a:avLst/>
+          </a:prstGeom>
+          <a:ln>
+            <a:solidFill>
+              <a:srgbClr val="FF3B3B"/>
+            </a:solidFill>
+          </a:ln>
+        </p:spPr>
+        <p:style>
+          <a:lnRef idx="1">
+            <a:schemeClr val="accent1"/>
+          </a:lnRef>
+          <a:fillRef idx="0">
+            <a:schemeClr val="accent1"/>
+          </a:fillRef>
+          <a:effectRef idx="0">
+            <a:schemeClr val="accent1"/>
+          </a:effectRef>
+          <a:fontRef idx="minor">
+            <a:schemeClr val="tx1"/>
+          </a:fontRef>
+        </p:style>
+      </p:cxnSp>
+      <p:cxnSp>
+        <p:nvCxnSpPr>
+          <p:cNvPr id="289" name="Gerade Verbindung 288"/>
+          <p:cNvCxnSpPr/>
+          <p:nvPr/>
+        </p:nvCxnSpPr>
+        <p:spPr>
+          <a:xfrm>
+            <a:off x="2822171" y="2010552"/>
+            <a:ext cx="122312" cy="122312"/>
+          </a:xfrm>
+          <a:prstGeom prst="line">
+            <a:avLst/>
+          </a:prstGeom>
+          <a:ln>
+            <a:solidFill>
+              <a:srgbClr val="FF3B3B"/>
+            </a:solidFill>
+          </a:ln>
+        </p:spPr>
+        <p:style>
+          <a:lnRef idx="1">
+            <a:schemeClr val="accent1"/>
+          </a:lnRef>
+          <a:fillRef idx="0">
+            <a:schemeClr val="accent1"/>
+          </a:fillRef>
+          <a:effectRef idx="0">
+            <a:schemeClr val="accent1"/>
+          </a:effectRef>
+          <a:fontRef idx="minor">
+            <a:schemeClr val="tx1"/>
+          </a:fontRef>
+        </p:style>
+      </p:cxnSp>
+      <p:cxnSp>
+        <p:nvCxnSpPr>
+          <p:cNvPr id="290" name="Gerade Verbindung 289"/>
+          <p:cNvCxnSpPr/>
+          <p:nvPr/>
+        </p:nvCxnSpPr>
+        <p:spPr>
+          <a:xfrm>
+            <a:off x="2822171" y="2083299"/>
+            <a:ext cx="122312" cy="122312"/>
+          </a:xfrm>
+          <a:prstGeom prst="line">
+            <a:avLst/>
+          </a:prstGeom>
+          <a:ln>
+            <a:solidFill>
+              <a:srgbClr val="FF3B3B"/>
+            </a:solidFill>
+          </a:ln>
+        </p:spPr>
+        <p:style>
+          <a:lnRef idx="1">
+            <a:schemeClr val="accent1"/>
+          </a:lnRef>
+          <a:fillRef idx="0">
+            <a:schemeClr val="accent1"/>
+          </a:fillRef>
+          <a:effectRef idx="0">
+            <a:schemeClr val="accent1"/>
+          </a:effectRef>
+          <a:fontRef idx="minor">
+            <a:schemeClr val="tx1"/>
+          </a:fontRef>
+        </p:style>
+      </p:cxnSp>
+      <p:cxnSp>
+        <p:nvCxnSpPr>
+          <p:cNvPr id="291" name="Gerade Verbindung 290"/>
+          <p:cNvCxnSpPr/>
+          <p:nvPr/>
+        </p:nvCxnSpPr>
+        <p:spPr>
+          <a:xfrm>
+            <a:off x="2822171" y="2172075"/>
+            <a:ext cx="122312" cy="122312"/>
+          </a:xfrm>
+          <a:prstGeom prst="line">
+            <a:avLst/>
+          </a:prstGeom>
+          <a:ln>
+            <a:solidFill>
+              <a:srgbClr val="FF3B3B"/>
+            </a:solidFill>
+          </a:ln>
+        </p:spPr>
+        <p:style>
+          <a:lnRef idx="1">
+            <a:schemeClr val="accent1"/>
+          </a:lnRef>
+          <a:fillRef idx="0">
+            <a:schemeClr val="accent1"/>
+          </a:fillRef>
+          <a:effectRef idx="0">
+            <a:schemeClr val="accent1"/>
+          </a:effectRef>
+          <a:fontRef idx="minor">
+            <a:schemeClr val="tx1"/>
+          </a:fontRef>
+        </p:style>
+      </p:cxnSp>
+      <p:cxnSp>
+        <p:nvCxnSpPr>
+          <p:cNvPr id="292" name="Gerade Verbindung 291"/>
+          <p:cNvCxnSpPr/>
+          <p:nvPr/>
+        </p:nvCxnSpPr>
+        <p:spPr>
+          <a:xfrm>
+            <a:off x="2955189" y="1777398"/>
+            <a:ext cx="122312" cy="122312"/>
+          </a:xfrm>
+          <a:prstGeom prst="line">
+            <a:avLst/>
+          </a:prstGeom>
+          <a:ln>
+            <a:solidFill>
+              <a:srgbClr val="FF3B3B"/>
+            </a:solidFill>
+          </a:ln>
+        </p:spPr>
+        <p:style>
+          <a:lnRef idx="1">
+            <a:schemeClr val="accent1"/>
+          </a:lnRef>
+          <a:fillRef idx="0">
+            <a:schemeClr val="accent1"/>
+          </a:fillRef>
+          <a:effectRef idx="0">
+            <a:schemeClr val="accent1"/>
+          </a:effectRef>
+          <a:fontRef idx="minor">
+            <a:schemeClr val="tx1"/>
+          </a:fontRef>
+        </p:style>
+      </p:cxnSp>
+      <p:cxnSp>
+        <p:nvCxnSpPr>
+          <p:cNvPr id="293" name="Gerade Verbindung 292"/>
+          <p:cNvCxnSpPr/>
+          <p:nvPr/>
+        </p:nvCxnSpPr>
+        <p:spPr>
+          <a:xfrm>
+            <a:off x="3013043" y="1750879"/>
+            <a:ext cx="122312" cy="122312"/>
+          </a:xfrm>
+          <a:prstGeom prst="line">
+            <a:avLst/>
+          </a:prstGeom>
+          <a:ln>
+            <a:solidFill>
+              <a:srgbClr val="FF3B3B"/>
+            </a:solidFill>
+          </a:ln>
+        </p:spPr>
+        <p:style>
+          <a:lnRef idx="1">
+            <a:schemeClr val="accent1"/>
+          </a:lnRef>
+          <a:fillRef idx="0">
+            <a:schemeClr val="accent1"/>
+          </a:fillRef>
+          <a:effectRef idx="0">
+            <a:schemeClr val="accent1"/>
+          </a:effectRef>
+          <a:fontRef idx="minor">
+            <a:schemeClr val="tx1"/>
+          </a:fontRef>
+        </p:style>
+      </p:cxnSp>
+      <p:cxnSp>
+        <p:nvCxnSpPr>
+          <p:cNvPr id="294" name="Gerade Verbindung 293"/>
+          <p:cNvCxnSpPr/>
+          <p:nvPr/>
+        </p:nvCxnSpPr>
+        <p:spPr>
+          <a:xfrm>
+            <a:off x="2864332" y="2316091"/>
+            <a:ext cx="122312" cy="122312"/>
+          </a:xfrm>
+          <a:prstGeom prst="line">
+            <a:avLst/>
+          </a:prstGeom>
+          <a:ln>
+            <a:solidFill>
+              <a:srgbClr val="FF3B3B"/>
+            </a:solidFill>
+          </a:ln>
+        </p:spPr>
+        <p:style>
+          <a:lnRef idx="1">
+            <a:schemeClr val="accent1"/>
+          </a:lnRef>
+          <a:fillRef idx="0">
+            <a:schemeClr val="accent1"/>
+          </a:fillRef>
+          <a:effectRef idx="0">
+            <a:schemeClr val="accent1"/>
+          </a:effectRef>
+          <a:fontRef idx="minor">
+            <a:schemeClr val="tx1"/>
+          </a:fontRef>
+        </p:style>
+      </p:cxnSp>
+      <p:cxnSp>
+        <p:nvCxnSpPr>
+          <p:cNvPr id="295" name="Gerade Verbindung 294"/>
+          <p:cNvCxnSpPr/>
+          <p:nvPr/>
+        </p:nvCxnSpPr>
+        <p:spPr>
+          <a:xfrm>
+            <a:off x="2890731" y="2398951"/>
+            <a:ext cx="122312" cy="122312"/>
+          </a:xfrm>
+          <a:prstGeom prst="line">
+            <a:avLst/>
+          </a:prstGeom>
+          <a:ln>
+            <a:solidFill>
+              <a:srgbClr val="FF3B3B"/>
+            </a:solidFill>
+          </a:ln>
+        </p:spPr>
+        <p:style>
+          <a:lnRef idx="1">
+            <a:schemeClr val="accent1"/>
+          </a:lnRef>
+          <a:fillRef idx="0">
+            <a:schemeClr val="accent1"/>
+          </a:fillRef>
+          <a:effectRef idx="0">
+            <a:schemeClr val="accent1"/>
+          </a:effectRef>
+          <a:fontRef idx="minor">
+            <a:schemeClr val="tx1"/>
+          </a:fontRef>
+        </p:style>
+      </p:cxnSp>
+      <p:cxnSp>
+        <p:nvCxnSpPr>
+          <p:cNvPr id="296" name="Gerade Verbindung 295"/>
+          <p:cNvCxnSpPr>
+            <a:stCxn id="285" idx="0"/>
+          </p:cNvCxnSpPr>
+          <p:nvPr/>
+        </p:nvCxnSpPr>
+        <p:spPr>
+          <a:xfrm>
+            <a:off x="3218215" y="2761283"/>
+            <a:ext cx="0" cy="65436"/>
+          </a:xfrm>
+          <a:prstGeom prst="line">
+            <a:avLst/>
+          </a:prstGeom>
+          <a:ln>
+            <a:solidFill>
+              <a:srgbClr val="FF3B3B"/>
+            </a:solidFill>
+          </a:ln>
+        </p:spPr>
+        <p:style>
+          <a:lnRef idx="1">
+            <a:schemeClr val="accent1"/>
+          </a:lnRef>
+          <a:fillRef idx="0">
+            <a:schemeClr val="accent1"/>
+          </a:fillRef>
+          <a:effectRef idx="0">
+            <a:schemeClr val="accent1"/>
+          </a:effectRef>
+          <a:fontRef idx="minor">
+            <a:schemeClr val="tx1"/>
+          </a:fontRef>
+        </p:style>
+      </p:cxnSp>
+      <p:sp>
+        <p:nvSpPr>
+          <p:cNvPr id="297" name="Rechteck 296"/>
+          <p:cNvSpPr/>
+          <p:nvPr/>
+        </p:nvSpPr>
+        <p:spPr>
+          <a:xfrm>
+            <a:off x="3087049" y="5764938"/>
+            <a:ext cx="216024" cy="504056"/>
+          </a:xfrm>
+          <a:prstGeom prst="rect">
+            <a:avLst/>
+          </a:prstGeom>
+          <a:solidFill>
+            <a:schemeClr val="bg1"/>
+          </a:solidFill>
+          <a:ln>
+            <a:solidFill>
+              <a:schemeClr val="tx1">
+                <a:lumMod val="50000"/>
+                <a:lumOff val="50000"/>
+              </a:schemeClr>
+            </a:solidFill>
+          </a:ln>
+        </p:spPr>
+        <p:style>
+          <a:lnRef idx="2">
+            <a:schemeClr val="accent1">
+              <a:shade val="50000"/>
+            </a:schemeClr>
+          </a:lnRef>
+          <a:fillRef idx="1">
+            <a:schemeClr val="accent1"/>
+          </a:fillRef>
+          <a:effectRef idx="0">
+            <a:schemeClr val="accent1"/>
+          </a:effectRef>
+          <a:fontRef idx="minor">
+            <a:schemeClr val="lt1"/>
+          </a:fontRef>
+        </p:style>
+        <p:txBody>
+          <a:bodyPr rtlCol="0" anchor="ctr"/>
+          <a:lstStyle/>
+          <a:p>
+            <a:pPr algn="ctr"/>
+            <a:endParaRPr lang="de-DE"/>
+          </a:p>
+        </p:txBody>
+      </p:sp>
+      <p:cxnSp>
+        <p:nvCxnSpPr>
+          <p:cNvPr id="298" name="Gerade Verbindung 297"/>
+          <p:cNvCxnSpPr>
+            <a:stCxn id="297" idx="0"/>
+            <a:endCxn id="297" idx="0"/>
+          </p:cNvCxnSpPr>
+          <p:nvPr/>
+        </p:nvCxnSpPr>
+        <p:spPr>
+          <a:xfrm>
+            <a:off x="3195061" y="5764938"/>
+            <a:ext cx="0" cy="0"/>
+          </a:xfrm>
+          <a:prstGeom prst="line">
+            <a:avLst/>
+          </a:prstGeom>
+        </p:spPr>
+        <p:style>
+          <a:lnRef idx="1">
+            <a:schemeClr val="accent1"/>
+          </a:lnRef>
+          <a:fillRef idx="0">
+            <a:schemeClr val="accent1"/>
+          </a:fillRef>
+          <a:effectRef idx="0">
+            <a:schemeClr val="accent1"/>
+          </a:effectRef>
+          <a:fontRef idx="minor">
+            <a:schemeClr val="tx1"/>
+          </a:fontRef>
+        </p:style>
+      </p:cxnSp>
+      <p:sp>
+        <p:nvSpPr>
+          <p:cNvPr id="299" name="Rechteck 298"/>
+          <p:cNvSpPr/>
+          <p:nvPr/>
+        </p:nvSpPr>
+        <p:spPr>
+          <a:xfrm flipV="1">
+            <a:off x="3087049" y="5764937"/>
+            <a:ext cx="216024" cy="45719"/>
+          </a:xfrm>
+          <a:prstGeom prst="rect">
+            <a:avLst/>
+          </a:prstGeom>
+          <a:solidFill>
+            <a:srgbClr val="FF0000"/>
+          </a:solidFill>
+          <a:ln>
+            <a:solidFill>
+              <a:schemeClr val="tx1">
+                <a:lumMod val="50000"/>
+                <a:lumOff val="50000"/>
+              </a:schemeClr>
+            </a:solidFill>
+          </a:ln>
+        </p:spPr>
+        <p:style>
+          <a:lnRef idx="2">
+            <a:schemeClr val="accent1">
+              <a:shade val="50000"/>
+            </a:schemeClr>
+          </a:lnRef>
+          <a:fillRef idx="1">
+            <a:schemeClr val="accent1"/>
+          </a:fillRef>
+          <a:effectRef idx="0">
+            <a:schemeClr val="accent1"/>
+          </a:effectRef>
+          <a:fontRef idx="minor">
+            <a:schemeClr val="lt1"/>
+          </a:fontRef>
+        </p:style>
+        <p:txBody>
+          <a:bodyPr rtlCol="0" anchor="ctr"/>
+          <a:lstStyle/>
+          <a:p>
+            <a:pPr algn="ctr"/>
+            <a:endParaRPr lang="de-DE"/>
+          </a:p>
+        </p:txBody>
+      </p:sp>
+      <p:sp>
+        <p:nvSpPr>
+          <p:cNvPr id="300" name="Gleichschenkliges Dreieck 299"/>
+          <p:cNvSpPr/>
+          <p:nvPr/>
+        </p:nvSpPr>
+        <p:spPr>
+          <a:xfrm>
+            <a:off x="3087049" y="5476906"/>
+            <a:ext cx="216024" cy="288031"/>
+          </a:xfrm>
+          <a:prstGeom prst="triangle">
+            <a:avLst/>
+          </a:prstGeom>
+          <a:solidFill>
+            <a:schemeClr val="bg1"/>
+          </a:solidFill>
+          <a:ln>
+            <a:solidFill>
+              <a:schemeClr val="tx1">
+                <a:lumMod val="50000"/>
+                <a:lumOff val="50000"/>
+              </a:schemeClr>
+            </a:solidFill>
+          </a:ln>
+        </p:spPr>
+        <p:style>
+          <a:lnRef idx="2">
+            <a:schemeClr val="accent1">
+              <a:shade val="50000"/>
+            </a:schemeClr>
+          </a:lnRef>
+          <a:fillRef idx="1">
+            <a:schemeClr val="accent1"/>
+          </a:fillRef>
+          <a:effectRef idx="0">
+            <a:schemeClr val="accent1"/>
+          </a:effectRef>
+          <a:fontRef idx="minor">
+            <a:schemeClr val="lt1"/>
+          </a:fontRef>
+        </p:style>
+        <p:txBody>
+          <a:bodyPr rtlCol="0" anchor="ctr"/>
+          <a:lstStyle/>
+          <a:p>
+            <a:pPr algn="ctr"/>
+            <a:endParaRPr lang="de-DE"/>
+          </a:p>
+        </p:txBody>
+      </p:sp>
+      <p:sp>
+        <p:nvSpPr>
+          <p:cNvPr id="301" name="Rechtwinkliges Dreieck 300"/>
+          <p:cNvSpPr/>
+          <p:nvPr/>
+        </p:nvSpPr>
+        <p:spPr>
+          <a:xfrm>
+            <a:off x="3303073" y="6052970"/>
+            <a:ext cx="216024" cy="216024"/>
+          </a:xfrm>
+          <a:prstGeom prst="rtTriangle">
+            <a:avLst/>
+          </a:prstGeom>
+          <a:solidFill>
+            <a:schemeClr val="bg1"/>
+          </a:solidFill>
+          <a:ln>
+            <a:solidFill>
+              <a:schemeClr val="tx1">
+                <a:lumMod val="50000"/>
+                <a:lumOff val="50000"/>
+              </a:schemeClr>
+            </a:solidFill>
+          </a:ln>
+        </p:spPr>
+        <p:style>
+          <a:lnRef idx="2">
+            <a:schemeClr val="accent1">
+              <a:shade val="50000"/>
+            </a:schemeClr>
+          </a:lnRef>
+          <a:fillRef idx="1">
+            <a:schemeClr val="accent1"/>
+          </a:fillRef>
+          <a:effectRef idx="0">
+            <a:schemeClr val="accent1"/>
+          </a:effectRef>
+          <a:fontRef idx="minor">
+            <a:schemeClr val="lt1"/>
+          </a:fontRef>
+        </p:style>
+        <p:txBody>
+          <a:bodyPr rtlCol="0" anchor="ctr"/>
+          <a:lstStyle/>
+          <a:p>
+            <a:pPr algn="ctr"/>
+            <a:endParaRPr lang="de-DE"/>
+          </a:p>
+        </p:txBody>
+      </p:sp>
+      <p:sp>
+        <p:nvSpPr>
+          <p:cNvPr id="302" name="Rechtwinkliges Dreieck 301"/>
+          <p:cNvSpPr/>
+          <p:nvPr/>
+        </p:nvSpPr>
+        <p:spPr>
+          <a:xfrm flipH="1">
+            <a:off x="2871025" y="6052970"/>
+            <a:ext cx="216024" cy="216024"/>
+          </a:xfrm>
+          <a:prstGeom prst="rtTriangle">
+            <a:avLst/>
+          </a:prstGeom>
+          <a:solidFill>
+            <a:schemeClr val="bg1"/>
+          </a:solidFill>
+          <a:ln>
+            <a:solidFill>
+              <a:schemeClr val="tx1">
+                <a:lumMod val="50000"/>
+                <a:lumOff val="50000"/>
+              </a:schemeClr>
+            </a:solidFill>
+          </a:ln>
+          <a:effectLst/>
+        </p:spPr>
+        <p:style>
+          <a:lnRef idx="2">
+            <a:schemeClr val="accent1">
+              <a:shade val="50000"/>
+            </a:schemeClr>
+          </a:lnRef>
+          <a:fillRef idx="1">
+            <a:schemeClr val="accent1"/>
+          </a:fillRef>
+          <a:effectRef idx="0">
+            <a:schemeClr val="accent1"/>
+          </a:effectRef>
+          <a:fontRef idx="minor">
+            <a:schemeClr val="lt1"/>
+          </a:fontRef>
+        </p:style>
+        <p:txBody>
+          <a:bodyPr rtlCol="0" anchor="ctr"/>
+          <a:lstStyle/>
+          <a:p>
+            <a:pPr algn="ctr"/>
+            <a:endParaRPr lang="de-DE"/>
+          </a:p>
+        </p:txBody>
+      </p:sp>
+      <p:sp>
+        <p:nvSpPr>
+          <p:cNvPr id="303" name="Abgerundetes Rechteck 302"/>
+          <p:cNvSpPr/>
+          <p:nvPr/>
+        </p:nvSpPr>
+        <p:spPr>
+          <a:xfrm>
+            <a:off x="3087049" y="6196986"/>
+            <a:ext cx="216024" cy="288032"/>
+          </a:xfrm>
+          <a:prstGeom prst="roundRect">
+            <a:avLst/>
+          </a:prstGeom>
+          <a:solidFill>
+            <a:schemeClr val="bg1">
+              <a:lumMod val="65000"/>
+            </a:schemeClr>
+          </a:solidFill>
+          <a:ln>
+            <a:solidFill>
+              <a:schemeClr val="tx1">
+                <a:lumMod val="50000"/>
+                <a:lumOff val="50000"/>
+              </a:schemeClr>
+            </a:solidFill>
+          </a:ln>
+        </p:spPr>
+        <p:style>
+          <a:lnRef idx="2">
+            <a:schemeClr val="accent1">
+              <a:shade val="50000"/>
+            </a:schemeClr>
+          </a:lnRef>
+          <a:fillRef idx="1">
+            <a:schemeClr val="accent1"/>
+          </a:fillRef>
+          <a:effectRef idx="0">
+            <a:schemeClr val="accent1"/>
+          </a:effectRef>
+          <a:fontRef idx="minor">
+            <a:schemeClr val="lt1"/>
+          </a:fontRef>
+        </p:style>
+        <p:txBody>
+          <a:bodyPr rtlCol="0" anchor="ctr"/>
+          <a:lstStyle/>
+          <a:p>
+            <a:pPr algn="ctr"/>
+            <a:endParaRPr lang="de-DE"/>
+          </a:p>
+        </p:txBody>
+      </p:sp>
+      <p:sp>
+        <p:nvSpPr>
+          <p:cNvPr id="304" name="Abgerundetes Rechteck 303"/>
+          <p:cNvSpPr/>
+          <p:nvPr/>
+        </p:nvSpPr>
+        <p:spPr>
+          <a:xfrm>
+            <a:off x="3087049" y="6243043"/>
+            <a:ext cx="216024" cy="45719"/>
+          </a:xfrm>
+          <a:prstGeom prst="roundRect">
+            <a:avLst/>
+          </a:prstGeom>
+          <a:solidFill>
+            <a:schemeClr val="tx1">
+              <a:lumMod val="65000"/>
+              <a:lumOff val="35000"/>
+            </a:schemeClr>
+          </a:solidFill>
+          <a:ln>
+            <a:solidFill>
+              <a:schemeClr val="tx1">
+                <a:lumMod val="50000"/>
+                <a:lumOff val="50000"/>
+              </a:schemeClr>
+            </a:solidFill>
+          </a:ln>
+        </p:spPr>
+        <p:style>
+          <a:lnRef idx="2">
+            <a:schemeClr val="accent1">
+              <a:shade val="50000"/>
+            </a:schemeClr>
+          </a:lnRef>
+          <a:fillRef idx="1">
+            <a:schemeClr val="accent1"/>
+          </a:fillRef>
+          <a:effectRef idx="0">
+            <a:schemeClr val="accent1"/>
+          </a:effectRef>
+          <a:fontRef idx="minor">
+            <a:schemeClr val="lt1"/>
+          </a:fontRef>
+        </p:style>
+        <p:txBody>
+          <a:bodyPr rtlCol="0" anchor="ctr"/>
+          <a:lstStyle/>
+          <a:p>
+            <a:pPr algn="ctr"/>
+            <a:endParaRPr lang="de-DE"/>
+          </a:p>
+        </p:txBody>
+      </p:sp>
+      <p:sp>
+        <p:nvSpPr>
+          <p:cNvPr id="305" name="Abgerundetes Rechteck 304"/>
+          <p:cNvSpPr/>
+          <p:nvPr/>
+        </p:nvSpPr>
+        <p:spPr>
+          <a:xfrm>
+            <a:off x="3087049" y="6333283"/>
+            <a:ext cx="216024" cy="45719"/>
+          </a:xfrm>
+          <a:prstGeom prst="roundRect">
+            <a:avLst/>
+          </a:prstGeom>
+          <a:solidFill>
+            <a:schemeClr val="tx1">
+              <a:lumMod val="65000"/>
+              <a:lumOff val="35000"/>
+            </a:schemeClr>
+          </a:solidFill>
+          <a:ln>
+            <a:solidFill>
+              <a:schemeClr val="tx1">
+                <a:lumMod val="50000"/>
+                <a:lumOff val="50000"/>
+              </a:schemeClr>
+            </a:solidFill>
+          </a:ln>
+        </p:spPr>
+        <p:style>
+          <a:lnRef idx="2">
+            <a:schemeClr val="accent1">
+              <a:shade val="50000"/>
+            </a:schemeClr>
+          </a:lnRef>
+          <a:fillRef idx="1">
+            <a:schemeClr val="accent1"/>
+          </a:fillRef>
+          <a:effectRef idx="0">
+            <a:schemeClr val="accent1"/>
+          </a:effectRef>
+          <a:fontRef idx="minor">
+            <a:schemeClr val="lt1"/>
+          </a:fontRef>
+        </p:style>
+        <p:txBody>
+          <a:bodyPr rtlCol="0" anchor="ctr"/>
+          <a:lstStyle/>
+          <a:p>
+            <a:pPr algn="ctr"/>
+            <a:endParaRPr lang="de-DE"/>
+          </a:p>
+        </p:txBody>
+      </p:sp>
+      <p:sp>
+        <p:nvSpPr>
+          <p:cNvPr id="306" name="Rechtwinkliges Dreieck 305"/>
+          <p:cNvSpPr/>
+          <p:nvPr/>
+        </p:nvSpPr>
+        <p:spPr>
+          <a:xfrm flipH="1">
+            <a:off x="3015041" y="6341002"/>
+            <a:ext cx="72003" cy="144016"/>
+          </a:xfrm>
+          <a:prstGeom prst="rtTriangle">
+            <a:avLst/>
+          </a:prstGeom>
+          <a:solidFill>
+            <a:schemeClr val="tx1">
+              <a:lumMod val="50000"/>
+              <a:lumOff val="50000"/>
+            </a:schemeClr>
+          </a:solidFill>
+          <a:ln>
+            <a:solidFill>
+              <a:schemeClr val="tx1">
+                <a:lumMod val="50000"/>
+                <a:lumOff val="50000"/>
+              </a:schemeClr>
+            </a:solidFill>
+          </a:ln>
+        </p:spPr>
+        <p:style>
+          <a:lnRef idx="2">
+            <a:schemeClr val="accent1">
+              <a:shade val="50000"/>
+            </a:schemeClr>
+          </a:lnRef>
+          <a:fillRef idx="1">
+            <a:schemeClr val="accent1"/>
+          </a:fillRef>
+          <a:effectRef idx="0">
+            <a:schemeClr val="accent1"/>
+          </a:effectRef>
+          <a:fontRef idx="minor">
+            <a:schemeClr val="lt1"/>
+          </a:fontRef>
+        </p:style>
+        <p:txBody>
+          <a:bodyPr rtlCol="0" anchor="ctr"/>
+          <a:lstStyle/>
+          <a:p>
+            <a:pPr algn="ctr"/>
+            <a:endParaRPr lang="de-DE"/>
+          </a:p>
+        </p:txBody>
+      </p:sp>
+      <p:sp>
+        <p:nvSpPr>
+          <p:cNvPr id="307" name="Abgerundetes Rechteck 306"/>
+          <p:cNvSpPr/>
+          <p:nvPr/>
+        </p:nvSpPr>
+        <p:spPr>
+          <a:xfrm>
+            <a:off x="3087049" y="6387914"/>
+            <a:ext cx="216024" cy="95293"/>
+          </a:xfrm>
+          <a:prstGeom prst="roundRect">
+            <a:avLst/>
+          </a:prstGeom>
+          <a:solidFill>
+            <a:schemeClr val="tx1">
+              <a:lumMod val="50000"/>
+              <a:lumOff val="50000"/>
+            </a:schemeClr>
+          </a:solidFill>
+          <a:ln>
+            <a:solidFill>
+              <a:schemeClr val="tx1">
+                <a:lumMod val="50000"/>
+                <a:lumOff val="50000"/>
+              </a:schemeClr>
+            </a:solidFill>
+          </a:ln>
+        </p:spPr>
+        <p:style>
+          <a:lnRef idx="2">
+            <a:schemeClr val="accent1">
+              <a:shade val="50000"/>
+            </a:schemeClr>
+          </a:lnRef>
+          <a:fillRef idx="1">
+            <a:schemeClr val="accent1"/>
+          </a:fillRef>
+          <a:effectRef idx="0">
+            <a:schemeClr val="accent1"/>
+          </a:effectRef>
+          <a:fontRef idx="minor">
+            <a:schemeClr val="lt1"/>
+          </a:fontRef>
+        </p:style>
+        <p:txBody>
+          <a:bodyPr rtlCol="0" anchor="ctr"/>
+          <a:lstStyle/>
+          <a:p>
+            <a:pPr algn="ctr"/>
+            <a:endParaRPr lang="de-DE"/>
+          </a:p>
+        </p:txBody>
+      </p:sp>
+      <p:sp>
+        <p:nvSpPr>
+          <p:cNvPr id="308" name="Rechteck 307"/>
+          <p:cNvSpPr/>
+          <p:nvPr/>
+        </p:nvSpPr>
+        <p:spPr>
+          <a:xfrm>
+            <a:off x="3087823" y="6387914"/>
+            <a:ext cx="71234" cy="97104"/>
+          </a:xfrm>
+          <a:prstGeom prst="rect">
+            <a:avLst/>
+          </a:prstGeom>
+          <a:solidFill>
+            <a:schemeClr val="tx1">
+              <a:lumMod val="50000"/>
+              <a:lumOff val="50000"/>
+            </a:schemeClr>
+          </a:solidFill>
+          <a:ln>
+            <a:solidFill>
+              <a:schemeClr val="tx1">
+                <a:lumMod val="50000"/>
+                <a:lumOff val="50000"/>
+              </a:schemeClr>
+            </a:solidFill>
+          </a:ln>
+        </p:spPr>
+        <p:style>
+          <a:lnRef idx="2">
+            <a:schemeClr val="accent1">
+              <a:shade val="50000"/>
+            </a:schemeClr>
+          </a:lnRef>
+          <a:fillRef idx="1">
+            <a:schemeClr val="accent1"/>
+          </a:fillRef>
+          <a:effectRef idx="0">
+            <a:schemeClr val="accent1"/>
+          </a:effectRef>
+          <a:fontRef idx="minor">
+            <a:schemeClr val="lt1"/>
+          </a:fontRef>
+        </p:style>
+        <p:txBody>
+          <a:bodyPr rtlCol="0" anchor="ctr"/>
+          <a:lstStyle/>
+          <a:p>
+            <a:pPr algn="ctr"/>
+            <a:endParaRPr lang="de-DE"/>
+          </a:p>
+        </p:txBody>
+      </p:sp>
+      <p:sp>
+        <p:nvSpPr>
+          <p:cNvPr id="309" name="Rechteck 308"/>
+          <p:cNvSpPr/>
+          <p:nvPr/>
+        </p:nvSpPr>
+        <p:spPr>
+          <a:xfrm>
+            <a:off x="3231065" y="6387913"/>
+            <a:ext cx="72008" cy="97105"/>
+          </a:xfrm>
+          <a:prstGeom prst="rect">
+            <a:avLst/>
+          </a:prstGeom>
+          <a:solidFill>
+            <a:schemeClr val="tx1">
+              <a:lumMod val="50000"/>
+              <a:lumOff val="50000"/>
+            </a:schemeClr>
+          </a:solidFill>
+          <a:ln>
+            <a:solidFill>
+              <a:schemeClr val="tx1">
+                <a:lumMod val="50000"/>
+                <a:lumOff val="50000"/>
+              </a:schemeClr>
+            </a:solidFill>
+          </a:ln>
+        </p:spPr>
+        <p:style>
+          <a:lnRef idx="2">
+            <a:schemeClr val="accent1">
+              <a:shade val="50000"/>
+            </a:schemeClr>
+          </a:lnRef>
+          <a:fillRef idx="1">
+            <a:schemeClr val="accent1"/>
+          </a:fillRef>
+          <a:effectRef idx="0">
+            <a:schemeClr val="accent1"/>
+          </a:effectRef>
+          <a:fontRef idx="minor">
+            <a:schemeClr val="lt1"/>
+          </a:fontRef>
+        </p:style>
+        <p:txBody>
+          <a:bodyPr rtlCol="0" anchor="ctr"/>
+          <a:lstStyle/>
+          <a:p>
+            <a:pPr algn="ctr"/>
+            <a:endParaRPr lang="de-DE"/>
+          </a:p>
+        </p:txBody>
+      </p:sp>
+      <p:sp>
+        <p:nvSpPr>
+          <p:cNvPr id="310" name="Rechteck 309"/>
+          <p:cNvSpPr/>
+          <p:nvPr/>
+        </p:nvSpPr>
+        <p:spPr>
+          <a:xfrm>
+            <a:off x="3155247" y="6386103"/>
+            <a:ext cx="71234" cy="97104"/>
+          </a:xfrm>
+          <a:prstGeom prst="rect">
+            <a:avLst/>
+          </a:prstGeom>
+          <a:solidFill>
+            <a:schemeClr val="tx1">
+              <a:lumMod val="50000"/>
+              <a:lumOff val="50000"/>
+            </a:schemeClr>
+          </a:solidFill>
+          <a:ln>
+            <a:solidFill>
+              <a:schemeClr val="tx1">
+                <a:lumMod val="50000"/>
+                <a:lumOff val="50000"/>
+              </a:schemeClr>
+            </a:solidFill>
+          </a:ln>
+        </p:spPr>
+        <p:style>
+          <a:lnRef idx="2">
+            <a:schemeClr val="accent1">
+              <a:shade val="50000"/>
+            </a:schemeClr>
+          </a:lnRef>
+          <a:fillRef idx="1">
+            <a:schemeClr val="accent1"/>
+          </a:fillRef>
+          <a:effectRef idx="0">
+            <a:schemeClr val="accent1"/>
+          </a:effectRef>
+          <a:fontRef idx="minor">
+            <a:schemeClr val="lt1"/>
+          </a:fontRef>
+        </p:style>
+        <p:txBody>
+          <a:bodyPr rtlCol="0" anchor="ctr"/>
+          <a:lstStyle/>
+          <a:p>
+            <a:pPr algn="ctr"/>
+            <a:endParaRPr lang="de-DE"/>
+          </a:p>
+        </p:txBody>
+      </p:sp>
+      <p:sp>
+        <p:nvSpPr>
+          <p:cNvPr id="311" name="Rechtwinkliges Dreieck 310"/>
+          <p:cNvSpPr/>
+          <p:nvPr/>
+        </p:nvSpPr>
+        <p:spPr>
+          <a:xfrm>
+            <a:off x="3303073" y="6341002"/>
+            <a:ext cx="72008" cy="144016"/>
+          </a:xfrm>
+          <a:prstGeom prst="rtTriangle">
+            <a:avLst/>
+          </a:prstGeom>
+          <a:solidFill>
+            <a:schemeClr val="tx1">
+              <a:lumMod val="50000"/>
+              <a:lumOff val="50000"/>
+            </a:schemeClr>
+          </a:solidFill>
+          <a:ln>
+            <a:solidFill>
+              <a:schemeClr val="tx1">
+                <a:lumMod val="50000"/>
+                <a:lumOff val="50000"/>
+              </a:schemeClr>
+            </a:solidFill>
+          </a:ln>
+        </p:spPr>
+        <p:style>
+          <a:lnRef idx="2">
+            <a:schemeClr val="accent1">
+              <a:shade val="50000"/>
+            </a:schemeClr>
+          </a:lnRef>
+          <a:fillRef idx="1">
+            <a:schemeClr val="accent1"/>
+          </a:fillRef>
+          <a:effectRef idx="0">
+            <a:schemeClr val="accent1"/>
+          </a:effectRef>
+          <a:fontRef idx="minor">
+            <a:schemeClr val="lt1"/>
+          </a:fontRef>
+        </p:style>
+        <p:txBody>
+          <a:bodyPr rtlCol="0" anchor="ctr"/>
+          <a:lstStyle/>
+          <a:p>
+            <a:pPr algn="ctr"/>
+            <a:endParaRPr lang="de-DE"/>
+          </a:p>
+        </p:txBody>
+      </p:sp>
+      <p:cxnSp>
+        <p:nvCxnSpPr>
+          <p:cNvPr id="312" name="Gerade Verbindung 311"/>
+          <p:cNvCxnSpPr>
+            <a:endCxn id="300" idx="0"/>
+          </p:cNvCxnSpPr>
+          <p:nvPr/>
+        </p:nvCxnSpPr>
+        <p:spPr>
+          <a:xfrm>
+            <a:off x="3195061" y="5409661"/>
+            <a:ext cx="0" cy="67245"/>
+          </a:xfrm>
+          <a:prstGeom prst="line">
+            <a:avLst/>
+          </a:prstGeom>
+          <a:ln w="12700">
+            <a:solidFill>
+              <a:schemeClr val="tx1">
+                <a:lumMod val="50000"/>
+                <a:lumOff val="50000"/>
+              </a:schemeClr>
+            </a:solidFill>
+          </a:ln>
+        </p:spPr>
+        <p:style>
+          <a:lnRef idx="1">
+            <a:schemeClr val="accent1"/>
+          </a:lnRef>
+          <a:fillRef idx="0">
+            <a:schemeClr val="accent1"/>
+          </a:fillRef>
+          <a:effectRef idx="0">
+            <a:schemeClr val="accent1"/>
+          </a:effectRef>
+          <a:fontRef idx="minor">
+            <a:schemeClr val="tx1"/>
+          </a:fontRef>
+        </p:style>
+      </p:cxnSp>
+      <p:sp>
+        <p:nvSpPr>
+          <p:cNvPr id="32" name="Rechteck 31"/>
+          <p:cNvSpPr/>
+          <p:nvPr/>
+        </p:nvSpPr>
+        <p:spPr>
+          <a:xfrm>
+            <a:off x="4135755" y="3717032"/>
+            <a:ext cx="252415" cy="360040"/>
+          </a:xfrm>
+          <a:prstGeom prst="rect">
+            <a:avLst/>
+          </a:prstGeom>
+          <a:solidFill>
+            <a:schemeClr val="accent1">
+              <a:alpha val="0"/>
+            </a:schemeClr>
+          </a:solidFill>
+          <a:ln>
+            <a:noFill/>
           </a:ln>
         </p:spPr>
         <p:style>
@@ -13812,6 +15732,2485 @@
       </p:par>
     </p:tnLst>
   </p:timing>
+</p:sld>
+</file>
+
+<file path=ppt/slides/slide2.xml><?xml version="1.0" encoding="utf-8"?>
+<p:sld xmlns:a="http://schemas.openxmlformats.org/drawingml/2006/main" xmlns:r="http://schemas.openxmlformats.org/officeDocument/2006/relationships" xmlns:p="http://schemas.openxmlformats.org/presentationml/2006/main">
+  <p:cSld>
+    <p:spTree>
+      <p:nvGrpSpPr>
+        <p:cNvPr id="1" name=""/>
+        <p:cNvGrpSpPr/>
+        <p:nvPr/>
+      </p:nvGrpSpPr>
+      <p:grpSpPr>
+        <a:xfrm>
+          <a:off x="0" y="0"/>
+          <a:ext cx="0" cy="0"/>
+          <a:chOff x="0" y="0"/>
+          <a:chExt cx="0" cy="0"/>
+        </a:xfrm>
+      </p:grpSpPr>
+      <p:sp>
+        <p:nvSpPr>
+          <p:cNvPr id="45" name="Rechteck 44"/>
+          <p:cNvSpPr/>
+          <p:nvPr/>
+        </p:nvSpPr>
+        <p:spPr>
+          <a:xfrm>
+            <a:off x="5508104" y="1536479"/>
+            <a:ext cx="252415" cy="360040"/>
+          </a:xfrm>
+          <a:prstGeom prst="rect">
+            <a:avLst/>
+          </a:prstGeom>
+          <a:solidFill>
+            <a:schemeClr val="accent1">
+              <a:alpha val="0"/>
+            </a:schemeClr>
+          </a:solidFill>
+          <a:ln>
+            <a:noFill/>
+          </a:ln>
+        </p:spPr>
+        <p:style>
+          <a:lnRef idx="2">
+            <a:schemeClr val="accent1">
+              <a:shade val="50000"/>
+            </a:schemeClr>
+          </a:lnRef>
+          <a:fillRef idx="1">
+            <a:schemeClr val="accent1"/>
+          </a:fillRef>
+          <a:effectRef idx="0">
+            <a:schemeClr val="accent1"/>
+          </a:effectRef>
+          <a:fontRef idx="minor">
+            <a:schemeClr val="lt1"/>
+          </a:fontRef>
+        </p:style>
+        <p:txBody>
+          <a:bodyPr rtlCol="0" anchor="ctr"/>
+          <a:lstStyle/>
+          <a:p>
+            <a:pPr algn="ctr"/>
+            <a:endParaRPr lang="de-DE"/>
+          </a:p>
+        </p:txBody>
+      </p:sp>
+      <p:sp>
+        <p:nvSpPr>
+          <p:cNvPr id="6" name="Rechteck 5"/>
+          <p:cNvSpPr/>
+          <p:nvPr/>
+        </p:nvSpPr>
+        <p:spPr>
+          <a:xfrm>
+            <a:off x="835401" y="472727"/>
+            <a:ext cx="585066" cy="578952"/>
+          </a:xfrm>
+          <a:prstGeom prst="rect">
+            <a:avLst/>
+          </a:prstGeom>
+          <a:solidFill>
+            <a:schemeClr val="accent1">
+              <a:alpha val="0"/>
+            </a:schemeClr>
+          </a:solidFill>
+          <a:ln>
+            <a:noFill/>
+          </a:ln>
+        </p:spPr>
+        <p:style>
+          <a:lnRef idx="2">
+            <a:schemeClr val="accent1">
+              <a:shade val="50000"/>
+            </a:schemeClr>
+          </a:lnRef>
+          <a:fillRef idx="1">
+            <a:schemeClr val="accent1"/>
+          </a:fillRef>
+          <a:effectRef idx="0">
+            <a:schemeClr val="accent1"/>
+          </a:effectRef>
+          <a:fontRef idx="minor">
+            <a:schemeClr val="lt1"/>
+          </a:fontRef>
+        </p:style>
+        <p:txBody>
+          <a:bodyPr rtlCol="0" anchor="ctr"/>
+          <a:lstStyle/>
+          <a:p>
+            <a:pPr algn="ctr"/>
+            <a:endParaRPr lang="de-DE"/>
+          </a:p>
+        </p:txBody>
+      </p:sp>
+      <p:sp>
+        <p:nvSpPr>
+          <p:cNvPr id="4" name="Ellipse 3"/>
+          <p:cNvSpPr/>
+          <p:nvPr/>
+        </p:nvSpPr>
+        <p:spPr>
+          <a:xfrm>
+            <a:off x="863604" y="492203"/>
+            <a:ext cx="540000" cy="540000"/>
+          </a:xfrm>
+          <a:prstGeom prst="ellipse">
+            <a:avLst/>
+          </a:prstGeom>
+          <a:noFill/>
+          <a:ln>
+            <a:solidFill>
+              <a:srgbClr val="FF0000"/>
+            </a:solidFill>
+          </a:ln>
+        </p:spPr>
+        <p:style>
+          <a:lnRef idx="2">
+            <a:schemeClr val="accent1">
+              <a:shade val="50000"/>
+            </a:schemeClr>
+          </a:lnRef>
+          <a:fillRef idx="1">
+            <a:schemeClr val="accent1"/>
+          </a:fillRef>
+          <a:effectRef idx="0">
+            <a:schemeClr val="accent1"/>
+          </a:effectRef>
+          <a:fontRef idx="minor">
+            <a:schemeClr val="lt1"/>
+          </a:fontRef>
+        </p:style>
+        <p:txBody>
+          <a:bodyPr rtlCol="0" anchor="ctr"/>
+          <a:lstStyle/>
+          <a:p>
+            <a:pPr algn="ctr"/>
+            <a:endParaRPr lang="de-DE"/>
+          </a:p>
+        </p:txBody>
+      </p:sp>
+      <p:sp>
+        <p:nvSpPr>
+          <p:cNvPr id="5" name="Ellipse 4"/>
+          <p:cNvSpPr/>
+          <p:nvPr/>
+        </p:nvSpPr>
+        <p:spPr>
+          <a:xfrm>
+            <a:off x="953197" y="582203"/>
+            <a:ext cx="360815" cy="360000"/>
+          </a:xfrm>
+          <a:prstGeom prst="ellipse">
+            <a:avLst/>
+          </a:prstGeom>
+          <a:solidFill>
+            <a:srgbClr val="7030A0"/>
+          </a:solidFill>
+          <a:ln>
+            <a:solidFill>
+              <a:srgbClr val="002060"/>
+            </a:solidFill>
+          </a:ln>
+        </p:spPr>
+        <p:style>
+          <a:lnRef idx="2">
+            <a:schemeClr val="accent1">
+              <a:shade val="50000"/>
+            </a:schemeClr>
+          </a:lnRef>
+          <a:fillRef idx="1">
+            <a:schemeClr val="accent1"/>
+          </a:fillRef>
+          <a:effectRef idx="0">
+            <a:schemeClr val="accent1"/>
+          </a:effectRef>
+          <a:fontRef idx="minor">
+            <a:schemeClr val="lt1"/>
+          </a:fontRef>
+        </p:style>
+        <p:txBody>
+          <a:bodyPr rtlCol="0" anchor="ctr"/>
+          <a:lstStyle/>
+          <a:p>
+            <a:pPr algn="ctr"/>
+            <a:endParaRPr lang="de-DE"/>
+          </a:p>
+        </p:txBody>
+      </p:sp>
+      <p:sp>
+        <p:nvSpPr>
+          <p:cNvPr id="15" name="Rechteck 14"/>
+          <p:cNvSpPr/>
+          <p:nvPr/>
+        </p:nvSpPr>
+        <p:spPr>
+          <a:xfrm>
+            <a:off x="841071" y="1184603"/>
+            <a:ext cx="585066" cy="578952"/>
+          </a:xfrm>
+          <a:prstGeom prst="rect">
+            <a:avLst/>
+          </a:prstGeom>
+          <a:solidFill>
+            <a:schemeClr val="accent1">
+              <a:alpha val="0"/>
+            </a:schemeClr>
+          </a:solidFill>
+          <a:ln>
+            <a:noFill/>
+          </a:ln>
+        </p:spPr>
+        <p:style>
+          <a:lnRef idx="2">
+            <a:schemeClr val="accent1">
+              <a:shade val="50000"/>
+            </a:schemeClr>
+          </a:lnRef>
+          <a:fillRef idx="1">
+            <a:schemeClr val="accent1"/>
+          </a:fillRef>
+          <a:effectRef idx="0">
+            <a:schemeClr val="accent1"/>
+          </a:effectRef>
+          <a:fontRef idx="minor">
+            <a:schemeClr val="lt1"/>
+          </a:fontRef>
+        </p:style>
+        <p:txBody>
+          <a:bodyPr rtlCol="0" anchor="ctr"/>
+          <a:lstStyle/>
+          <a:p>
+            <a:pPr algn="ctr"/>
+            <a:endParaRPr lang="de-DE"/>
+          </a:p>
+        </p:txBody>
+      </p:sp>
+      <p:sp>
+        <p:nvSpPr>
+          <p:cNvPr id="16" name="Ellipse 15"/>
+          <p:cNvSpPr/>
+          <p:nvPr/>
+        </p:nvSpPr>
+        <p:spPr>
+          <a:xfrm>
+            <a:off x="899604" y="1240079"/>
+            <a:ext cx="468000" cy="468000"/>
+          </a:xfrm>
+          <a:prstGeom prst="ellipse">
+            <a:avLst/>
+          </a:prstGeom>
+          <a:noFill/>
+          <a:ln>
+            <a:solidFill>
+              <a:srgbClr val="FF0000"/>
+            </a:solidFill>
+          </a:ln>
+        </p:spPr>
+        <p:style>
+          <a:lnRef idx="2">
+            <a:schemeClr val="accent1">
+              <a:shade val="50000"/>
+            </a:schemeClr>
+          </a:lnRef>
+          <a:fillRef idx="1">
+            <a:schemeClr val="accent1"/>
+          </a:fillRef>
+          <a:effectRef idx="0">
+            <a:schemeClr val="accent1"/>
+          </a:effectRef>
+          <a:fontRef idx="minor">
+            <a:schemeClr val="lt1"/>
+          </a:fontRef>
+        </p:style>
+        <p:txBody>
+          <a:bodyPr rtlCol="0" anchor="ctr"/>
+          <a:lstStyle/>
+          <a:p>
+            <a:pPr algn="ctr"/>
+            <a:endParaRPr lang="de-DE"/>
+          </a:p>
+        </p:txBody>
+      </p:sp>
+      <p:sp>
+        <p:nvSpPr>
+          <p:cNvPr id="17" name="Ellipse 16"/>
+          <p:cNvSpPr/>
+          <p:nvPr/>
+        </p:nvSpPr>
+        <p:spPr>
+          <a:xfrm>
+            <a:off x="989604" y="1330079"/>
+            <a:ext cx="288000" cy="288000"/>
+          </a:xfrm>
+          <a:prstGeom prst="ellipse">
+            <a:avLst/>
+          </a:prstGeom>
+          <a:solidFill>
+            <a:srgbClr val="7030A0"/>
+          </a:solidFill>
+          <a:ln>
+            <a:solidFill>
+              <a:srgbClr val="002060"/>
+            </a:solidFill>
+          </a:ln>
+        </p:spPr>
+        <p:style>
+          <a:lnRef idx="2">
+            <a:schemeClr val="accent1">
+              <a:shade val="50000"/>
+            </a:schemeClr>
+          </a:lnRef>
+          <a:fillRef idx="1">
+            <a:schemeClr val="accent1"/>
+          </a:fillRef>
+          <a:effectRef idx="0">
+            <a:schemeClr val="accent1"/>
+          </a:effectRef>
+          <a:fontRef idx="minor">
+            <a:schemeClr val="lt1"/>
+          </a:fontRef>
+        </p:style>
+        <p:txBody>
+          <a:bodyPr rtlCol="0" anchor="ctr"/>
+          <a:lstStyle/>
+          <a:p>
+            <a:pPr algn="ctr"/>
+            <a:endParaRPr lang="de-DE"/>
+          </a:p>
+        </p:txBody>
+      </p:sp>
+      <p:sp>
+        <p:nvSpPr>
+          <p:cNvPr id="18" name="Rechteck 17"/>
+          <p:cNvSpPr/>
+          <p:nvPr/>
+        </p:nvSpPr>
+        <p:spPr>
+          <a:xfrm>
+            <a:off x="835401" y="1882449"/>
+            <a:ext cx="585066" cy="578952"/>
+          </a:xfrm>
+          <a:prstGeom prst="rect">
+            <a:avLst/>
+          </a:prstGeom>
+          <a:solidFill>
+            <a:schemeClr val="accent1">
+              <a:alpha val="0"/>
+            </a:schemeClr>
+          </a:solidFill>
+          <a:ln>
+            <a:noFill/>
+          </a:ln>
+        </p:spPr>
+        <p:style>
+          <a:lnRef idx="2">
+            <a:schemeClr val="accent1">
+              <a:shade val="50000"/>
+            </a:schemeClr>
+          </a:lnRef>
+          <a:fillRef idx="1">
+            <a:schemeClr val="accent1"/>
+          </a:fillRef>
+          <a:effectRef idx="0">
+            <a:schemeClr val="accent1"/>
+          </a:effectRef>
+          <a:fontRef idx="minor">
+            <a:schemeClr val="lt1"/>
+          </a:fontRef>
+        </p:style>
+        <p:txBody>
+          <a:bodyPr rtlCol="0" anchor="ctr"/>
+          <a:lstStyle/>
+          <a:p>
+            <a:pPr algn="ctr"/>
+            <a:endParaRPr lang="de-DE"/>
+          </a:p>
+        </p:txBody>
+      </p:sp>
+      <p:sp>
+        <p:nvSpPr>
+          <p:cNvPr id="19" name="Ellipse 18"/>
+          <p:cNvSpPr/>
+          <p:nvPr/>
+        </p:nvSpPr>
+        <p:spPr>
+          <a:xfrm>
+            <a:off x="935604" y="1973925"/>
+            <a:ext cx="396000" cy="396000"/>
+          </a:xfrm>
+          <a:prstGeom prst="ellipse">
+            <a:avLst/>
+          </a:prstGeom>
+          <a:noFill/>
+          <a:ln>
+            <a:solidFill>
+              <a:srgbClr val="FF0000"/>
+            </a:solidFill>
+          </a:ln>
+        </p:spPr>
+        <p:style>
+          <a:lnRef idx="2">
+            <a:schemeClr val="accent1">
+              <a:shade val="50000"/>
+            </a:schemeClr>
+          </a:lnRef>
+          <a:fillRef idx="1">
+            <a:schemeClr val="accent1"/>
+          </a:fillRef>
+          <a:effectRef idx="0">
+            <a:schemeClr val="accent1"/>
+          </a:effectRef>
+          <a:fontRef idx="minor">
+            <a:schemeClr val="lt1"/>
+          </a:fontRef>
+        </p:style>
+        <p:txBody>
+          <a:bodyPr rtlCol="0" anchor="ctr"/>
+          <a:lstStyle/>
+          <a:p>
+            <a:pPr algn="ctr"/>
+            <a:endParaRPr lang="de-DE"/>
+          </a:p>
+        </p:txBody>
+      </p:sp>
+      <p:sp>
+        <p:nvSpPr>
+          <p:cNvPr id="20" name="Ellipse 19"/>
+          <p:cNvSpPr/>
+          <p:nvPr/>
+        </p:nvSpPr>
+        <p:spPr>
+          <a:xfrm>
+            <a:off x="1025604" y="2063925"/>
+            <a:ext cx="216000" cy="216000"/>
+          </a:xfrm>
+          <a:prstGeom prst="ellipse">
+            <a:avLst/>
+          </a:prstGeom>
+          <a:solidFill>
+            <a:srgbClr val="7030A0"/>
+          </a:solidFill>
+          <a:ln>
+            <a:solidFill>
+              <a:srgbClr val="002060"/>
+            </a:solidFill>
+          </a:ln>
+        </p:spPr>
+        <p:style>
+          <a:lnRef idx="2">
+            <a:schemeClr val="accent1">
+              <a:shade val="50000"/>
+            </a:schemeClr>
+          </a:lnRef>
+          <a:fillRef idx="1">
+            <a:schemeClr val="accent1"/>
+          </a:fillRef>
+          <a:effectRef idx="0">
+            <a:schemeClr val="accent1"/>
+          </a:effectRef>
+          <a:fontRef idx="minor">
+            <a:schemeClr val="lt1"/>
+          </a:fontRef>
+        </p:style>
+        <p:txBody>
+          <a:bodyPr rtlCol="0" anchor="ctr"/>
+          <a:lstStyle/>
+          <a:p>
+            <a:pPr algn="ctr"/>
+            <a:endParaRPr lang="de-DE"/>
+          </a:p>
+        </p:txBody>
+      </p:sp>
+      <p:sp>
+        <p:nvSpPr>
+          <p:cNvPr id="21" name="Rechteck 20"/>
+          <p:cNvSpPr/>
+          <p:nvPr/>
+        </p:nvSpPr>
+        <p:spPr>
+          <a:xfrm>
+            <a:off x="853755" y="2564912"/>
+            <a:ext cx="585066" cy="578952"/>
+          </a:xfrm>
+          <a:prstGeom prst="rect">
+            <a:avLst/>
+          </a:prstGeom>
+          <a:solidFill>
+            <a:schemeClr val="accent1">
+              <a:alpha val="0"/>
+            </a:schemeClr>
+          </a:solidFill>
+          <a:ln>
+            <a:noFill/>
+          </a:ln>
+        </p:spPr>
+        <p:style>
+          <a:lnRef idx="2">
+            <a:schemeClr val="accent1">
+              <a:shade val="50000"/>
+            </a:schemeClr>
+          </a:lnRef>
+          <a:fillRef idx="1">
+            <a:schemeClr val="accent1"/>
+          </a:fillRef>
+          <a:effectRef idx="0">
+            <a:schemeClr val="accent1"/>
+          </a:effectRef>
+          <a:fontRef idx="minor">
+            <a:schemeClr val="lt1"/>
+          </a:fontRef>
+        </p:style>
+        <p:txBody>
+          <a:bodyPr rtlCol="0" anchor="ctr"/>
+          <a:lstStyle/>
+          <a:p>
+            <a:pPr algn="ctr"/>
+            <a:endParaRPr lang="de-DE"/>
+          </a:p>
+        </p:txBody>
+      </p:sp>
+      <p:sp>
+        <p:nvSpPr>
+          <p:cNvPr id="22" name="Ellipse 21"/>
+          <p:cNvSpPr/>
+          <p:nvPr/>
+        </p:nvSpPr>
+        <p:spPr>
+          <a:xfrm>
+            <a:off x="983034" y="2692388"/>
+            <a:ext cx="324000" cy="324000"/>
+          </a:xfrm>
+          <a:prstGeom prst="ellipse">
+            <a:avLst/>
+          </a:prstGeom>
+          <a:noFill/>
+          <a:ln>
+            <a:solidFill>
+              <a:srgbClr val="FF0000"/>
+            </a:solidFill>
+          </a:ln>
+        </p:spPr>
+        <p:style>
+          <a:lnRef idx="2">
+            <a:schemeClr val="accent1">
+              <a:shade val="50000"/>
+            </a:schemeClr>
+          </a:lnRef>
+          <a:fillRef idx="1">
+            <a:schemeClr val="accent1"/>
+          </a:fillRef>
+          <a:effectRef idx="0">
+            <a:schemeClr val="accent1"/>
+          </a:effectRef>
+          <a:fontRef idx="minor">
+            <a:schemeClr val="lt1"/>
+          </a:fontRef>
+        </p:style>
+        <p:txBody>
+          <a:bodyPr rtlCol="0" anchor="ctr"/>
+          <a:lstStyle/>
+          <a:p>
+            <a:pPr algn="ctr"/>
+            <a:endParaRPr lang="de-DE"/>
+          </a:p>
+        </p:txBody>
+      </p:sp>
+      <p:sp>
+        <p:nvSpPr>
+          <p:cNvPr id="23" name="Ellipse 22"/>
+          <p:cNvSpPr/>
+          <p:nvPr/>
+        </p:nvSpPr>
+        <p:spPr>
+          <a:xfrm>
+            <a:off x="1073034" y="2782388"/>
+            <a:ext cx="144000" cy="144000"/>
+          </a:xfrm>
+          <a:prstGeom prst="ellipse">
+            <a:avLst/>
+          </a:prstGeom>
+          <a:solidFill>
+            <a:srgbClr val="7030A0"/>
+          </a:solidFill>
+          <a:ln>
+            <a:solidFill>
+              <a:srgbClr val="002060"/>
+            </a:solidFill>
+          </a:ln>
+        </p:spPr>
+        <p:style>
+          <a:lnRef idx="2">
+            <a:schemeClr val="accent1">
+              <a:shade val="50000"/>
+            </a:schemeClr>
+          </a:lnRef>
+          <a:fillRef idx="1">
+            <a:schemeClr val="accent1"/>
+          </a:fillRef>
+          <a:effectRef idx="0">
+            <a:schemeClr val="accent1"/>
+          </a:effectRef>
+          <a:fontRef idx="minor">
+            <a:schemeClr val="lt1"/>
+          </a:fontRef>
+        </p:style>
+        <p:txBody>
+          <a:bodyPr rtlCol="0" anchor="ctr"/>
+          <a:lstStyle/>
+          <a:p>
+            <a:pPr algn="ctr"/>
+            <a:endParaRPr lang="de-DE"/>
+          </a:p>
+        </p:txBody>
+      </p:sp>
+      <p:sp>
+        <p:nvSpPr>
+          <p:cNvPr id="24" name="Rechteck 23"/>
+          <p:cNvSpPr/>
+          <p:nvPr/>
+        </p:nvSpPr>
+        <p:spPr>
+          <a:xfrm>
+            <a:off x="3031629" y="535127"/>
+            <a:ext cx="585066" cy="578952"/>
+          </a:xfrm>
+          <a:prstGeom prst="rect">
+            <a:avLst/>
+          </a:prstGeom>
+          <a:solidFill>
+            <a:schemeClr val="accent1">
+              <a:alpha val="0"/>
+            </a:schemeClr>
+          </a:solidFill>
+          <a:ln>
+            <a:noFill/>
+          </a:ln>
+        </p:spPr>
+        <p:style>
+          <a:lnRef idx="2">
+            <a:schemeClr val="accent1">
+              <a:shade val="50000"/>
+            </a:schemeClr>
+          </a:lnRef>
+          <a:fillRef idx="1">
+            <a:schemeClr val="accent1"/>
+          </a:fillRef>
+          <a:effectRef idx="0">
+            <a:schemeClr val="accent1"/>
+          </a:effectRef>
+          <a:fontRef idx="minor">
+            <a:schemeClr val="lt1"/>
+          </a:fontRef>
+        </p:style>
+        <p:txBody>
+          <a:bodyPr rtlCol="0" anchor="ctr"/>
+          <a:lstStyle/>
+          <a:p>
+            <a:pPr algn="ctr"/>
+            <a:endParaRPr lang="de-DE"/>
+          </a:p>
+        </p:txBody>
+      </p:sp>
+      <p:sp>
+        <p:nvSpPr>
+          <p:cNvPr id="25" name="Ellipse 24"/>
+          <p:cNvSpPr/>
+          <p:nvPr/>
+        </p:nvSpPr>
+        <p:spPr>
+          <a:xfrm>
+            <a:off x="3059832" y="554603"/>
+            <a:ext cx="540000" cy="540000"/>
+          </a:xfrm>
+          <a:prstGeom prst="ellipse">
+            <a:avLst/>
+          </a:prstGeom>
+          <a:noFill/>
+          <a:ln>
+            <a:solidFill>
+              <a:srgbClr val="FFC000"/>
+            </a:solidFill>
+          </a:ln>
+        </p:spPr>
+        <p:style>
+          <a:lnRef idx="2">
+            <a:schemeClr val="accent1">
+              <a:shade val="50000"/>
+            </a:schemeClr>
+          </a:lnRef>
+          <a:fillRef idx="1">
+            <a:schemeClr val="accent1"/>
+          </a:fillRef>
+          <a:effectRef idx="0">
+            <a:schemeClr val="accent1"/>
+          </a:effectRef>
+          <a:fontRef idx="minor">
+            <a:schemeClr val="lt1"/>
+          </a:fontRef>
+        </p:style>
+        <p:txBody>
+          <a:bodyPr rtlCol="0" anchor="ctr"/>
+          <a:lstStyle/>
+          <a:p>
+            <a:pPr algn="ctr"/>
+            <a:endParaRPr lang="de-DE"/>
+          </a:p>
+        </p:txBody>
+      </p:sp>
+      <p:sp>
+        <p:nvSpPr>
+          <p:cNvPr id="26" name="Ellipse 25"/>
+          <p:cNvSpPr/>
+          <p:nvPr/>
+        </p:nvSpPr>
+        <p:spPr>
+          <a:xfrm>
+            <a:off x="3149425" y="644603"/>
+            <a:ext cx="360815" cy="360000"/>
+          </a:xfrm>
+          <a:prstGeom prst="ellipse">
+            <a:avLst/>
+          </a:prstGeom>
+          <a:solidFill>
+            <a:srgbClr val="92D050"/>
+          </a:solidFill>
+          <a:ln>
+            <a:solidFill>
+              <a:srgbClr val="00B050"/>
+            </a:solidFill>
+          </a:ln>
+        </p:spPr>
+        <p:style>
+          <a:lnRef idx="2">
+            <a:schemeClr val="accent1">
+              <a:shade val="50000"/>
+            </a:schemeClr>
+          </a:lnRef>
+          <a:fillRef idx="1">
+            <a:schemeClr val="accent1"/>
+          </a:fillRef>
+          <a:effectRef idx="0">
+            <a:schemeClr val="accent1"/>
+          </a:effectRef>
+          <a:fontRef idx="minor">
+            <a:schemeClr val="lt1"/>
+          </a:fontRef>
+        </p:style>
+        <p:txBody>
+          <a:bodyPr rtlCol="0" anchor="ctr"/>
+          <a:lstStyle/>
+          <a:p>
+            <a:pPr algn="ctr"/>
+            <a:endParaRPr lang="de-DE"/>
+          </a:p>
+        </p:txBody>
+      </p:sp>
+      <p:sp>
+        <p:nvSpPr>
+          <p:cNvPr id="27" name="Rechteck 26"/>
+          <p:cNvSpPr/>
+          <p:nvPr/>
+        </p:nvSpPr>
+        <p:spPr>
+          <a:xfrm>
+            <a:off x="3037299" y="1247003"/>
+            <a:ext cx="585066" cy="578952"/>
+          </a:xfrm>
+          <a:prstGeom prst="rect">
+            <a:avLst/>
+          </a:prstGeom>
+          <a:solidFill>
+            <a:schemeClr val="accent1">
+              <a:alpha val="0"/>
+            </a:schemeClr>
+          </a:solidFill>
+          <a:ln>
+            <a:noFill/>
+          </a:ln>
+        </p:spPr>
+        <p:style>
+          <a:lnRef idx="2">
+            <a:schemeClr val="accent1">
+              <a:shade val="50000"/>
+            </a:schemeClr>
+          </a:lnRef>
+          <a:fillRef idx="1">
+            <a:schemeClr val="accent1"/>
+          </a:fillRef>
+          <a:effectRef idx="0">
+            <a:schemeClr val="accent1"/>
+          </a:effectRef>
+          <a:fontRef idx="minor">
+            <a:schemeClr val="lt1"/>
+          </a:fontRef>
+        </p:style>
+        <p:txBody>
+          <a:bodyPr rtlCol="0" anchor="ctr"/>
+          <a:lstStyle/>
+          <a:p>
+            <a:pPr algn="ctr"/>
+            <a:endParaRPr lang="de-DE"/>
+          </a:p>
+        </p:txBody>
+      </p:sp>
+      <p:sp>
+        <p:nvSpPr>
+          <p:cNvPr id="28" name="Ellipse 27"/>
+          <p:cNvSpPr/>
+          <p:nvPr/>
+        </p:nvSpPr>
+        <p:spPr>
+          <a:xfrm>
+            <a:off x="3095832" y="1302479"/>
+            <a:ext cx="468000" cy="468000"/>
+          </a:xfrm>
+          <a:prstGeom prst="ellipse">
+            <a:avLst/>
+          </a:prstGeom>
+          <a:noFill/>
+          <a:ln>
+            <a:solidFill>
+              <a:srgbClr val="FFC000"/>
+            </a:solidFill>
+          </a:ln>
+        </p:spPr>
+        <p:style>
+          <a:lnRef idx="2">
+            <a:schemeClr val="accent1">
+              <a:shade val="50000"/>
+            </a:schemeClr>
+          </a:lnRef>
+          <a:fillRef idx="1">
+            <a:schemeClr val="accent1"/>
+          </a:fillRef>
+          <a:effectRef idx="0">
+            <a:schemeClr val="accent1"/>
+          </a:effectRef>
+          <a:fontRef idx="minor">
+            <a:schemeClr val="lt1"/>
+          </a:fontRef>
+        </p:style>
+        <p:txBody>
+          <a:bodyPr rtlCol="0" anchor="ctr"/>
+          <a:lstStyle/>
+          <a:p>
+            <a:pPr algn="ctr"/>
+            <a:endParaRPr lang="de-DE"/>
+          </a:p>
+        </p:txBody>
+      </p:sp>
+      <p:sp>
+        <p:nvSpPr>
+          <p:cNvPr id="29" name="Ellipse 28"/>
+          <p:cNvSpPr/>
+          <p:nvPr/>
+        </p:nvSpPr>
+        <p:spPr>
+          <a:xfrm>
+            <a:off x="3185832" y="1392479"/>
+            <a:ext cx="288000" cy="288000"/>
+          </a:xfrm>
+          <a:prstGeom prst="ellipse">
+            <a:avLst/>
+          </a:prstGeom>
+          <a:solidFill>
+            <a:srgbClr val="92D050"/>
+          </a:solidFill>
+          <a:ln>
+            <a:solidFill>
+              <a:srgbClr val="00B050"/>
+            </a:solidFill>
+          </a:ln>
+        </p:spPr>
+        <p:style>
+          <a:lnRef idx="2">
+            <a:schemeClr val="accent1">
+              <a:shade val="50000"/>
+            </a:schemeClr>
+          </a:lnRef>
+          <a:fillRef idx="1">
+            <a:schemeClr val="accent1"/>
+          </a:fillRef>
+          <a:effectRef idx="0">
+            <a:schemeClr val="accent1"/>
+          </a:effectRef>
+          <a:fontRef idx="minor">
+            <a:schemeClr val="lt1"/>
+          </a:fontRef>
+        </p:style>
+        <p:txBody>
+          <a:bodyPr rtlCol="0" anchor="ctr"/>
+          <a:lstStyle/>
+          <a:p>
+            <a:pPr algn="ctr"/>
+            <a:endParaRPr lang="de-DE"/>
+          </a:p>
+        </p:txBody>
+      </p:sp>
+      <p:sp>
+        <p:nvSpPr>
+          <p:cNvPr id="30" name="Rechteck 29"/>
+          <p:cNvSpPr/>
+          <p:nvPr/>
+        </p:nvSpPr>
+        <p:spPr>
+          <a:xfrm>
+            <a:off x="3040901" y="1944849"/>
+            <a:ext cx="585066" cy="578952"/>
+          </a:xfrm>
+          <a:prstGeom prst="rect">
+            <a:avLst/>
+          </a:prstGeom>
+          <a:solidFill>
+            <a:schemeClr val="accent1">
+              <a:alpha val="0"/>
+            </a:schemeClr>
+          </a:solidFill>
+          <a:ln>
+            <a:noFill/>
+          </a:ln>
+        </p:spPr>
+        <p:style>
+          <a:lnRef idx="2">
+            <a:schemeClr val="accent1">
+              <a:shade val="50000"/>
+            </a:schemeClr>
+          </a:lnRef>
+          <a:fillRef idx="1">
+            <a:schemeClr val="accent1"/>
+          </a:fillRef>
+          <a:effectRef idx="0">
+            <a:schemeClr val="accent1"/>
+          </a:effectRef>
+          <a:fontRef idx="minor">
+            <a:schemeClr val="lt1"/>
+          </a:fontRef>
+        </p:style>
+        <p:txBody>
+          <a:bodyPr rtlCol="0" anchor="ctr"/>
+          <a:lstStyle/>
+          <a:p>
+            <a:pPr algn="ctr"/>
+            <a:endParaRPr lang="de-DE"/>
+          </a:p>
+        </p:txBody>
+      </p:sp>
+      <p:sp>
+        <p:nvSpPr>
+          <p:cNvPr id="31" name="Ellipse 30"/>
+          <p:cNvSpPr/>
+          <p:nvPr/>
+        </p:nvSpPr>
+        <p:spPr>
+          <a:xfrm>
+            <a:off x="3135434" y="2036325"/>
+            <a:ext cx="396000" cy="396000"/>
+          </a:xfrm>
+          <a:prstGeom prst="ellipse">
+            <a:avLst/>
+          </a:prstGeom>
+          <a:noFill/>
+          <a:ln>
+            <a:solidFill>
+              <a:srgbClr val="FFC000"/>
+            </a:solidFill>
+          </a:ln>
+        </p:spPr>
+        <p:style>
+          <a:lnRef idx="2">
+            <a:schemeClr val="accent1">
+              <a:shade val="50000"/>
+            </a:schemeClr>
+          </a:lnRef>
+          <a:fillRef idx="1">
+            <a:schemeClr val="accent1"/>
+          </a:fillRef>
+          <a:effectRef idx="0">
+            <a:schemeClr val="accent1"/>
+          </a:effectRef>
+          <a:fontRef idx="minor">
+            <a:schemeClr val="lt1"/>
+          </a:fontRef>
+        </p:style>
+        <p:txBody>
+          <a:bodyPr rtlCol="0" anchor="ctr"/>
+          <a:lstStyle/>
+          <a:p>
+            <a:pPr algn="ctr"/>
+            <a:endParaRPr lang="de-DE"/>
+          </a:p>
+        </p:txBody>
+      </p:sp>
+      <p:sp>
+        <p:nvSpPr>
+          <p:cNvPr id="32" name="Ellipse 31"/>
+          <p:cNvSpPr/>
+          <p:nvPr/>
+        </p:nvSpPr>
+        <p:spPr>
+          <a:xfrm>
+            <a:off x="3221832" y="2126325"/>
+            <a:ext cx="216000" cy="216000"/>
+          </a:xfrm>
+          <a:prstGeom prst="ellipse">
+            <a:avLst/>
+          </a:prstGeom>
+          <a:solidFill>
+            <a:srgbClr val="92D050"/>
+          </a:solidFill>
+          <a:ln>
+            <a:solidFill>
+              <a:srgbClr val="00B050"/>
+            </a:solidFill>
+          </a:ln>
+        </p:spPr>
+        <p:style>
+          <a:lnRef idx="2">
+            <a:schemeClr val="accent1">
+              <a:shade val="50000"/>
+            </a:schemeClr>
+          </a:lnRef>
+          <a:fillRef idx="1">
+            <a:schemeClr val="accent1"/>
+          </a:fillRef>
+          <a:effectRef idx="0">
+            <a:schemeClr val="accent1"/>
+          </a:effectRef>
+          <a:fontRef idx="minor">
+            <a:schemeClr val="lt1"/>
+          </a:fontRef>
+        </p:style>
+        <p:txBody>
+          <a:bodyPr rtlCol="0" anchor="ctr"/>
+          <a:lstStyle/>
+          <a:p>
+            <a:pPr algn="ctr"/>
+            <a:endParaRPr lang="de-DE"/>
+          </a:p>
+        </p:txBody>
+      </p:sp>
+      <p:sp>
+        <p:nvSpPr>
+          <p:cNvPr id="33" name="Rechteck 32"/>
+          <p:cNvSpPr/>
+          <p:nvPr/>
+        </p:nvSpPr>
+        <p:spPr>
+          <a:xfrm>
+            <a:off x="3049983" y="2627312"/>
+            <a:ext cx="585066" cy="578952"/>
+          </a:xfrm>
+          <a:prstGeom prst="rect">
+            <a:avLst/>
+          </a:prstGeom>
+          <a:solidFill>
+            <a:schemeClr val="accent1">
+              <a:alpha val="0"/>
+            </a:schemeClr>
+          </a:solidFill>
+          <a:ln>
+            <a:noFill/>
+          </a:ln>
+        </p:spPr>
+        <p:style>
+          <a:lnRef idx="2">
+            <a:schemeClr val="accent1">
+              <a:shade val="50000"/>
+            </a:schemeClr>
+          </a:lnRef>
+          <a:fillRef idx="1">
+            <a:schemeClr val="accent1"/>
+          </a:fillRef>
+          <a:effectRef idx="0">
+            <a:schemeClr val="accent1"/>
+          </a:effectRef>
+          <a:fontRef idx="minor">
+            <a:schemeClr val="lt1"/>
+          </a:fontRef>
+        </p:style>
+        <p:txBody>
+          <a:bodyPr rtlCol="0" anchor="ctr"/>
+          <a:lstStyle/>
+          <a:p>
+            <a:pPr algn="ctr"/>
+            <a:endParaRPr lang="de-DE"/>
+          </a:p>
+        </p:txBody>
+      </p:sp>
+      <p:sp>
+        <p:nvSpPr>
+          <p:cNvPr id="34" name="Ellipse 33"/>
+          <p:cNvSpPr/>
+          <p:nvPr/>
+        </p:nvSpPr>
+        <p:spPr>
+          <a:xfrm>
+            <a:off x="3179262" y="2754788"/>
+            <a:ext cx="324000" cy="324000"/>
+          </a:xfrm>
+          <a:prstGeom prst="ellipse">
+            <a:avLst/>
+          </a:prstGeom>
+          <a:noFill/>
+          <a:ln>
+            <a:solidFill>
+              <a:srgbClr val="FFC000"/>
+            </a:solidFill>
+          </a:ln>
+        </p:spPr>
+        <p:style>
+          <a:lnRef idx="2">
+            <a:schemeClr val="accent1">
+              <a:shade val="50000"/>
+            </a:schemeClr>
+          </a:lnRef>
+          <a:fillRef idx="1">
+            <a:schemeClr val="accent1"/>
+          </a:fillRef>
+          <a:effectRef idx="0">
+            <a:schemeClr val="accent1"/>
+          </a:effectRef>
+          <a:fontRef idx="minor">
+            <a:schemeClr val="lt1"/>
+          </a:fontRef>
+        </p:style>
+        <p:txBody>
+          <a:bodyPr rtlCol="0" anchor="ctr"/>
+          <a:lstStyle/>
+          <a:p>
+            <a:pPr algn="ctr"/>
+            <a:endParaRPr lang="de-DE"/>
+          </a:p>
+        </p:txBody>
+      </p:sp>
+      <p:sp>
+        <p:nvSpPr>
+          <p:cNvPr id="35" name="Ellipse 34"/>
+          <p:cNvSpPr/>
+          <p:nvPr/>
+        </p:nvSpPr>
+        <p:spPr>
+          <a:xfrm>
+            <a:off x="3269262" y="2844788"/>
+            <a:ext cx="144000" cy="144000"/>
+          </a:xfrm>
+          <a:prstGeom prst="ellipse">
+            <a:avLst/>
+          </a:prstGeom>
+          <a:solidFill>
+            <a:srgbClr val="92D050"/>
+          </a:solidFill>
+          <a:ln>
+            <a:solidFill>
+              <a:srgbClr val="00B050"/>
+            </a:solidFill>
+          </a:ln>
+        </p:spPr>
+        <p:style>
+          <a:lnRef idx="2">
+            <a:schemeClr val="accent1">
+              <a:shade val="50000"/>
+            </a:schemeClr>
+          </a:lnRef>
+          <a:fillRef idx="1">
+            <a:schemeClr val="accent1"/>
+          </a:fillRef>
+          <a:effectRef idx="0">
+            <a:schemeClr val="accent1"/>
+          </a:effectRef>
+          <a:fontRef idx="minor">
+            <a:schemeClr val="lt1"/>
+          </a:fontRef>
+        </p:style>
+        <p:txBody>
+          <a:bodyPr rtlCol="0" anchor="ctr"/>
+          <a:lstStyle/>
+          <a:p>
+            <a:pPr algn="ctr"/>
+            <a:endParaRPr lang="de-DE"/>
+          </a:p>
+        </p:txBody>
+      </p:sp>
+      <p:sp>
+        <p:nvSpPr>
+          <p:cNvPr id="36" name="Rechteck 35"/>
+          <p:cNvSpPr/>
+          <p:nvPr/>
+        </p:nvSpPr>
+        <p:spPr>
+          <a:xfrm>
+            <a:off x="5099209" y="1689209"/>
+            <a:ext cx="68955" cy="70522"/>
+          </a:xfrm>
+          <a:prstGeom prst="rect">
+            <a:avLst/>
+          </a:prstGeom>
+          <a:solidFill>
+            <a:srgbClr val="FF0000"/>
+          </a:solidFill>
+          <a:ln>
+            <a:solidFill>
+              <a:schemeClr val="tx1">
+                <a:lumMod val="75000"/>
+                <a:lumOff val="25000"/>
+              </a:schemeClr>
+            </a:solidFill>
+          </a:ln>
+        </p:spPr>
+        <p:style>
+          <a:lnRef idx="2">
+            <a:schemeClr val="accent1">
+              <a:shade val="50000"/>
+            </a:schemeClr>
+          </a:lnRef>
+          <a:fillRef idx="1">
+            <a:schemeClr val="accent1"/>
+          </a:fillRef>
+          <a:effectRef idx="0">
+            <a:schemeClr val="accent1"/>
+          </a:effectRef>
+          <a:fontRef idx="minor">
+            <a:schemeClr val="lt1"/>
+          </a:fontRef>
+        </p:style>
+        <p:txBody>
+          <a:bodyPr rtlCol="0" anchor="ctr"/>
+          <a:lstStyle/>
+          <a:p>
+            <a:pPr algn="ctr"/>
+            <a:endParaRPr lang="de-DE"/>
+          </a:p>
+        </p:txBody>
+      </p:sp>
+      <p:sp>
+        <p:nvSpPr>
+          <p:cNvPr id="37" name="Gleichschenkliges Dreieck 36"/>
+          <p:cNvSpPr/>
+          <p:nvPr/>
+        </p:nvSpPr>
+        <p:spPr>
+          <a:xfrm>
+            <a:off x="5099209" y="1574151"/>
+            <a:ext cx="68955" cy="113572"/>
+          </a:xfrm>
+          <a:prstGeom prst="triangle">
+            <a:avLst/>
+          </a:prstGeom>
+          <a:solidFill>
+            <a:schemeClr val="bg1"/>
+          </a:solidFill>
+          <a:ln>
+            <a:solidFill>
+              <a:schemeClr val="tx1">
+                <a:lumMod val="75000"/>
+                <a:lumOff val="25000"/>
+              </a:schemeClr>
+            </a:solidFill>
+          </a:ln>
+        </p:spPr>
+        <p:style>
+          <a:lnRef idx="2">
+            <a:schemeClr val="accent1">
+              <a:shade val="50000"/>
+            </a:schemeClr>
+          </a:lnRef>
+          <a:fillRef idx="1">
+            <a:schemeClr val="accent1"/>
+          </a:fillRef>
+          <a:effectRef idx="0">
+            <a:schemeClr val="accent1"/>
+          </a:effectRef>
+          <a:fontRef idx="minor">
+            <a:schemeClr val="lt1"/>
+          </a:fontRef>
+        </p:style>
+        <p:txBody>
+          <a:bodyPr rtlCol="0" anchor="ctr"/>
+          <a:lstStyle/>
+          <a:p>
+            <a:pPr algn="ctr"/>
+            <a:endParaRPr lang="de-DE"/>
+          </a:p>
+        </p:txBody>
+      </p:sp>
+      <p:sp>
+        <p:nvSpPr>
+          <p:cNvPr id="38" name="Rechteck 37"/>
+          <p:cNvSpPr/>
+          <p:nvPr/>
+        </p:nvSpPr>
+        <p:spPr>
+          <a:xfrm>
+            <a:off x="5099207" y="1759731"/>
+            <a:ext cx="68955" cy="72008"/>
+          </a:xfrm>
+          <a:prstGeom prst="rect">
+            <a:avLst/>
+          </a:prstGeom>
+          <a:solidFill>
+            <a:schemeClr val="bg1"/>
+          </a:solidFill>
+          <a:ln>
+            <a:solidFill>
+              <a:schemeClr val="tx1">
+                <a:lumMod val="75000"/>
+                <a:lumOff val="25000"/>
+              </a:schemeClr>
+            </a:solidFill>
+          </a:ln>
+        </p:spPr>
+        <p:style>
+          <a:lnRef idx="2">
+            <a:schemeClr val="accent1">
+              <a:shade val="50000"/>
+            </a:schemeClr>
+          </a:lnRef>
+          <a:fillRef idx="1">
+            <a:schemeClr val="accent1"/>
+          </a:fillRef>
+          <a:effectRef idx="0">
+            <a:schemeClr val="accent1"/>
+          </a:effectRef>
+          <a:fontRef idx="minor">
+            <a:schemeClr val="lt1"/>
+          </a:fontRef>
+        </p:style>
+        <p:txBody>
+          <a:bodyPr rtlCol="0" anchor="ctr"/>
+          <a:lstStyle/>
+          <a:p>
+            <a:pPr algn="ctr"/>
+            <a:endParaRPr lang="de-DE"/>
+          </a:p>
+        </p:txBody>
+      </p:sp>
+      <p:cxnSp>
+        <p:nvCxnSpPr>
+          <p:cNvPr id="39" name="Gerade Verbindung 38"/>
+          <p:cNvCxnSpPr/>
+          <p:nvPr/>
+        </p:nvCxnSpPr>
+        <p:spPr>
+          <a:xfrm>
+            <a:off x="5132554" y="1767820"/>
+            <a:ext cx="0" cy="67245"/>
+          </a:xfrm>
+          <a:prstGeom prst="line">
+            <a:avLst/>
+          </a:prstGeom>
+          <a:ln w="12700">
+            <a:solidFill>
+              <a:schemeClr val="tx1">
+                <a:lumMod val="75000"/>
+                <a:lumOff val="25000"/>
+              </a:schemeClr>
+            </a:solidFill>
+          </a:ln>
+        </p:spPr>
+        <p:style>
+          <a:lnRef idx="1">
+            <a:schemeClr val="accent1"/>
+          </a:lnRef>
+          <a:fillRef idx="0">
+            <a:schemeClr val="accent1"/>
+          </a:fillRef>
+          <a:effectRef idx="0">
+            <a:schemeClr val="accent1"/>
+          </a:effectRef>
+          <a:fontRef idx="minor">
+            <a:schemeClr val="tx1"/>
+          </a:fontRef>
+        </p:style>
+      </p:cxnSp>
+      <p:sp>
+        <p:nvSpPr>
+          <p:cNvPr id="40" name="Rechteck 39"/>
+          <p:cNvSpPr/>
+          <p:nvPr/>
+        </p:nvSpPr>
+        <p:spPr>
+          <a:xfrm>
+            <a:off x="5004048" y="1535722"/>
+            <a:ext cx="252415" cy="360040"/>
+          </a:xfrm>
+          <a:prstGeom prst="rect">
+            <a:avLst/>
+          </a:prstGeom>
+          <a:solidFill>
+            <a:schemeClr val="accent1">
+              <a:alpha val="0"/>
+            </a:schemeClr>
+          </a:solidFill>
+          <a:ln>
+            <a:noFill/>
+          </a:ln>
+        </p:spPr>
+        <p:style>
+          <a:lnRef idx="2">
+            <a:schemeClr val="accent1">
+              <a:shade val="50000"/>
+            </a:schemeClr>
+          </a:lnRef>
+          <a:fillRef idx="1">
+            <a:schemeClr val="accent1"/>
+          </a:fillRef>
+          <a:effectRef idx="0">
+            <a:schemeClr val="accent1"/>
+          </a:effectRef>
+          <a:fontRef idx="minor">
+            <a:schemeClr val="lt1"/>
+          </a:fontRef>
+        </p:style>
+        <p:txBody>
+          <a:bodyPr rtlCol="0" anchor="ctr"/>
+          <a:lstStyle/>
+          <a:p>
+            <a:pPr algn="ctr"/>
+            <a:endParaRPr lang="de-DE"/>
+          </a:p>
+        </p:txBody>
+      </p:sp>
+      <p:sp>
+        <p:nvSpPr>
+          <p:cNvPr id="41" name="Rechteck 40"/>
+          <p:cNvSpPr/>
+          <p:nvPr/>
+        </p:nvSpPr>
+        <p:spPr>
+          <a:xfrm>
+            <a:off x="5603265" y="1689966"/>
+            <a:ext cx="68955" cy="70522"/>
+          </a:xfrm>
+          <a:prstGeom prst="rect">
+            <a:avLst/>
+          </a:prstGeom>
+          <a:solidFill>
+            <a:srgbClr val="FF0000"/>
+          </a:solidFill>
+          <a:ln>
+            <a:solidFill>
+              <a:schemeClr val="tx1">
+                <a:lumMod val="50000"/>
+                <a:lumOff val="50000"/>
+              </a:schemeClr>
+            </a:solidFill>
+          </a:ln>
+        </p:spPr>
+        <p:style>
+          <a:lnRef idx="2">
+            <a:schemeClr val="accent1">
+              <a:shade val="50000"/>
+            </a:schemeClr>
+          </a:lnRef>
+          <a:fillRef idx="1">
+            <a:schemeClr val="accent1"/>
+          </a:fillRef>
+          <a:effectRef idx="0">
+            <a:schemeClr val="accent1"/>
+          </a:effectRef>
+          <a:fontRef idx="minor">
+            <a:schemeClr val="lt1"/>
+          </a:fontRef>
+        </p:style>
+        <p:txBody>
+          <a:bodyPr rtlCol="0" anchor="ctr"/>
+          <a:lstStyle/>
+          <a:p>
+            <a:pPr algn="ctr"/>
+            <a:endParaRPr lang="de-DE"/>
+          </a:p>
+        </p:txBody>
+      </p:sp>
+      <p:sp>
+        <p:nvSpPr>
+          <p:cNvPr id="42" name="Gleichschenkliges Dreieck 41"/>
+          <p:cNvSpPr/>
+          <p:nvPr/>
+        </p:nvSpPr>
+        <p:spPr>
+          <a:xfrm>
+            <a:off x="5603265" y="1574908"/>
+            <a:ext cx="68955" cy="113572"/>
+          </a:xfrm>
+          <a:prstGeom prst="triangle">
+            <a:avLst/>
+          </a:prstGeom>
+          <a:solidFill>
+            <a:schemeClr val="bg1"/>
+          </a:solidFill>
+          <a:ln>
+            <a:solidFill>
+              <a:schemeClr val="tx1">
+                <a:lumMod val="50000"/>
+                <a:lumOff val="50000"/>
+              </a:schemeClr>
+            </a:solidFill>
+          </a:ln>
+        </p:spPr>
+        <p:style>
+          <a:lnRef idx="2">
+            <a:schemeClr val="accent1">
+              <a:shade val="50000"/>
+            </a:schemeClr>
+          </a:lnRef>
+          <a:fillRef idx="1">
+            <a:schemeClr val="accent1"/>
+          </a:fillRef>
+          <a:effectRef idx="0">
+            <a:schemeClr val="accent1"/>
+          </a:effectRef>
+          <a:fontRef idx="minor">
+            <a:schemeClr val="lt1"/>
+          </a:fontRef>
+        </p:style>
+        <p:txBody>
+          <a:bodyPr rtlCol="0" anchor="ctr"/>
+          <a:lstStyle/>
+          <a:p>
+            <a:pPr algn="ctr"/>
+            <a:endParaRPr lang="de-DE"/>
+          </a:p>
+        </p:txBody>
+      </p:sp>
+      <p:sp>
+        <p:nvSpPr>
+          <p:cNvPr id="43" name="Rechteck 42"/>
+          <p:cNvSpPr/>
+          <p:nvPr/>
+        </p:nvSpPr>
+        <p:spPr>
+          <a:xfrm>
+            <a:off x="5603263" y="1760488"/>
+            <a:ext cx="68955" cy="72008"/>
+          </a:xfrm>
+          <a:prstGeom prst="rect">
+            <a:avLst/>
+          </a:prstGeom>
+          <a:solidFill>
+            <a:schemeClr val="bg1"/>
+          </a:solidFill>
+          <a:ln>
+            <a:solidFill>
+              <a:schemeClr val="tx1">
+                <a:lumMod val="50000"/>
+                <a:lumOff val="50000"/>
+              </a:schemeClr>
+            </a:solidFill>
+          </a:ln>
+        </p:spPr>
+        <p:style>
+          <a:lnRef idx="2">
+            <a:schemeClr val="accent1">
+              <a:shade val="50000"/>
+            </a:schemeClr>
+          </a:lnRef>
+          <a:fillRef idx="1">
+            <a:schemeClr val="accent1"/>
+          </a:fillRef>
+          <a:effectRef idx="0">
+            <a:schemeClr val="accent1"/>
+          </a:effectRef>
+          <a:fontRef idx="minor">
+            <a:schemeClr val="lt1"/>
+          </a:fontRef>
+        </p:style>
+        <p:txBody>
+          <a:bodyPr rtlCol="0" anchor="ctr"/>
+          <a:lstStyle/>
+          <a:p>
+            <a:pPr algn="ctr"/>
+            <a:endParaRPr lang="de-DE"/>
+          </a:p>
+        </p:txBody>
+      </p:sp>
+      <p:cxnSp>
+        <p:nvCxnSpPr>
+          <p:cNvPr id="44" name="Gerade Verbindung 43"/>
+          <p:cNvCxnSpPr/>
+          <p:nvPr/>
+        </p:nvCxnSpPr>
+        <p:spPr>
+          <a:xfrm>
+            <a:off x="5636610" y="1768577"/>
+            <a:ext cx="0" cy="67245"/>
+          </a:xfrm>
+          <a:prstGeom prst="line">
+            <a:avLst/>
+          </a:prstGeom>
+          <a:ln w="12700">
+            <a:solidFill>
+              <a:schemeClr val="tx1">
+                <a:lumMod val="50000"/>
+                <a:lumOff val="50000"/>
+              </a:schemeClr>
+            </a:solidFill>
+          </a:ln>
+        </p:spPr>
+        <p:style>
+          <a:lnRef idx="1">
+            <a:schemeClr val="accent1"/>
+          </a:lnRef>
+          <a:fillRef idx="0">
+            <a:schemeClr val="accent1"/>
+          </a:fillRef>
+          <a:effectRef idx="0">
+            <a:schemeClr val="accent1"/>
+          </a:effectRef>
+          <a:fontRef idx="minor">
+            <a:schemeClr val="tx1"/>
+          </a:fontRef>
+        </p:style>
+      </p:cxnSp>
+      <p:sp>
+        <p:nvSpPr>
+          <p:cNvPr id="46" name="Rechteck 45"/>
+          <p:cNvSpPr/>
+          <p:nvPr/>
+        </p:nvSpPr>
+        <p:spPr>
+          <a:xfrm>
+            <a:off x="6254404" y="3751572"/>
+            <a:ext cx="585066" cy="578952"/>
+          </a:xfrm>
+          <a:prstGeom prst="rect">
+            <a:avLst/>
+          </a:prstGeom>
+          <a:solidFill>
+            <a:schemeClr val="accent1">
+              <a:alpha val="0"/>
+            </a:schemeClr>
+          </a:solidFill>
+          <a:ln>
+            <a:noFill/>
+          </a:ln>
+        </p:spPr>
+        <p:style>
+          <a:lnRef idx="2">
+            <a:schemeClr val="accent1">
+              <a:shade val="50000"/>
+            </a:schemeClr>
+          </a:lnRef>
+          <a:fillRef idx="1">
+            <a:schemeClr val="accent1"/>
+          </a:fillRef>
+          <a:effectRef idx="0">
+            <a:schemeClr val="accent1"/>
+          </a:effectRef>
+          <a:fontRef idx="minor">
+            <a:schemeClr val="lt1"/>
+          </a:fontRef>
+        </p:style>
+        <p:txBody>
+          <a:bodyPr rtlCol="0" anchor="ctr"/>
+          <a:lstStyle/>
+          <a:p>
+            <a:pPr algn="ctr"/>
+            <a:endParaRPr lang="de-DE"/>
+          </a:p>
+        </p:txBody>
+      </p:sp>
+      <p:sp>
+        <p:nvSpPr>
+          <p:cNvPr id="47" name="Ellipse 46"/>
+          <p:cNvSpPr/>
+          <p:nvPr/>
+        </p:nvSpPr>
+        <p:spPr>
+          <a:xfrm>
+            <a:off x="6282607" y="3771048"/>
+            <a:ext cx="540000" cy="540000"/>
+          </a:xfrm>
+          <a:prstGeom prst="ellipse">
+            <a:avLst/>
+          </a:prstGeom>
+          <a:noFill/>
+          <a:ln>
+            <a:solidFill>
+              <a:srgbClr val="FF0000">
+                <a:alpha val="15000"/>
+              </a:srgbClr>
+            </a:solidFill>
+          </a:ln>
+        </p:spPr>
+        <p:style>
+          <a:lnRef idx="2">
+            <a:schemeClr val="accent1">
+              <a:shade val="50000"/>
+            </a:schemeClr>
+          </a:lnRef>
+          <a:fillRef idx="1">
+            <a:schemeClr val="accent1"/>
+          </a:fillRef>
+          <a:effectRef idx="0">
+            <a:schemeClr val="accent1"/>
+          </a:effectRef>
+          <a:fontRef idx="minor">
+            <a:schemeClr val="lt1"/>
+          </a:fontRef>
+        </p:style>
+        <p:txBody>
+          <a:bodyPr rtlCol="0" anchor="ctr"/>
+          <a:lstStyle/>
+          <a:p>
+            <a:pPr algn="ctr"/>
+            <a:endParaRPr lang="de-DE"/>
+          </a:p>
+        </p:txBody>
+      </p:sp>
+      <p:sp>
+        <p:nvSpPr>
+          <p:cNvPr id="48" name="Ellipse 47"/>
+          <p:cNvSpPr/>
+          <p:nvPr/>
+        </p:nvSpPr>
+        <p:spPr>
+          <a:xfrm>
+            <a:off x="6372200" y="3861048"/>
+            <a:ext cx="360815" cy="360000"/>
+          </a:xfrm>
+          <a:prstGeom prst="ellipse">
+            <a:avLst/>
+          </a:prstGeom>
+          <a:solidFill>
+            <a:srgbClr val="7030A0"/>
+          </a:solidFill>
+          <a:ln>
+            <a:solidFill>
+              <a:srgbClr val="002060"/>
+            </a:solidFill>
+          </a:ln>
+        </p:spPr>
+        <p:style>
+          <a:lnRef idx="2">
+            <a:schemeClr val="accent1">
+              <a:shade val="50000"/>
+            </a:schemeClr>
+          </a:lnRef>
+          <a:fillRef idx="1">
+            <a:schemeClr val="accent1"/>
+          </a:fillRef>
+          <a:effectRef idx="0">
+            <a:schemeClr val="accent1"/>
+          </a:effectRef>
+          <a:fontRef idx="minor">
+            <a:schemeClr val="lt1"/>
+          </a:fontRef>
+        </p:style>
+        <p:txBody>
+          <a:bodyPr rtlCol="0" anchor="ctr"/>
+          <a:lstStyle/>
+          <a:p>
+            <a:pPr algn="ctr"/>
+            <a:endParaRPr lang="de-DE"/>
+          </a:p>
+        </p:txBody>
+      </p:sp>
+      <p:sp>
+        <p:nvSpPr>
+          <p:cNvPr id="49" name="Rechteck 48"/>
+          <p:cNvSpPr/>
+          <p:nvPr/>
+        </p:nvSpPr>
+        <p:spPr>
+          <a:xfrm>
+            <a:off x="7190508" y="3769856"/>
+            <a:ext cx="585066" cy="578952"/>
+          </a:xfrm>
+          <a:prstGeom prst="rect">
+            <a:avLst/>
+          </a:prstGeom>
+          <a:solidFill>
+            <a:schemeClr val="accent1">
+              <a:alpha val="0"/>
+            </a:schemeClr>
+          </a:solidFill>
+          <a:ln>
+            <a:noFill/>
+          </a:ln>
+        </p:spPr>
+        <p:style>
+          <a:lnRef idx="2">
+            <a:schemeClr val="accent1">
+              <a:shade val="50000"/>
+            </a:schemeClr>
+          </a:lnRef>
+          <a:fillRef idx="1">
+            <a:schemeClr val="accent1"/>
+          </a:fillRef>
+          <a:effectRef idx="0">
+            <a:schemeClr val="accent1"/>
+          </a:effectRef>
+          <a:fontRef idx="minor">
+            <a:schemeClr val="lt1"/>
+          </a:fontRef>
+        </p:style>
+        <p:txBody>
+          <a:bodyPr rtlCol="0" anchor="ctr"/>
+          <a:lstStyle/>
+          <a:p>
+            <a:pPr algn="ctr"/>
+            <a:endParaRPr lang="de-DE"/>
+          </a:p>
+        </p:txBody>
+      </p:sp>
+      <p:sp>
+        <p:nvSpPr>
+          <p:cNvPr id="50" name="Ellipse 49"/>
+          <p:cNvSpPr/>
+          <p:nvPr/>
+        </p:nvSpPr>
+        <p:spPr>
+          <a:xfrm>
+            <a:off x="7236352" y="3802032"/>
+            <a:ext cx="504000" cy="504000"/>
+          </a:xfrm>
+          <a:prstGeom prst="ellipse">
+            <a:avLst/>
+          </a:prstGeom>
+          <a:noFill/>
+          <a:ln>
+            <a:solidFill>
+              <a:srgbClr val="FF0000">
+                <a:alpha val="30000"/>
+              </a:srgbClr>
+            </a:solidFill>
+          </a:ln>
+        </p:spPr>
+        <p:style>
+          <a:lnRef idx="2">
+            <a:schemeClr val="accent1">
+              <a:shade val="50000"/>
+            </a:schemeClr>
+          </a:lnRef>
+          <a:fillRef idx="1">
+            <a:schemeClr val="accent1"/>
+          </a:fillRef>
+          <a:effectRef idx="0">
+            <a:schemeClr val="accent1"/>
+          </a:effectRef>
+          <a:fontRef idx="minor">
+            <a:schemeClr val="lt1"/>
+          </a:fontRef>
+        </p:style>
+        <p:txBody>
+          <a:bodyPr rtlCol="0" anchor="ctr"/>
+          <a:lstStyle/>
+          <a:p>
+            <a:pPr algn="ctr"/>
+            <a:endParaRPr lang="de-DE"/>
+          </a:p>
+        </p:txBody>
+      </p:sp>
+      <p:sp>
+        <p:nvSpPr>
+          <p:cNvPr id="51" name="Ellipse 50"/>
+          <p:cNvSpPr/>
+          <p:nvPr/>
+        </p:nvSpPr>
+        <p:spPr>
+          <a:xfrm>
+            <a:off x="7308304" y="3879332"/>
+            <a:ext cx="360815" cy="360000"/>
+          </a:xfrm>
+          <a:prstGeom prst="ellipse">
+            <a:avLst/>
+          </a:prstGeom>
+          <a:solidFill>
+            <a:srgbClr val="7030A0"/>
+          </a:solidFill>
+          <a:ln>
+            <a:solidFill>
+              <a:srgbClr val="002060"/>
+            </a:solidFill>
+          </a:ln>
+        </p:spPr>
+        <p:style>
+          <a:lnRef idx="2">
+            <a:schemeClr val="accent1">
+              <a:shade val="50000"/>
+            </a:schemeClr>
+          </a:lnRef>
+          <a:fillRef idx="1">
+            <a:schemeClr val="accent1"/>
+          </a:fillRef>
+          <a:effectRef idx="0">
+            <a:schemeClr val="accent1"/>
+          </a:effectRef>
+          <a:fontRef idx="minor">
+            <a:schemeClr val="lt1"/>
+          </a:fontRef>
+        </p:style>
+        <p:txBody>
+          <a:bodyPr rtlCol="0" anchor="ctr"/>
+          <a:lstStyle/>
+          <a:p>
+            <a:pPr algn="ctr"/>
+            <a:endParaRPr lang="de-DE" dirty="0"/>
+          </a:p>
+        </p:txBody>
+      </p:sp>
+      <p:sp>
+        <p:nvSpPr>
+          <p:cNvPr id="52" name="Rechteck 51"/>
+          <p:cNvSpPr/>
+          <p:nvPr/>
+        </p:nvSpPr>
+        <p:spPr>
+          <a:xfrm>
+            <a:off x="7982596" y="3779164"/>
+            <a:ext cx="585066" cy="578952"/>
+          </a:xfrm>
+          <a:prstGeom prst="rect">
+            <a:avLst/>
+          </a:prstGeom>
+          <a:solidFill>
+            <a:schemeClr val="accent1">
+              <a:alpha val="0"/>
+            </a:schemeClr>
+          </a:solidFill>
+          <a:ln>
+            <a:noFill/>
+          </a:ln>
+        </p:spPr>
+        <p:style>
+          <a:lnRef idx="2">
+            <a:schemeClr val="accent1">
+              <a:shade val="50000"/>
+            </a:schemeClr>
+          </a:lnRef>
+          <a:fillRef idx="1">
+            <a:schemeClr val="accent1"/>
+          </a:fillRef>
+          <a:effectRef idx="0">
+            <a:schemeClr val="accent1"/>
+          </a:effectRef>
+          <a:fontRef idx="minor">
+            <a:schemeClr val="lt1"/>
+          </a:fontRef>
+        </p:style>
+        <p:txBody>
+          <a:bodyPr rtlCol="0" anchor="ctr"/>
+          <a:lstStyle/>
+          <a:p>
+            <a:pPr algn="ctr"/>
+            <a:endParaRPr lang="de-DE"/>
+          </a:p>
+        </p:txBody>
+      </p:sp>
+      <p:sp>
+        <p:nvSpPr>
+          <p:cNvPr id="53" name="Ellipse 52"/>
+          <p:cNvSpPr/>
+          <p:nvPr/>
+        </p:nvSpPr>
+        <p:spPr>
+          <a:xfrm>
+            <a:off x="8046220" y="3829120"/>
+            <a:ext cx="468000" cy="468000"/>
+          </a:xfrm>
+          <a:prstGeom prst="ellipse">
+            <a:avLst/>
+          </a:prstGeom>
+          <a:noFill/>
+          <a:ln>
+            <a:solidFill>
+              <a:srgbClr val="FF0000">
+                <a:alpha val="45000"/>
+              </a:srgbClr>
+            </a:solidFill>
+          </a:ln>
+        </p:spPr>
+        <p:style>
+          <a:lnRef idx="2">
+            <a:schemeClr val="accent1">
+              <a:shade val="50000"/>
+            </a:schemeClr>
+          </a:lnRef>
+          <a:fillRef idx="1">
+            <a:schemeClr val="accent1"/>
+          </a:fillRef>
+          <a:effectRef idx="0">
+            <a:schemeClr val="accent1"/>
+          </a:effectRef>
+          <a:fontRef idx="minor">
+            <a:schemeClr val="lt1"/>
+          </a:fontRef>
+        </p:style>
+        <p:txBody>
+          <a:bodyPr rtlCol="0" anchor="ctr"/>
+          <a:lstStyle/>
+          <a:p>
+            <a:pPr algn="ctr"/>
+            <a:endParaRPr lang="de-DE"/>
+          </a:p>
+        </p:txBody>
+      </p:sp>
+      <p:sp>
+        <p:nvSpPr>
+          <p:cNvPr id="54" name="Ellipse 53"/>
+          <p:cNvSpPr/>
+          <p:nvPr/>
+        </p:nvSpPr>
+        <p:spPr>
+          <a:xfrm>
+            <a:off x="8100392" y="3888640"/>
+            <a:ext cx="360815" cy="360000"/>
+          </a:xfrm>
+          <a:prstGeom prst="ellipse">
+            <a:avLst/>
+          </a:prstGeom>
+          <a:solidFill>
+            <a:srgbClr val="7030A0"/>
+          </a:solidFill>
+          <a:ln>
+            <a:solidFill>
+              <a:srgbClr val="002060"/>
+            </a:solidFill>
+          </a:ln>
+        </p:spPr>
+        <p:style>
+          <a:lnRef idx="2">
+            <a:schemeClr val="accent1">
+              <a:shade val="50000"/>
+            </a:schemeClr>
+          </a:lnRef>
+          <a:fillRef idx="1">
+            <a:schemeClr val="accent1"/>
+          </a:fillRef>
+          <a:effectRef idx="0">
+            <a:schemeClr val="accent1"/>
+          </a:effectRef>
+          <a:fontRef idx="minor">
+            <a:schemeClr val="lt1"/>
+          </a:fontRef>
+        </p:style>
+        <p:txBody>
+          <a:bodyPr rtlCol="0" anchor="ctr"/>
+          <a:lstStyle/>
+          <a:p>
+            <a:pPr algn="ctr"/>
+            <a:endParaRPr lang="de-DE" dirty="0"/>
+          </a:p>
+        </p:txBody>
+      </p:sp>
+      <p:sp>
+        <p:nvSpPr>
+          <p:cNvPr id="55" name="Rechteck 54"/>
+          <p:cNvSpPr/>
+          <p:nvPr/>
+        </p:nvSpPr>
+        <p:spPr>
+          <a:xfrm>
+            <a:off x="6254404" y="4471652"/>
+            <a:ext cx="585066" cy="578952"/>
+          </a:xfrm>
+          <a:prstGeom prst="rect">
+            <a:avLst/>
+          </a:prstGeom>
+          <a:solidFill>
+            <a:schemeClr val="accent1">
+              <a:alpha val="0"/>
+            </a:schemeClr>
+          </a:solidFill>
+          <a:ln>
+            <a:noFill/>
+          </a:ln>
+        </p:spPr>
+        <p:style>
+          <a:lnRef idx="2">
+            <a:schemeClr val="accent1">
+              <a:shade val="50000"/>
+            </a:schemeClr>
+          </a:lnRef>
+          <a:fillRef idx="1">
+            <a:schemeClr val="accent1"/>
+          </a:fillRef>
+          <a:effectRef idx="0">
+            <a:schemeClr val="accent1"/>
+          </a:effectRef>
+          <a:fontRef idx="minor">
+            <a:schemeClr val="lt1"/>
+          </a:fontRef>
+        </p:style>
+        <p:txBody>
+          <a:bodyPr rtlCol="0" anchor="ctr"/>
+          <a:lstStyle/>
+          <a:p>
+            <a:pPr algn="ctr"/>
+            <a:endParaRPr lang="de-DE"/>
+          </a:p>
+        </p:txBody>
+      </p:sp>
+      <p:sp>
+        <p:nvSpPr>
+          <p:cNvPr id="56" name="Ellipse 55"/>
+          <p:cNvSpPr/>
+          <p:nvPr/>
+        </p:nvSpPr>
+        <p:spPr>
+          <a:xfrm>
+            <a:off x="6338348" y="4544468"/>
+            <a:ext cx="432000" cy="432000"/>
+          </a:xfrm>
+          <a:prstGeom prst="ellipse">
+            <a:avLst/>
+          </a:prstGeom>
+          <a:noFill/>
+          <a:ln>
+            <a:solidFill>
+              <a:srgbClr val="FF0000">
+                <a:alpha val="60000"/>
+              </a:srgbClr>
+            </a:solidFill>
+          </a:ln>
+        </p:spPr>
+        <p:style>
+          <a:lnRef idx="2">
+            <a:schemeClr val="accent1">
+              <a:shade val="50000"/>
+            </a:schemeClr>
+          </a:lnRef>
+          <a:fillRef idx="1">
+            <a:schemeClr val="accent1"/>
+          </a:fillRef>
+          <a:effectRef idx="0">
+            <a:schemeClr val="accent1"/>
+          </a:effectRef>
+          <a:fontRef idx="minor">
+            <a:schemeClr val="lt1"/>
+          </a:fontRef>
+        </p:style>
+        <p:txBody>
+          <a:bodyPr rtlCol="0" anchor="ctr"/>
+          <a:lstStyle/>
+          <a:p>
+            <a:pPr algn="ctr"/>
+            <a:endParaRPr lang="de-DE"/>
+          </a:p>
+        </p:txBody>
+      </p:sp>
+      <p:sp>
+        <p:nvSpPr>
+          <p:cNvPr id="57" name="Ellipse 56"/>
+          <p:cNvSpPr/>
+          <p:nvPr/>
+        </p:nvSpPr>
+        <p:spPr>
+          <a:xfrm>
+            <a:off x="6372200" y="4581128"/>
+            <a:ext cx="360815" cy="360000"/>
+          </a:xfrm>
+          <a:prstGeom prst="ellipse">
+            <a:avLst/>
+          </a:prstGeom>
+          <a:solidFill>
+            <a:srgbClr val="7030A0"/>
+          </a:solidFill>
+          <a:ln>
+            <a:solidFill>
+              <a:srgbClr val="002060"/>
+            </a:solidFill>
+          </a:ln>
+        </p:spPr>
+        <p:style>
+          <a:lnRef idx="2">
+            <a:schemeClr val="accent1">
+              <a:shade val="50000"/>
+            </a:schemeClr>
+          </a:lnRef>
+          <a:fillRef idx="1">
+            <a:schemeClr val="accent1"/>
+          </a:fillRef>
+          <a:effectRef idx="0">
+            <a:schemeClr val="accent1"/>
+          </a:effectRef>
+          <a:fontRef idx="minor">
+            <a:schemeClr val="lt1"/>
+          </a:fontRef>
+        </p:style>
+        <p:txBody>
+          <a:bodyPr rtlCol="0" anchor="ctr"/>
+          <a:lstStyle/>
+          <a:p>
+            <a:pPr algn="ctr"/>
+            <a:endParaRPr lang="de-DE" dirty="0"/>
+          </a:p>
+        </p:txBody>
+      </p:sp>
+      <p:sp>
+        <p:nvSpPr>
+          <p:cNvPr id="58" name="Rechteck 57"/>
+          <p:cNvSpPr/>
+          <p:nvPr/>
+        </p:nvSpPr>
+        <p:spPr>
+          <a:xfrm>
+            <a:off x="7261741" y="4484960"/>
+            <a:ext cx="585066" cy="578952"/>
+          </a:xfrm>
+          <a:prstGeom prst="rect">
+            <a:avLst/>
+          </a:prstGeom>
+          <a:solidFill>
+            <a:schemeClr val="accent1">
+              <a:alpha val="0"/>
+            </a:schemeClr>
+          </a:solidFill>
+          <a:ln>
+            <a:noFill/>
+          </a:ln>
+        </p:spPr>
+        <p:style>
+          <a:lnRef idx="2">
+            <a:schemeClr val="accent1">
+              <a:shade val="50000"/>
+            </a:schemeClr>
+          </a:lnRef>
+          <a:fillRef idx="1">
+            <a:schemeClr val="accent1"/>
+          </a:fillRef>
+          <a:effectRef idx="0">
+            <a:schemeClr val="accent1"/>
+          </a:effectRef>
+          <a:fontRef idx="minor">
+            <a:schemeClr val="lt1"/>
+          </a:fontRef>
+        </p:style>
+        <p:txBody>
+          <a:bodyPr rtlCol="0" anchor="ctr"/>
+          <a:lstStyle/>
+          <a:p>
+            <a:pPr algn="ctr"/>
+            <a:endParaRPr lang="de-DE"/>
+          </a:p>
+        </p:txBody>
+      </p:sp>
+      <p:sp>
+        <p:nvSpPr>
+          <p:cNvPr id="59" name="Ellipse 58"/>
+          <p:cNvSpPr/>
+          <p:nvPr/>
+        </p:nvSpPr>
+        <p:spPr>
+          <a:xfrm>
+            <a:off x="7358385" y="4578096"/>
+            <a:ext cx="396000" cy="396000"/>
+          </a:xfrm>
+          <a:prstGeom prst="ellipse">
+            <a:avLst/>
+          </a:prstGeom>
+          <a:noFill/>
+          <a:ln>
+            <a:solidFill>
+              <a:srgbClr val="FF0000"/>
+            </a:solidFill>
+          </a:ln>
+        </p:spPr>
+        <p:style>
+          <a:lnRef idx="2">
+            <a:schemeClr val="accent1">
+              <a:shade val="50000"/>
+            </a:schemeClr>
+          </a:lnRef>
+          <a:fillRef idx="1">
+            <a:schemeClr val="accent1"/>
+          </a:fillRef>
+          <a:effectRef idx="0">
+            <a:schemeClr val="accent1"/>
+          </a:effectRef>
+          <a:fontRef idx="minor">
+            <a:schemeClr val="lt1"/>
+          </a:fontRef>
+        </p:style>
+        <p:txBody>
+          <a:bodyPr rtlCol="0" anchor="ctr"/>
+          <a:lstStyle/>
+          <a:p>
+            <a:pPr algn="ctr"/>
+            <a:endParaRPr lang="de-DE"/>
+          </a:p>
+        </p:txBody>
+      </p:sp>
+      <p:sp>
+        <p:nvSpPr>
+          <p:cNvPr id="60" name="Ellipse 59"/>
+          <p:cNvSpPr/>
+          <p:nvPr/>
+        </p:nvSpPr>
+        <p:spPr>
+          <a:xfrm>
+            <a:off x="7379537" y="4594436"/>
+            <a:ext cx="360815" cy="360000"/>
+          </a:xfrm>
+          <a:prstGeom prst="ellipse">
+            <a:avLst/>
+          </a:prstGeom>
+          <a:solidFill>
+            <a:srgbClr val="7030A0"/>
+          </a:solidFill>
+          <a:ln>
+            <a:solidFill>
+              <a:srgbClr val="002060"/>
+            </a:solidFill>
+          </a:ln>
+        </p:spPr>
+        <p:style>
+          <a:lnRef idx="2">
+            <a:schemeClr val="accent1">
+              <a:shade val="50000"/>
+            </a:schemeClr>
+          </a:lnRef>
+          <a:fillRef idx="1">
+            <a:schemeClr val="accent1"/>
+          </a:fillRef>
+          <a:effectRef idx="0">
+            <a:schemeClr val="accent1"/>
+          </a:effectRef>
+          <a:fontRef idx="minor">
+            <a:schemeClr val="lt1"/>
+          </a:fontRef>
+        </p:style>
+        <p:txBody>
+          <a:bodyPr rtlCol="0" anchor="ctr"/>
+          <a:lstStyle/>
+          <a:p>
+            <a:pPr algn="ctr"/>
+            <a:endParaRPr lang="de-DE" dirty="0"/>
+          </a:p>
+        </p:txBody>
+      </p:sp>
+    </p:spTree>
+    <p:extLst>
+      <p:ext uri="{BB962C8B-B14F-4D97-AF65-F5344CB8AC3E}">
+        <p14:creationId xmlns:p14="http://schemas.microsoft.com/office/powerpoint/2010/main" val="3984374364"/>
+      </p:ext>
+    </p:extLst>
+  </p:cSld>
+  <p:clrMapOvr>
+    <a:masterClrMapping/>
+  </p:clrMapOvr>
+</p:sld>
+</file>
+
+<file path=ppt/slides/slide3.xml><?xml version="1.0" encoding="utf-8"?>
+<p:sld xmlns:a="http://schemas.openxmlformats.org/drawingml/2006/main" xmlns:r="http://schemas.openxmlformats.org/officeDocument/2006/relationships" xmlns:p="http://schemas.openxmlformats.org/presentationml/2006/main">
+  <p:cSld>
+    <p:spTree>
+      <p:nvGrpSpPr>
+        <p:cNvPr id="1" name=""/>
+        <p:cNvGrpSpPr/>
+        <p:nvPr/>
+      </p:nvGrpSpPr>
+      <p:grpSpPr>
+        <a:xfrm>
+          <a:off x="0" y="0"/>
+          <a:ext cx="0" cy="0"/>
+          <a:chOff x="0" y="0"/>
+          <a:chExt cx="0" cy="0"/>
+        </a:xfrm>
+      </p:grpSpPr>
+      <p:pic>
+        <p:nvPicPr>
+          <p:cNvPr id="1026" name="Picture 2" descr="C:\Users\david\Downloads\horizon-972_1280.jpg"/>
+          <p:cNvPicPr>
+            <a:picLocks noChangeAspect="1" noChangeArrowheads="1"/>
+          </p:cNvPicPr>
+          <p:nvPr/>
+        </p:nvPicPr>
+        <p:blipFill rotWithShape="1">
+          <a:blip r:embed="rId2">
+            <a:extLst>
+              <a:ext uri="{28A0092B-C50C-407E-A947-70E740481C1C}">
+                <a14:useLocalDpi xmlns:a14="http://schemas.microsoft.com/office/drawing/2010/main" val="0"/>
+              </a:ext>
+            </a:extLst>
+          </a:blip>
+          <a:srcRect b="3428"/>
+          <a:stretch/>
+        </p:blipFill>
+        <p:spPr bwMode="auto">
+          <a:xfrm>
+            <a:off x="-1" y="0"/>
+            <a:ext cx="10400231" cy="6858000"/>
+          </a:xfrm>
+          <a:prstGeom prst="rect">
+            <a:avLst/>
+          </a:prstGeom>
+          <a:noFill/>
+          <a:extLst>
+            <a:ext uri="{909E8E84-426E-40DD-AFC4-6F175D3DCCD1}">
+              <a14:hiddenFill xmlns:a14="http://schemas.microsoft.com/office/drawing/2010/main">
+                <a:solidFill>
+                  <a:srgbClr val="FFFFFF"/>
+                </a:solidFill>
+              </a14:hiddenFill>
+            </a:ext>
+          </a:extLst>
+        </p:spPr>
+      </p:pic>
+      <p:sp>
+        <p:nvSpPr>
+          <p:cNvPr id="4" name="Rechteck 3"/>
+          <p:cNvSpPr/>
+          <p:nvPr/>
+        </p:nvSpPr>
+        <p:spPr>
+          <a:xfrm>
+            <a:off x="-1" y="0"/>
+            <a:ext cx="10400230" cy="6858000"/>
+          </a:xfrm>
+          <a:prstGeom prst="rect">
+            <a:avLst/>
+          </a:prstGeom>
+          <a:solidFill>
+            <a:schemeClr val="tx1">
+              <a:alpha val="50000"/>
+            </a:schemeClr>
+          </a:solidFill>
+          <a:ln>
+            <a:noFill/>
+          </a:ln>
+        </p:spPr>
+        <p:style>
+          <a:lnRef idx="2">
+            <a:schemeClr val="accent1">
+              <a:shade val="50000"/>
+            </a:schemeClr>
+          </a:lnRef>
+          <a:fillRef idx="1">
+            <a:schemeClr val="accent1"/>
+          </a:fillRef>
+          <a:effectRef idx="0">
+            <a:schemeClr val="accent1"/>
+          </a:effectRef>
+          <a:fontRef idx="minor">
+            <a:schemeClr val="lt1"/>
+          </a:fontRef>
+        </p:style>
+        <p:txBody>
+          <a:bodyPr rtlCol="0" anchor="ctr"/>
+          <a:lstStyle/>
+          <a:p>
+            <a:pPr algn="ctr"/>
+            <a:endParaRPr lang="de-DE"/>
+          </a:p>
+        </p:txBody>
+      </p:sp>
+    </p:spTree>
+    <p:extLst>
+      <p:ext uri="{BB962C8B-B14F-4D97-AF65-F5344CB8AC3E}">
+        <p14:creationId xmlns:p14="http://schemas.microsoft.com/office/powerpoint/2010/main" val="3858091955"/>
+      </p:ext>
+    </p:extLst>
+  </p:cSld>
+  <p:clrMapOvr>
+    <a:masterClrMapping/>
+  </p:clrMapOvr>
 </p:sld>
 </file>
 

--- a/PP/Microsoft PowerPoint-Präsentation (neu).pptx
+++ b/PP/Microsoft PowerPoint-Präsentation (neu).pptx
@@ -18081,6 +18081,290 @@
           <a:p>
             <a:pPr algn="ctr"/>
             <a:endParaRPr lang="de-DE" dirty="0"/>
+          </a:p>
+        </p:txBody>
+      </p:sp>
+      <p:sp>
+        <p:nvSpPr>
+          <p:cNvPr id="61" name="Rechteck 60"/>
+          <p:cNvSpPr/>
+          <p:nvPr/>
+        </p:nvSpPr>
+        <p:spPr>
+          <a:xfrm>
+            <a:off x="853755" y="3176568"/>
+            <a:ext cx="585066" cy="578952"/>
+          </a:xfrm>
+          <a:prstGeom prst="rect">
+            <a:avLst/>
+          </a:prstGeom>
+          <a:solidFill>
+            <a:schemeClr val="accent1">
+              <a:alpha val="0"/>
+            </a:schemeClr>
+          </a:solidFill>
+          <a:ln>
+            <a:noFill/>
+          </a:ln>
+        </p:spPr>
+        <p:style>
+          <a:lnRef idx="2">
+            <a:schemeClr val="accent1">
+              <a:shade val="50000"/>
+            </a:schemeClr>
+          </a:lnRef>
+          <a:fillRef idx="1">
+            <a:schemeClr val="accent1"/>
+          </a:fillRef>
+          <a:effectRef idx="0">
+            <a:schemeClr val="accent1"/>
+          </a:effectRef>
+          <a:fontRef idx="minor">
+            <a:schemeClr val="lt1"/>
+          </a:fontRef>
+        </p:style>
+        <p:txBody>
+          <a:bodyPr rtlCol="0" anchor="ctr"/>
+          <a:lstStyle/>
+          <a:p>
+            <a:pPr algn="ctr"/>
+            <a:endParaRPr lang="de-DE"/>
+          </a:p>
+        </p:txBody>
+      </p:sp>
+      <p:sp>
+        <p:nvSpPr>
+          <p:cNvPr id="62" name="Ellipse 61"/>
+          <p:cNvSpPr/>
+          <p:nvPr/>
+        </p:nvSpPr>
+        <p:spPr>
+          <a:xfrm>
+            <a:off x="1019034" y="3340044"/>
+            <a:ext cx="252000" cy="252000"/>
+          </a:xfrm>
+          <a:prstGeom prst="ellipse">
+            <a:avLst/>
+          </a:prstGeom>
+          <a:noFill/>
+          <a:ln>
+            <a:solidFill>
+              <a:srgbClr val="FF0000"/>
+            </a:solidFill>
+          </a:ln>
+        </p:spPr>
+        <p:style>
+          <a:lnRef idx="2">
+            <a:schemeClr val="accent1">
+              <a:shade val="50000"/>
+            </a:schemeClr>
+          </a:lnRef>
+          <a:fillRef idx="1">
+            <a:schemeClr val="accent1"/>
+          </a:fillRef>
+          <a:effectRef idx="0">
+            <a:schemeClr val="accent1"/>
+          </a:effectRef>
+          <a:fontRef idx="minor">
+            <a:schemeClr val="lt1"/>
+          </a:fontRef>
+        </p:style>
+        <p:txBody>
+          <a:bodyPr rtlCol="0" anchor="ctr"/>
+          <a:lstStyle/>
+          <a:p>
+            <a:pPr algn="ctr"/>
+            <a:endParaRPr lang="de-DE"/>
+          </a:p>
+        </p:txBody>
+      </p:sp>
+      <p:sp>
+        <p:nvSpPr>
+          <p:cNvPr id="63" name="Ellipse 62"/>
+          <p:cNvSpPr/>
+          <p:nvPr/>
+        </p:nvSpPr>
+        <p:spPr>
+          <a:xfrm>
+            <a:off x="1111263" y="3430044"/>
+            <a:ext cx="72000" cy="72000"/>
+          </a:xfrm>
+          <a:prstGeom prst="ellipse">
+            <a:avLst/>
+          </a:prstGeom>
+          <a:solidFill>
+            <a:srgbClr val="7030A0"/>
+          </a:solidFill>
+          <a:ln>
+            <a:solidFill>
+              <a:srgbClr val="002060"/>
+            </a:solidFill>
+          </a:ln>
+        </p:spPr>
+        <p:style>
+          <a:lnRef idx="2">
+            <a:schemeClr val="accent1">
+              <a:shade val="50000"/>
+            </a:schemeClr>
+          </a:lnRef>
+          <a:fillRef idx="1">
+            <a:schemeClr val="accent1"/>
+          </a:fillRef>
+          <a:effectRef idx="0">
+            <a:schemeClr val="accent1"/>
+          </a:effectRef>
+          <a:fontRef idx="minor">
+            <a:schemeClr val="lt1"/>
+          </a:fontRef>
+        </p:style>
+        <p:txBody>
+          <a:bodyPr rtlCol="0" anchor="ctr"/>
+          <a:lstStyle/>
+          <a:p>
+            <a:pPr algn="ctr"/>
+            <a:endParaRPr lang="de-DE"/>
+          </a:p>
+        </p:txBody>
+      </p:sp>
+      <p:sp>
+        <p:nvSpPr>
+          <p:cNvPr id="64" name="Rechteck 63"/>
+          <p:cNvSpPr/>
+          <p:nvPr/>
+        </p:nvSpPr>
+        <p:spPr>
+          <a:xfrm>
+            <a:off x="3075512" y="3237788"/>
+            <a:ext cx="585066" cy="578952"/>
+          </a:xfrm>
+          <a:prstGeom prst="rect">
+            <a:avLst/>
+          </a:prstGeom>
+          <a:solidFill>
+            <a:schemeClr val="accent1">
+              <a:alpha val="0"/>
+            </a:schemeClr>
+          </a:solidFill>
+          <a:ln>
+            <a:noFill/>
+          </a:ln>
+        </p:spPr>
+        <p:style>
+          <a:lnRef idx="2">
+            <a:schemeClr val="accent1">
+              <a:shade val="50000"/>
+            </a:schemeClr>
+          </a:lnRef>
+          <a:fillRef idx="1">
+            <a:schemeClr val="accent1"/>
+          </a:fillRef>
+          <a:effectRef idx="0">
+            <a:schemeClr val="accent1"/>
+          </a:effectRef>
+          <a:fontRef idx="minor">
+            <a:schemeClr val="lt1"/>
+          </a:fontRef>
+        </p:style>
+        <p:txBody>
+          <a:bodyPr rtlCol="0" anchor="ctr"/>
+          <a:lstStyle/>
+          <a:p>
+            <a:pPr algn="ctr"/>
+            <a:endParaRPr lang="de-DE"/>
+          </a:p>
+        </p:txBody>
+      </p:sp>
+      <p:sp>
+        <p:nvSpPr>
+          <p:cNvPr id="65" name="Ellipse 64"/>
+          <p:cNvSpPr/>
+          <p:nvPr/>
+        </p:nvSpPr>
+        <p:spPr>
+          <a:xfrm>
+            <a:off x="3240791" y="3401264"/>
+            <a:ext cx="252000" cy="252000"/>
+          </a:xfrm>
+          <a:prstGeom prst="ellipse">
+            <a:avLst/>
+          </a:prstGeom>
+          <a:noFill/>
+          <a:ln>
+            <a:solidFill>
+              <a:srgbClr val="FFC000"/>
+            </a:solidFill>
+          </a:ln>
+        </p:spPr>
+        <p:style>
+          <a:lnRef idx="2">
+            <a:schemeClr val="accent1">
+              <a:shade val="50000"/>
+            </a:schemeClr>
+          </a:lnRef>
+          <a:fillRef idx="1">
+            <a:schemeClr val="accent1"/>
+          </a:fillRef>
+          <a:effectRef idx="0">
+            <a:schemeClr val="accent1"/>
+          </a:effectRef>
+          <a:fontRef idx="minor">
+            <a:schemeClr val="lt1"/>
+          </a:fontRef>
+        </p:style>
+        <p:txBody>
+          <a:bodyPr rtlCol="0" anchor="ctr"/>
+          <a:lstStyle/>
+          <a:p>
+            <a:pPr algn="ctr"/>
+            <a:endParaRPr lang="de-DE"/>
+          </a:p>
+        </p:txBody>
+      </p:sp>
+      <p:sp>
+        <p:nvSpPr>
+          <p:cNvPr id="66" name="Ellipse 65"/>
+          <p:cNvSpPr/>
+          <p:nvPr/>
+        </p:nvSpPr>
+        <p:spPr>
+          <a:xfrm>
+            <a:off x="3333020" y="3491264"/>
+            <a:ext cx="72000" cy="72000"/>
+          </a:xfrm>
+          <a:prstGeom prst="ellipse">
+            <a:avLst/>
+          </a:prstGeom>
+          <a:solidFill>
+            <a:srgbClr val="92D050"/>
+          </a:solidFill>
+          <a:ln>
+            <a:solidFill>
+              <a:srgbClr val="00B050"/>
+            </a:solidFill>
+          </a:ln>
+        </p:spPr>
+        <p:style>
+          <a:lnRef idx="2">
+            <a:schemeClr val="accent1">
+              <a:shade val="50000"/>
+            </a:schemeClr>
+          </a:lnRef>
+          <a:fillRef idx="1">
+            <a:schemeClr val="accent1"/>
+          </a:fillRef>
+          <a:effectRef idx="0">
+            <a:schemeClr val="accent1"/>
+          </a:effectRef>
+          <a:fontRef idx="minor">
+            <a:schemeClr val="lt1"/>
+          </a:fontRef>
+        </p:style>
+        <p:txBody>
+          <a:bodyPr rtlCol="0" anchor="ctr"/>
+          <a:lstStyle/>
+          <a:p>
+            <a:pPr algn="ctr"/>
+            <a:endParaRPr lang="de-DE"/>
           </a:p>
         </p:txBody>
       </p:sp>
